--- a/Lab1/CS_5004_Lab1.pptx
+++ b/Lab1/CS_5004_Lab1.pptx
@@ -5,41 +5,42 @@
     <p:sldMasterId id="2147483648" r:id="rId1"/>
   </p:sldMasterIdLst>
   <p:notesMasterIdLst>
-    <p:notesMasterId r:id="rId31"/>
+    <p:notesMasterId r:id="rId32"/>
   </p:notesMasterIdLst>
   <p:handoutMasterIdLst>
-    <p:handoutMasterId r:id="rId32"/>
+    <p:handoutMasterId r:id="rId33"/>
   </p:handoutMasterIdLst>
   <p:sldIdLst>
     <p:sldId id="349" r:id="rId2"/>
-    <p:sldId id="733" r:id="rId3"/>
-    <p:sldId id="722" r:id="rId4"/>
-    <p:sldId id="720" r:id="rId5"/>
-    <p:sldId id="712" r:id="rId6"/>
-    <p:sldId id="713" r:id="rId7"/>
-    <p:sldId id="724" r:id="rId8"/>
-    <p:sldId id="727" r:id="rId9"/>
-    <p:sldId id="726" r:id="rId10"/>
-    <p:sldId id="719" r:id="rId11"/>
-    <p:sldId id="695" r:id="rId12"/>
-    <p:sldId id="257" r:id="rId13"/>
-    <p:sldId id="258" r:id="rId14"/>
-    <p:sldId id="260" r:id="rId15"/>
-    <p:sldId id="261" r:id="rId16"/>
-    <p:sldId id="262" r:id="rId17"/>
-    <p:sldId id="723" r:id="rId18"/>
-    <p:sldId id="263" r:id="rId19"/>
-    <p:sldId id="264" r:id="rId20"/>
-    <p:sldId id="265" r:id="rId21"/>
-    <p:sldId id="266" r:id="rId22"/>
-    <p:sldId id="267" r:id="rId23"/>
-    <p:sldId id="269" r:id="rId24"/>
-    <p:sldId id="268" r:id="rId25"/>
-    <p:sldId id="731" r:id="rId26"/>
-    <p:sldId id="729" r:id="rId27"/>
-    <p:sldId id="728" r:id="rId28"/>
-    <p:sldId id="730" r:id="rId29"/>
-    <p:sldId id="732" r:id="rId30"/>
+    <p:sldId id="722" r:id="rId3"/>
+    <p:sldId id="734" r:id="rId4"/>
+    <p:sldId id="695" r:id="rId5"/>
+    <p:sldId id="257" r:id="rId6"/>
+    <p:sldId id="258" r:id="rId7"/>
+    <p:sldId id="260" r:id="rId8"/>
+    <p:sldId id="261" r:id="rId9"/>
+    <p:sldId id="262" r:id="rId10"/>
+    <p:sldId id="723" r:id="rId11"/>
+    <p:sldId id="263" r:id="rId12"/>
+    <p:sldId id="264" r:id="rId13"/>
+    <p:sldId id="265" r:id="rId14"/>
+    <p:sldId id="266" r:id="rId15"/>
+    <p:sldId id="267" r:id="rId16"/>
+    <p:sldId id="269" r:id="rId17"/>
+    <p:sldId id="268" r:id="rId18"/>
+    <p:sldId id="733" r:id="rId19"/>
+    <p:sldId id="720" r:id="rId20"/>
+    <p:sldId id="712" r:id="rId21"/>
+    <p:sldId id="713" r:id="rId22"/>
+    <p:sldId id="724" r:id="rId23"/>
+    <p:sldId id="727" r:id="rId24"/>
+    <p:sldId id="726" r:id="rId25"/>
+    <p:sldId id="719" r:id="rId26"/>
+    <p:sldId id="731" r:id="rId27"/>
+    <p:sldId id="729" r:id="rId28"/>
+    <p:sldId id="728" r:id="rId29"/>
+    <p:sldId id="730" r:id="rId30"/>
+    <p:sldId id="732" r:id="rId31"/>
   </p:sldIdLst>
   <p:sldSz cx="9144000" cy="6858000" type="screen4x3"/>
   <p:notesSz cx="6858000" cy="9144000"/>
@@ -13361,7 +13362,7 @@
   <dgm:whole/>
   <dgm:extLst>
     <a:ext uri="http://schemas.microsoft.com/office/drawing/2008/diagram">
-      <dsp:dataModelExt xmlns:dsp="http://schemas.microsoft.com/office/drawing/2008/diagram" relId="rId6" minVer="http://schemas.openxmlformats.org/drawingml/2006/diagram"/>
+      <dsp:dataModelExt xmlns:dsp="http://schemas.microsoft.com/office/drawing/2008/diagram" relId="rId7" minVer="http://schemas.openxmlformats.org/drawingml/2006/diagram"/>
     </a:ext>
   </dgm:extLst>
 </dgm:dataModel>
@@ -39882,7 +39883,7 @@
               <a:pPr>
                 <a:defRPr/>
               </a:pPr>
-              <a:t>9/11/24</a:t>
+              <a:t>1/8/25</a:t>
             </a:fld>
             <a:endParaRPr lang="en-US"/>
           </a:p>
@@ -40066,7 +40067,7 @@
               <a:pPr>
                 <a:defRPr/>
               </a:pPr>
-              <a:t>9/11/24</a:t>
+              <a:t>1/8/25</a:t>
             </a:fld>
             <a:endParaRPr lang="en-US"/>
           </a:p>
@@ -40722,7 +40723,7 @@
               <a:pPr>
                 <a:defRPr/>
               </a:pPr>
-              <a:t>3</a:t>
+              <a:t>2</a:t>
             </a:fld>
             <a:endParaRPr lang="en-US"/>
           </a:p>
@@ -40731,7 +40732,7 @@
     </p:spTree>
     <p:extLst>
       <p:ext uri="{BB962C8B-B14F-4D97-AF65-F5344CB8AC3E}">
-        <p14:creationId xmlns:p14="http://schemas.microsoft.com/office/powerpoint/2010/main" val="1689608695"/>
+        <p14:creationId xmlns:p14="http://schemas.microsoft.com/office/powerpoint/2010/main" val="991595957"/>
       </p:ext>
     </p:extLst>
   </p:cSld>
@@ -40785,19 +40786,7 @@
           <a:bodyPr/>
           <a:lstStyle/>
           <a:p>
-            <a:r>
-              <a:rPr lang="en-US" dirty="0"/>
-              <a:t>Think of </a:t>
-            </a:r>
-            <a:r>
-              <a:rPr lang="en-US"/>
-              <a:t>an</a:t>
-            </a:r>
-            <a:r>
-              <a:rPr lang="en-US" baseline="0"/>
-              <a:t> example</a:t>
-            </a:r>
-            <a:endParaRPr lang="en-US"/>
+            <a:endParaRPr lang="en-US" dirty="0"/>
           </a:p>
         </p:txBody>
       </p:sp>
@@ -40808,7 +40797,7 @@
             <a:spLocks noGrp="1"/>
           </p:cNvSpPr>
           <p:nvPr>
-            <p:ph type="sldNum" sz="quarter" idx="10"/>
+            <p:ph type="sldNum" sz="quarter" idx="5"/>
           </p:nvPr>
         </p:nvSpPr>
         <p:spPr/>
@@ -40819,12 +40808,12 @@
             <a:pPr>
               <a:defRPr/>
             </a:pPr>
-            <a:fld id="{53850FAB-EAB5-2346-B44B-4861D1234B2F}" type="slidenum">
+            <a:fld id="{7FD49652-FB4F-5B48-9477-D11764833CEF}" type="slidenum">
               <a:rPr lang="en-US" smtClean="0"/>
               <a:pPr>
                 <a:defRPr/>
               </a:pPr>
-              <a:t>5</a:t>
+              <a:t>13</a:t>
             </a:fld>
             <a:endParaRPr lang="en-US"/>
           </a:p>
@@ -40833,7 +40822,7 @@
     </p:spTree>
     <p:extLst>
       <p:ext uri="{BB962C8B-B14F-4D97-AF65-F5344CB8AC3E}">
-        <p14:creationId xmlns:p14="http://schemas.microsoft.com/office/powerpoint/2010/main" val="4266518486"/>
+        <p14:creationId xmlns:p14="http://schemas.microsoft.com/office/powerpoint/2010/main" val="1145382633"/>
       </p:ext>
     </p:extLst>
   </p:cSld>
@@ -40887,18 +40876,6 @@
           <a:bodyPr/>
           <a:lstStyle/>
           <a:p>
-            <a:r>
-              <a:rPr lang="en-US" dirty="0"/>
-              <a:t>Think of </a:t>
-            </a:r>
-            <a:r>
-              <a:rPr lang="en-US"/>
-              <a:t>an</a:t>
-            </a:r>
-            <a:r>
-              <a:rPr lang="en-US" baseline="0"/>
-              <a:t> example</a:t>
-            </a:r>
             <a:endParaRPr lang="en-US"/>
           </a:p>
         </p:txBody>
@@ -40918,15 +40895,9 @@
           <a:bodyPr/>
           <a:lstStyle/>
           <a:p>
-            <a:pPr>
-              <a:defRPr/>
-            </a:pPr>
-            <a:fld id="{53850FAB-EAB5-2346-B44B-4861D1234B2F}" type="slidenum">
+            <a:fld id="{072F33FE-8B1E-4C5B-8D9A-3EE999E9590B}" type="slidenum">
               <a:rPr lang="en-US" smtClean="0"/>
-              <a:pPr>
-                <a:defRPr/>
-              </a:pPr>
-              <a:t>6</a:t>
+              <a:t>16</a:t>
             </a:fld>
             <a:endParaRPr lang="en-US"/>
           </a:p>
@@ -40935,7 +40906,7 @@
     </p:spTree>
     <p:extLst>
       <p:ext uri="{BB962C8B-B14F-4D97-AF65-F5344CB8AC3E}">
-        <p14:creationId xmlns:p14="http://schemas.microsoft.com/office/powerpoint/2010/main" val="354229483"/>
+        <p14:creationId xmlns:p14="http://schemas.microsoft.com/office/powerpoint/2010/main" val="367308978"/>
       </p:ext>
     </p:extLst>
   </p:cSld>
@@ -41028,7 +40999,7 @@
               <a:pPr>
                 <a:defRPr/>
               </a:pPr>
-              <a:t>10</a:t>
+              <a:t>20</a:t>
             </a:fld>
             <a:endParaRPr lang="en-US"/>
           </a:p>
@@ -41037,7 +41008,7 @@
     </p:spTree>
     <p:extLst>
       <p:ext uri="{BB962C8B-B14F-4D97-AF65-F5344CB8AC3E}">
-        <p14:creationId xmlns:p14="http://schemas.microsoft.com/office/powerpoint/2010/main" val="2533943479"/>
+        <p14:creationId xmlns:p14="http://schemas.microsoft.com/office/powerpoint/2010/main" val="1475124961"/>
       </p:ext>
     </p:extLst>
   </p:cSld>
@@ -41091,6 +41062,18 @@
           <a:bodyPr/>
           <a:lstStyle/>
           <a:p>
+            <a:r>
+              <a:rPr lang="en-US" dirty="0"/>
+              <a:t>Think of </a:t>
+            </a:r>
+            <a:r>
+              <a:rPr lang="en-US"/>
+              <a:t>an</a:t>
+            </a:r>
+            <a:r>
+              <a:rPr lang="en-US" baseline="0"/>
+              <a:t> example</a:t>
+            </a:r>
             <a:endParaRPr lang="en-US"/>
           </a:p>
         </p:txBody>
@@ -41110,9 +41093,15 @@
           <a:bodyPr/>
           <a:lstStyle/>
           <a:p>
-            <a:fld id="{072F33FE-8B1E-4C5B-8D9A-3EE999E9590B}" type="slidenum">
+            <a:pPr>
+              <a:defRPr/>
+            </a:pPr>
+            <a:fld id="{53850FAB-EAB5-2346-B44B-4861D1234B2F}" type="slidenum">
               <a:rPr lang="en-US" smtClean="0"/>
-              <a:t>23</a:t>
+              <a:pPr>
+                <a:defRPr/>
+              </a:pPr>
+              <a:t>21</a:t>
             </a:fld>
             <a:endParaRPr lang="en-US"/>
           </a:p>
@@ -41121,7 +41110,109 @@
     </p:spTree>
     <p:extLst>
       <p:ext uri="{BB962C8B-B14F-4D97-AF65-F5344CB8AC3E}">
-        <p14:creationId xmlns:p14="http://schemas.microsoft.com/office/powerpoint/2010/main" val="367308978"/>
+        <p14:creationId xmlns:p14="http://schemas.microsoft.com/office/powerpoint/2010/main" val="2371543664"/>
+      </p:ext>
+    </p:extLst>
+  </p:cSld>
+  <p:clrMapOvr>
+    <a:masterClrMapping/>
+  </p:clrMapOvr>
+</p:notes>
+</file>
+
+<file path=ppt/notesSlides/notesSlide7.xml><?xml version="1.0" encoding="utf-8"?>
+<p:notes xmlns:a="http://schemas.openxmlformats.org/drawingml/2006/main" xmlns:r="http://schemas.openxmlformats.org/officeDocument/2006/relationships" xmlns:p="http://schemas.openxmlformats.org/presentationml/2006/main">
+  <p:cSld>
+    <p:spTree>
+      <p:nvGrpSpPr>
+        <p:cNvPr id="1" name=""/>
+        <p:cNvGrpSpPr/>
+        <p:nvPr/>
+      </p:nvGrpSpPr>
+      <p:grpSpPr>
+        <a:xfrm>
+          <a:off x="0" y="0"/>
+          <a:ext cx="0" cy="0"/>
+          <a:chOff x="0" y="0"/>
+          <a:chExt cx="0" cy="0"/>
+        </a:xfrm>
+      </p:grpSpPr>
+      <p:sp>
+        <p:nvSpPr>
+          <p:cNvPr id="2" name="Slide Image Placeholder 1"/>
+          <p:cNvSpPr>
+            <a:spLocks noGrp="1" noRot="1" noChangeAspect="1"/>
+          </p:cNvSpPr>
+          <p:nvPr>
+            <p:ph type="sldImg"/>
+          </p:nvPr>
+        </p:nvSpPr>
+        <p:spPr/>
+      </p:sp>
+      <p:sp>
+        <p:nvSpPr>
+          <p:cNvPr id="3" name="Notes Placeholder 2"/>
+          <p:cNvSpPr>
+            <a:spLocks noGrp="1"/>
+          </p:cNvSpPr>
+          <p:nvPr>
+            <p:ph type="body" idx="1"/>
+          </p:nvPr>
+        </p:nvSpPr>
+        <p:spPr/>
+        <p:txBody>
+          <a:bodyPr/>
+          <a:lstStyle/>
+          <a:p>
+            <a:r>
+              <a:rPr lang="en-US" dirty="0"/>
+              <a:t>Think of </a:t>
+            </a:r>
+            <a:r>
+              <a:rPr lang="en-US"/>
+              <a:t>an</a:t>
+            </a:r>
+            <a:r>
+              <a:rPr lang="en-US" baseline="0"/>
+              <a:t> example</a:t>
+            </a:r>
+            <a:endParaRPr lang="en-US"/>
+          </a:p>
+        </p:txBody>
+      </p:sp>
+      <p:sp>
+        <p:nvSpPr>
+          <p:cNvPr id="4" name="Slide Number Placeholder 3"/>
+          <p:cNvSpPr>
+            <a:spLocks noGrp="1"/>
+          </p:cNvSpPr>
+          <p:nvPr>
+            <p:ph type="sldNum" sz="quarter" idx="10"/>
+          </p:nvPr>
+        </p:nvSpPr>
+        <p:spPr/>
+        <p:txBody>
+          <a:bodyPr/>
+          <a:lstStyle/>
+          <a:p>
+            <a:pPr>
+              <a:defRPr/>
+            </a:pPr>
+            <a:fld id="{53850FAB-EAB5-2346-B44B-4861D1234B2F}" type="slidenum">
+              <a:rPr lang="en-US" smtClean="0"/>
+              <a:pPr>
+                <a:defRPr/>
+              </a:pPr>
+              <a:t>25</a:t>
+            </a:fld>
+            <a:endParaRPr lang="en-US"/>
+          </a:p>
+        </p:txBody>
+      </p:sp>
+    </p:spTree>
+    <p:extLst>
+      <p:ext uri="{BB962C8B-B14F-4D97-AF65-F5344CB8AC3E}">
+        <p14:creationId xmlns:p14="http://schemas.microsoft.com/office/powerpoint/2010/main" val="1273684944"/>
       </p:ext>
     </p:extLst>
   </p:cSld>
@@ -42769,2224 +42860,6 @@
 </file>
 
 <file path=ppt/slides/slide10.xml><?xml version="1.0" encoding="utf-8"?>
-<p:sld xmlns:a="http://schemas.openxmlformats.org/drawingml/2006/main" xmlns:r="http://schemas.openxmlformats.org/officeDocument/2006/relationships" xmlns:p="http://schemas.openxmlformats.org/presentationml/2006/main" show="0">
-  <p:cSld>
-    <p:spTree>
-      <p:nvGrpSpPr>
-        <p:cNvPr id="1" name=""/>
-        <p:cNvGrpSpPr/>
-        <p:nvPr/>
-      </p:nvGrpSpPr>
-      <p:grpSpPr>
-        <a:xfrm>
-          <a:off x="0" y="0"/>
-          <a:ext cx="0" cy="0"/>
-          <a:chOff x="0" y="0"/>
-          <a:chExt cx="0" cy="0"/>
-        </a:xfrm>
-      </p:grpSpPr>
-      <p:sp>
-        <p:nvSpPr>
-          <p:cNvPr id="2" name="Title 1"/>
-          <p:cNvSpPr>
-            <a:spLocks noGrp="1"/>
-          </p:cNvSpPr>
-          <p:nvPr>
-            <p:ph type="title"/>
-          </p:nvPr>
-        </p:nvSpPr>
-        <p:spPr>
-          <a:xfrm>
-            <a:off x="228600" y="685800"/>
-            <a:ext cx="8915400" cy="609600"/>
-          </a:xfrm>
-        </p:spPr>
-        <p:txBody>
-          <a:bodyPr>
-            <a:normAutofit fontScale="90000"/>
-          </a:bodyPr>
-          <a:lstStyle/>
-          <a:p>
-            <a:pPr>
-              <a:defRPr/>
-            </a:pPr>
-            <a:r>
-              <a:rPr lang="en-US" sz="4000" dirty="0">
-                <a:solidFill>
-                  <a:srgbClr val="CC0000"/>
-                </a:solidFill>
-                <a:latin typeface="Helvetica Light" panose="020B0403020202020204" pitchFamily="34" charset="0"/>
-                <a:cs typeface="Calibri" panose="020F0502020204030204" pitchFamily="34" charset="0"/>
-              </a:rPr>
-              <a:t>JUnit – Summary</a:t>
-            </a:r>
-          </a:p>
-        </p:txBody>
-      </p:sp>
-      <p:sp>
-        <p:nvSpPr>
-          <p:cNvPr id="11" name="Rectangle 10">
-            <a:extLst>
-              <a:ext uri="{FF2B5EF4-FFF2-40B4-BE49-F238E27FC236}">
-                <a16:creationId xmlns:a16="http://schemas.microsoft.com/office/drawing/2014/main" id="{A27E52B3-D6EA-9C42-8307-618876D7C008}"/>
-              </a:ext>
-            </a:extLst>
-          </p:cNvPr>
-          <p:cNvSpPr/>
-          <p:nvPr/>
-        </p:nvSpPr>
-        <p:spPr>
-          <a:xfrm>
-            <a:off x="381000" y="1419285"/>
-            <a:ext cx="8001000" cy="4524315"/>
-          </a:xfrm>
-          <a:prstGeom prst="rect">
-            <a:avLst/>
-          </a:prstGeom>
-        </p:spPr>
-        <p:txBody>
-          <a:bodyPr wrap="square">
-            <a:spAutoFit/>
-          </a:bodyPr>
-          <a:lstStyle/>
-          <a:p>
-            <a:pPr marL="342900" indent="-342900">
-              <a:lnSpc>
-                <a:spcPct val="150000"/>
-              </a:lnSpc>
-              <a:buFont typeface="Arial" panose="020B0604020202020204" pitchFamily="34" charset="0"/>
-              <a:buChar char="•"/>
-            </a:pPr>
-            <a:r>
-              <a:rPr lang="en-US" dirty="0">
-                <a:solidFill>
-                  <a:srgbClr val="4A452A"/>
-                </a:solidFill>
-                <a:latin typeface="Helvetica Light" panose="020B0403020202020204" pitchFamily="34" charset="0"/>
-                <a:cs typeface="Calibri" panose="020F0502020204030204" pitchFamily="34" charset="0"/>
-              </a:rPr>
-              <a:t>Tests need </a:t>
-            </a:r>
-            <a:r>
-              <a:rPr lang="en-US" dirty="0">
-                <a:solidFill>
-                  <a:srgbClr val="0070C0"/>
-                </a:solidFill>
-                <a:latin typeface="Helvetica Light" panose="020B0403020202020204" pitchFamily="34" charset="0"/>
-                <a:cs typeface="Calibri" panose="020F0502020204030204" pitchFamily="34" charset="0"/>
-              </a:rPr>
-              <a:t>failure atomicity </a:t>
-            </a:r>
-            <a:r>
-              <a:rPr lang="en-US" dirty="0">
-                <a:solidFill>
-                  <a:srgbClr val="4A452A"/>
-                </a:solidFill>
-                <a:latin typeface="Helvetica Light" panose="020B0403020202020204" pitchFamily="34" charset="0"/>
-                <a:cs typeface="Calibri" panose="020F0502020204030204" pitchFamily="34" charset="0"/>
-              </a:rPr>
-              <a:t>(ability to know exactly what failed)</a:t>
-            </a:r>
-          </a:p>
-          <a:p>
-            <a:pPr marL="342900" indent="-342900">
-              <a:lnSpc>
-                <a:spcPct val="150000"/>
-              </a:lnSpc>
-              <a:buFont typeface="Arial" panose="020B0604020202020204" pitchFamily="34" charset="0"/>
-              <a:buChar char="•"/>
-            </a:pPr>
-            <a:r>
-              <a:rPr lang="en-US" dirty="0">
-                <a:solidFill>
-                  <a:srgbClr val="4A452A"/>
-                </a:solidFill>
-                <a:latin typeface="Helvetica Light" panose="020B0403020202020204" pitchFamily="34" charset="0"/>
-                <a:cs typeface="Calibri" panose="020F0502020204030204" pitchFamily="34" charset="0"/>
-              </a:rPr>
-              <a:t>Each test should have a clear, long, descriptive name</a:t>
-            </a:r>
-          </a:p>
-          <a:p>
-            <a:pPr marL="800100" lvl="1" indent="-342900">
-              <a:lnSpc>
-                <a:spcPct val="150000"/>
-              </a:lnSpc>
-              <a:buFont typeface="Arial" panose="020B0604020202020204" pitchFamily="34" charset="0"/>
-              <a:buChar char="•"/>
-            </a:pPr>
-            <a:r>
-              <a:rPr lang="en-US" dirty="0">
-                <a:solidFill>
-                  <a:srgbClr val="4A452A"/>
-                </a:solidFill>
-                <a:latin typeface="Helvetica Light" panose="020B0403020202020204" pitchFamily="34" charset="0"/>
-                <a:cs typeface="Calibri" panose="020F0502020204030204" pitchFamily="34" charset="0"/>
-              </a:rPr>
-              <a:t>Assertions should always have clear messages to know what failed </a:t>
-            </a:r>
-          </a:p>
-          <a:p>
-            <a:pPr marL="800100" lvl="1" indent="-342900">
-              <a:lnSpc>
-                <a:spcPct val="150000"/>
-              </a:lnSpc>
-              <a:buFont typeface="Arial" panose="020B0604020202020204" pitchFamily="34" charset="0"/>
-              <a:buChar char="•"/>
-            </a:pPr>
-            <a:r>
-              <a:rPr lang="en-US" dirty="0">
-                <a:solidFill>
-                  <a:srgbClr val="4A452A"/>
-                </a:solidFill>
-                <a:latin typeface="Helvetica Light" panose="020B0403020202020204" pitchFamily="34" charset="0"/>
-                <a:cs typeface="Calibri" panose="020F0502020204030204" pitchFamily="34" charset="0"/>
-              </a:rPr>
-              <a:t>Write many small tests, not one big test</a:t>
-            </a:r>
-          </a:p>
-          <a:p>
-            <a:pPr marL="1257300" lvl="2" indent="-342900">
-              <a:lnSpc>
-                <a:spcPct val="150000"/>
-              </a:lnSpc>
-              <a:buFont typeface="Arial" panose="020B0604020202020204" pitchFamily="34" charset="0"/>
-              <a:buChar char="•"/>
-            </a:pPr>
-            <a:r>
-              <a:rPr lang="en-US" dirty="0">
-                <a:solidFill>
-                  <a:srgbClr val="4A452A"/>
-                </a:solidFill>
-                <a:latin typeface="Helvetica Light" panose="020B0403020202020204" pitchFamily="34" charset="0"/>
-                <a:cs typeface="Calibri" panose="020F0502020204030204" pitchFamily="34" charset="0"/>
-              </a:rPr>
-              <a:t>Each test should have roughly just 1 assertion at its end </a:t>
-            </a:r>
-          </a:p>
-          <a:p>
-            <a:pPr marL="342900" indent="-342900">
-              <a:lnSpc>
-                <a:spcPct val="150000"/>
-              </a:lnSpc>
-              <a:buFont typeface="Arial" panose="020B0604020202020204" pitchFamily="34" charset="0"/>
-              <a:buChar char="•"/>
-            </a:pPr>
-            <a:r>
-              <a:rPr lang="en-US" dirty="0">
-                <a:solidFill>
-                  <a:srgbClr val="4A452A"/>
-                </a:solidFill>
-                <a:latin typeface="Helvetica Light" panose="020B0403020202020204" pitchFamily="34" charset="0"/>
-                <a:cs typeface="Calibri" panose="020F0502020204030204" pitchFamily="34" charset="0"/>
-              </a:rPr>
-              <a:t>Test for expected errors / exception</a:t>
-            </a:r>
-          </a:p>
-          <a:p>
-            <a:pPr marL="342900" indent="-342900">
-              <a:lnSpc>
-                <a:spcPct val="150000"/>
-              </a:lnSpc>
-              <a:buFont typeface="Arial" panose="020B0604020202020204" pitchFamily="34" charset="0"/>
-              <a:buChar char="•"/>
-            </a:pPr>
-            <a:r>
-              <a:rPr lang="en-US" dirty="0">
-                <a:solidFill>
-                  <a:srgbClr val="4A452A"/>
-                </a:solidFill>
-                <a:latin typeface="Helvetica Light" panose="020B0403020202020204" pitchFamily="34" charset="0"/>
-                <a:cs typeface="Calibri" panose="020F0502020204030204" pitchFamily="34" charset="0"/>
-              </a:rPr>
-              <a:t>Choose a descriptive assert method, not always </a:t>
-            </a:r>
-            <a:r>
-              <a:rPr lang="en-US" dirty="0" err="1">
-                <a:solidFill>
-                  <a:srgbClr val="4A452A"/>
-                </a:solidFill>
-                <a:latin typeface="Courier New" panose="02070309020205020404" pitchFamily="49" charset="0"/>
-                <a:cs typeface="Courier New" panose="02070309020205020404" pitchFamily="49" charset="0"/>
-              </a:rPr>
-              <a:t>assertTrue</a:t>
-            </a:r>
-            <a:endParaRPr lang="en-US" dirty="0">
-              <a:solidFill>
-                <a:srgbClr val="4A452A"/>
-              </a:solidFill>
-              <a:latin typeface="Courier New" panose="02070309020205020404" pitchFamily="49" charset="0"/>
-              <a:cs typeface="Courier New" panose="02070309020205020404" pitchFamily="49" charset="0"/>
-            </a:endParaRPr>
-          </a:p>
-          <a:p>
-            <a:pPr marL="342900" indent="-342900">
-              <a:lnSpc>
-                <a:spcPct val="150000"/>
-              </a:lnSpc>
-              <a:buFont typeface="Arial" panose="020B0604020202020204" pitchFamily="34" charset="0"/>
-              <a:buChar char="•"/>
-            </a:pPr>
-            <a:r>
-              <a:rPr lang="en-US" dirty="0">
-                <a:solidFill>
-                  <a:srgbClr val="4A452A"/>
-                </a:solidFill>
-                <a:latin typeface="Helvetica Light" panose="020B0403020202020204" pitchFamily="34" charset="0"/>
-                <a:cs typeface="Calibri" panose="020F0502020204030204" pitchFamily="34" charset="0"/>
-              </a:rPr>
-              <a:t>Choose representative test cases from equivalent input classes</a:t>
-            </a:r>
-          </a:p>
-          <a:p>
-            <a:pPr marL="342900" indent="-342900">
-              <a:lnSpc>
-                <a:spcPct val="150000"/>
-              </a:lnSpc>
-              <a:buFont typeface="Arial" panose="020B0604020202020204" pitchFamily="34" charset="0"/>
-              <a:buChar char="•"/>
-            </a:pPr>
-            <a:r>
-              <a:rPr lang="en-US" dirty="0">
-                <a:solidFill>
-                  <a:srgbClr val="4A452A"/>
-                </a:solidFill>
-                <a:latin typeface="Helvetica Light" panose="020B0403020202020204" pitchFamily="34" charset="0"/>
-                <a:cs typeface="Calibri" panose="020F0502020204030204" pitchFamily="34" charset="0"/>
-              </a:rPr>
-              <a:t>Avoid complex logic in test methods if possible</a:t>
-            </a:r>
-          </a:p>
-          <a:p>
-            <a:pPr marL="342900" indent="-342900">
-              <a:lnSpc>
-                <a:spcPct val="150000"/>
-              </a:lnSpc>
-              <a:buFont typeface="Arial" panose="020B0604020202020204" pitchFamily="34" charset="0"/>
-              <a:buChar char="•"/>
-            </a:pPr>
-            <a:r>
-              <a:rPr lang="en-US" dirty="0">
-                <a:solidFill>
-                  <a:srgbClr val="4A452A"/>
-                </a:solidFill>
-                <a:latin typeface="Helvetica Light" panose="020B0403020202020204" pitchFamily="34" charset="0"/>
-                <a:cs typeface="Calibri" panose="020F0502020204030204" pitchFamily="34" charset="0"/>
-              </a:rPr>
-              <a:t>Use helpers, @Before to reduce redundancy between tests</a:t>
-            </a:r>
-          </a:p>
-          <a:p>
-            <a:pPr>
-              <a:buFont typeface="Arial" panose="020B0604020202020204" pitchFamily="34" charset="0"/>
-              <a:buChar char="•"/>
-            </a:pPr>
-            <a:endParaRPr lang="en-US" dirty="0">
-              <a:solidFill>
-                <a:srgbClr val="4A452A"/>
-              </a:solidFill>
-              <a:effectLst/>
-              <a:latin typeface="Helvetica Light" panose="020B0403020202020204" pitchFamily="34" charset="0"/>
-              <a:ea typeface="Helvetica Neue" panose="02000503000000020004" pitchFamily="2" charset="0"/>
-              <a:cs typeface="Calibri" panose="020F0502020204030204" pitchFamily="34" charset="0"/>
-            </a:endParaRPr>
-          </a:p>
-        </p:txBody>
-      </p:sp>
-    </p:spTree>
-    <p:extLst>
-      <p:ext uri="{BB962C8B-B14F-4D97-AF65-F5344CB8AC3E}">
-        <p14:creationId xmlns:p14="http://schemas.microsoft.com/office/powerpoint/2010/main" val="1490922019"/>
-      </p:ext>
-    </p:extLst>
-  </p:cSld>
-  <p:clrMapOvr>
-    <a:masterClrMapping/>
-  </p:clrMapOvr>
-  <p:timing>
-    <p:tnLst>
-      <p:par>
-        <p:cTn id="1" dur="indefinite" restart="never" nodeType="tmRoot">
-          <p:childTnLst>
-            <p:seq concurrent="1" nextAc="seek">
-              <p:cTn id="2" dur="indefinite" nodeType="mainSeq">
-                <p:childTnLst>
-                  <p:par>
-                    <p:cTn id="3" fill="hold">
-                      <p:stCondLst>
-                        <p:cond delay="indefinite"/>
-                      </p:stCondLst>
-                      <p:childTnLst>
-                        <p:par>
-                          <p:cTn id="4" fill="hold">
-                            <p:stCondLst>
-                              <p:cond delay="0"/>
-                            </p:stCondLst>
-                            <p:childTnLst>
-                              <p:par>
-                                <p:cTn id="5" presetID="1" presetClass="entr" presetSubtype="0" fill="hold" nodeType="clickEffect">
-                                  <p:stCondLst>
-                                    <p:cond delay="0"/>
-                                  </p:stCondLst>
-                                  <p:childTnLst>
-                                    <p:set>
-                                      <p:cBhvr>
-                                        <p:cTn id="6" dur="1" fill="hold">
-                                          <p:stCondLst>
-                                            <p:cond delay="0"/>
-                                          </p:stCondLst>
-                                        </p:cTn>
-                                        <p:tgtEl>
-                                          <p:spTgt spid="11">
-                                            <p:txEl>
-                                              <p:pRg st="1" end="1"/>
-                                            </p:txEl>
-                                          </p:spTgt>
-                                        </p:tgtEl>
-                                        <p:attrNameLst>
-                                          <p:attrName>style.visibility</p:attrName>
-                                        </p:attrNameLst>
-                                      </p:cBhvr>
-                                      <p:to>
-                                        <p:strVal val="visible"/>
-                                      </p:to>
-                                    </p:set>
-                                  </p:childTnLst>
-                                </p:cTn>
-                              </p:par>
-                              <p:par>
-                                <p:cTn id="7" presetID="1" presetClass="entr" presetSubtype="0" fill="hold" nodeType="withEffect">
-                                  <p:stCondLst>
-                                    <p:cond delay="0"/>
-                                  </p:stCondLst>
-                                  <p:childTnLst>
-                                    <p:set>
-                                      <p:cBhvr>
-                                        <p:cTn id="8" dur="1" fill="hold">
-                                          <p:stCondLst>
-                                            <p:cond delay="0"/>
-                                          </p:stCondLst>
-                                        </p:cTn>
-                                        <p:tgtEl>
-                                          <p:spTgt spid="11">
-                                            <p:txEl>
-                                              <p:pRg st="2" end="2"/>
-                                            </p:txEl>
-                                          </p:spTgt>
-                                        </p:tgtEl>
-                                        <p:attrNameLst>
-                                          <p:attrName>style.visibility</p:attrName>
-                                        </p:attrNameLst>
-                                      </p:cBhvr>
-                                      <p:to>
-                                        <p:strVal val="visible"/>
-                                      </p:to>
-                                    </p:set>
-                                  </p:childTnLst>
-                                </p:cTn>
-                              </p:par>
-                              <p:par>
-                                <p:cTn id="9" presetID="1" presetClass="entr" presetSubtype="0" fill="hold" nodeType="withEffect">
-                                  <p:stCondLst>
-                                    <p:cond delay="0"/>
-                                  </p:stCondLst>
-                                  <p:childTnLst>
-                                    <p:set>
-                                      <p:cBhvr>
-                                        <p:cTn id="10" dur="1" fill="hold">
-                                          <p:stCondLst>
-                                            <p:cond delay="0"/>
-                                          </p:stCondLst>
-                                        </p:cTn>
-                                        <p:tgtEl>
-                                          <p:spTgt spid="11">
-                                            <p:txEl>
-                                              <p:pRg st="3" end="3"/>
-                                            </p:txEl>
-                                          </p:spTgt>
-                                        </p:tgtEl>
-                                        <p:attrNameLst>
-                                          <p:attrName>style.visibility</p:attrName>
-                                        </p:attrNameLst>
-                                      </p:cBhvr>
-                                      <p:to>
-                                        <p:strVal val="visible"/>
-                                      </p:to>
-                                    </p:set>
-                                  </p:childTnLst>
-                                </p:cTn>
-                              </p:par>
-                              <p:par>
-                                <p:cTn id="11" presetID="1" presetClass="entr" presetSubtype="0" fill="hold" nodeType="withEffect">
-                                  <p:stCondLst>
-                                    <p:cond delay="0"/>
-                                  </p:stCondLst>
-                                  <p:childTnLst>
-                                    <p:set>
-                                      <p:cBhvr>
-                                        <p:cTn id="12" dur="1" fill="hold">
-                                          <p:stCondLst>
-                                            <p:cond delay="0"/>
-                                          </p:stCondLst>
-                                        </p:cTn>
-                                        <p:tgtEl>
-                                          <p:spTgt spid="11">
-                                            <p:txEl>
-                                              <p:pRg st="4" end="4"/>
-                                            </p:txEl>
-                                          </p:spTgt>
-                                        </p:tgtEl>
-                                        <p:attrNameLst>
-                                          <p:attrName>style.visibility</p:attrName>
-                                        </p:attrNameLst>
-                                      </p:cBhvr>
-                                      <p:to>
-                                        <p:strVal val="visible"/>
-                                      </p:to>
-                                    </p:set>
-                                  </p:childTnLst>
-                                </p:cTn>
-                              </p:par>
-                            </p:childTnLst>
-                          </p:cTn>
-                        </p:par>
-                      </p:childTnLst>
-                    </p:cTn>
-                  </p:par>
-                  <p:par>
-                    <p:cTn id="13" fill="hold">
-                      <p:stCondLst>
-                        <p:cond delay="indefinite"/>
-                      </p:stCondLst>
-                      <p:childTnLst>
-                        <p:par>
-                          <p:cTn id="14" fill="hold">
-                            <p:stCondLst>
-                              <p:cond delay="0"/>
-                            </p:stCondLst>
-                            <p:childTnLst>
-                              <p:par>
-                                <p:cTn id="15" presetID="1" presetClass="entr" presetSubtype="0" fill="hold" nodeType="clickEffect">
-                                  <p:stCondLst>
-                                    <p:cond delay="0"/>
-                                  </p:stCondLst>
-                                  <p:childTnLst>
-                                    <p:set>
-                                      <p:cBhvr>
-                                        <p:cTn id="16" dur="1" fill="hold">
-                                          <p:stCondLst>
-                                            <p:cond delay="0"/>
-                                          </p:stCondLst>
-                                        </p:cTn>
-                                        <p:tgtEl>
-                                          <p:spTgt spid="11">
-                                            <p:txEl>
-                                              <p:pRg st="5" end="5"/>
-                                            </p:txEl>
-                                          </p:spTgt>
-                                        </p:tgtEl>
-                                        <p:attrNameLst>
-                                          <p:attrName>style.visibility</p:attrName>
-                                        </p:attrNameLst>
-                                      </p:cBhvr>
-                                      <p:to>
-                                        <p:strVal val="visible"/>
-                                      </p:to>
-                                    </p:set>
-                                  </p:childTnLst>
-                                </p:cTn>
-                              </p:par>
-                            </p:childTnLst>
-                          </p:cTn>
-                        </p:par>
-                      </p:childTnLst>
-                    </p:cTn>
-                  </p:par>
-                  <p:par>
-                    <p:cTn id="17" fill="hold">
-                      <p:stCondLst>
-                        <p:cond delay="indefinite"/>
-                      </p:stCondLst>
-                      <p:childTnLst>
-                        <p:par>
-                          <p:cTn id="18" fill="hold">
-                            <p:stCondLst>
-                              <p:cond delay="0"/>
-                            </p:stCondLst>
-                            <p:childTnLst>
-                              <p:par>
-                                <p:cTn id="19" presetID="1" presetClass="entr" presetSubtype="0" fill="hold" nodeType="clickEffect">
-                                  <p:stCondLst>
-                                    <p:cond delay="0"/>
-                                  </p:stCondLst>
-                                  <p:childTnLst>
-                                    <p:set>
-                                      <p:cBhvr>
-                                        <p:cTn id="20" dur="1" fill="hold">
-                                          <p:stCondLst>
-                                            <p:cond delay="0"/>
-                                          </p:stCondLst>
-                                        </p:cTn>
-                                        <p:tgtEl>
-                                          <p:spTgt spid="11">
-                                            <p:txEl>
-                                              <p:pRg st="6" end="6"/>
-                                            </p:txEl>
-                                          </p:spTgt>
-                                        </p:tgtEl>
-                                        <p:attrNameLst>
-                                          <p:attrName>style.visibility</p:attrName>
-                                        </p:attrNameLst>
-                                      </p:cBhvr>
-                                      <p:to>
-                                        <p:strVal val="visible"/>
-                                      </p:to>
-                                    </p:set>
-                                  </p:childTnLst>
-                                </p:cTn>
-                              </p:par>
-                            </p:childTnLst>
-                          </p:cTn>
-                        </p:par>
-                      </p:childTnLst>
-                    </p:cTn>
-                  </p:par>
-                  <p:par>
-                    <p:cTn id="21" fill="hold">
-                      <p:stCondLst>
-                        <p:cond delay="indefinite"/>
-                      </p:stCondLst>
-                      <p:childTnLst>
-                        <p:par>
-                          <p:cTn id="22" fill="hold">
-                            <p:stCondLst>
-                              <p:cond delay="0"/>
-                            </p:stCondLst>
-                            <p:childTnLst>
-                              <p:par>
-                                <p:cTn id="23" presetID="1" presetClass="entr" presetSubtype="0" fill="hold" nodeType="clickEffect">
-                                  <p:stCondLst>
-                                    <p:cond delay="0"/>
-                                  </p:stCondLst>
-                                  <p:childTnLst>
-                                    <p:set>
-                                      <p:cBhvr>
-                                        <p:cTn id="24" dur="1" fill="hold">
-                                          <p:stCondLst>
-                                            <p:cond delay="0"/>
-                                          </p:stCondLst>
-                                        </p:cTn>
-                                        <p:tgtEl>
-                                          <p:spTgt spid="11">
-                                            <p:txEl>
-                                              <p:pRg st="7" end="7"/>
-                                            </p:txEl>
-                                          </p:spTgt>
-                                        </p:tgtEl>
-                                        <p:attrNameLst>
-                                          <p:attrName>style.visibility</p:attrName>
-                                        </p:attrNameLst>
-                                      </p:cBhvr>
-                                      <p:to>
-                                        <p:strVal val="visible"/>
-                                      </p:to>
-                                    </p:set>
-                                  </p:childTnLst>
-                                </p:cTn>
-                              </p:par>
-                            </p:childTnLst>
-                          </p:cTn>
-                        </p:par>
-                      </p:childTnLst>
-                    </p:cTn>
-                  </p:par>
-                  <p:par>
-                    <p:cTn id="25" fill="hold">
-                      <p:stCondLst>
-                        <p:cond delay="indefinite"/>
-                      </p:stCondLst>
-                      <p:childTnLst>
-                        <p:par>
-                          <p:cTn id="26" fill="hold">
-                            <p:stCondLst>
-                              <p:cond delay="0"/>
-                            </p:stCondLst>
-                            <p:childTnLst>
-                              <p:par>
-                                <p:cTn id="27" presetID="1" presetClass="entr" presetSubtype="0" fill="hold" nodeType="clickEffect">
-                                  <p:stCondLst>
-                                    <p:cond delay="0"/>
-                                  </p:stCondLst>
-                                  <p:childTnLst>
-                                    <p:set>
-                                      <p:cBhvr>
-                                        <p:cTn id="28" dur="1" fill="hold">
-                                          <p:stCondLst>
-                                            <p:cond delay="0"/>
-                                          </p:stCondLst>
-                                        </p:cTn>
-                                        <p:tgtEl>
-                                          <p:spTgt spid="11">
-                                            <p:txEl>
-                                              <p:pRg st="8" end="8"/>
-                                            </p:txEl>
-                                          </p:spTgt>
-                                        </p:tgtEl>
-                                        <p:attrNameLst>
-                                          <p:attrName>style.visibility</p:attrName>
-                                        </p:attrNameLst>
-                                      </p:cBhvr>
-                                      <p:to>
-                                        <p:strVal val="visible"/>
-                                      </p:to>
-                                    </p:set>
-                                  </p:childTnLst>
-                                </p:cTn>
-                              </p:par>
-                            </p:childTnLst>
-                          </p:cTn>
-                        </p:par>
-                      </p:childTnLst>
-                    </p:cTn>
-                  </p:par>
-                  <p:par>
-                    <p:cTn id="29" fill="hold">
-                      <p:stCondLst>
-                        <p:cond delay="indefinite"/>
-                      </p:stCondLst>
-                      <p:childTnLst>
-                        <p:par>
-                          <p:cTn id="30" fill="hold">
-                            <p:stCondLst>
-                              <p:cond delay="0"/>
-                            </p:stCondLst>
-                            <p:childTnLst>
-                              <p:par>
-                                <p:cTn id="31" presetID="1" presetClass="entr" presetSubtype="0" fill="hold" nodeType="clickEffect">
-                                  <p:stCondLst>
-                                    <p:cond delay="0"/>
-                                  </p:stCondLst>
-                                  <p:childTnLst>
-                                    <p:set>
-                                      <p:cBhvr>
-                                        <p:cTn id="32" dur="1" fill="hold">
-                                          <p:stCondLst>
-                                            <p:cond delay="0"/>
-                                          </p:stCondLst>
-                                        </p:cTn>
-                                        <p:tgtEl>
-                                          <p:spTgt spid="11">
-                                            <p:txEl>
-                                              <p:pRg st="9" end="9"/>
-                                            </p:txEl>
-                                          </p:spTgt>
-                                        </p:tgtEl>
-                                        <p:attrNameLst>
-                                          <p:attrName>style.visibility</p:attrName>
-                                        </p:attrNameLst>
-                                      </p:cBhvr>
-                                      <p:to>
-                                        <p:strVal val="visible"/>
-                                      </p:to>
-                                    </p:set>
-                                  </p:childTnLst>
-                                </p:cTn>
-                              </p:par>
-                            </p:childTnLst>
-                          </p:cTn>
-                        </p:par>
-                      </p:childTnLst>
-                    </p:cTn>
-                  </p:par>
-                </p:childTnLst>
-              </p:cTn>
-              <p:prevCondLst>
-                <p:cond evt="onPrev" delay="0">
-                  <p:tgtEl>
-                    <p:sldTgt/>
-                  </p:tgtEl>
-                </p:cond>
-              </p:prevCondLst>
-              <p:nextCondLst>
-                <p:cond evt="onNext" delay="0">
-                  <p:tgtEl>
-                    <p:sldTgt/>
-                  </p:tgtEl>
-                </p:cond>
-              </p:nextCondLst>
-            </p:seq>
-          </p:childTnLst>
-        </p:cTn>
-      </p:par>
-    </p:tnLst>
-  </p:timing>
-</p:sld>
-</file>
-
-<file path=ppt/slides/slide11.xml><?xml version="1.0" encoding="utf-8"?>
-<p:sld xmlns:a="http://schemas.openxmlformats.org/drawingml/2006/main" xmlns:r="http://schemas.openxmlformats.org/officeDocument/2006/relationships" xmlns:p="http://schemas.openxmlformats.org/presentationml/2006/main">
-  <p:cSld>
-    <p:spTree>
-      <p:nvGrpSpPr>
-        <p:cNvPr id="1" name=""/>
-        <p:cNvGrpSpPr/>
-        <p:nvPr/>
-      </p:nvGrpSpPr>
-      <p:grpSpPr>
-        <a:xfrm>
-          <a:off x="0" y="0"/>
-          <a:ext cx="0" cy="0"/>
-          <a:chOff x="0" y="0"/>
-          <a:chExt cx="0" cy="0"/>
-        </a:xfrm>
-      </p:grpSpPr>
-      <p:sp>
-        <p:nvSpPr>
-          <p:cNvPr id="2" name="Title 1"/>
-          <p:cNvSpPr>
-            <a:spLocks noGrp="1"/>
-          </p:cNvSpPr>
-          <p:nvPr>
-            <p:ph type="title"/>
-          </p:nvPr>
-        </p:nvSpPr>
-        <p:spPr/>
-        <p:txBody>
-          <a:bodyPr/>
-          <a:lstStyle/>
-          <a:p>
-            <a:r>
-              <a:rPr lang="en-US" sz="3600" b="0" dirty="0">
-                <a:solidFill>
-                  <a:srgbClr val="4A452A"/>
-                </a:solidFill>
-                <a:latin typeface="Helvetica Light" panose="020B0403020202020204" pitchFamily="34" charset="0"/>
-                <a:cs typeface="Calibri" panose="020F0502020204030204" pitchFamily="34" charset="0"/>
-              </a:rPr>
-              <a:t>Introduction TO GIT</a:t>
-            </a:r>
-          </a:p>
-        </p:txBody>
-      </p:sp>
-      <p:sp>
-        <p:nvSpPr>
-          <p:cNvPr id="3" name="Text Placeholder 2"/>
-          <p:cNvSpPr>
-            <a:spLocks noGrp="1"/>
-          </p:cNvSpPr>
-          <p:nvPr>
-            <p:ph type="body" idx="1"/>
-          </p:nvPr>
-        </p:nvSpPr>
-        <p:spPr/>
-        <p:txBody>
-          <a:bodyPr/>
-          <a:lstStyle/>
-          <a:p>
-            <a:endParaRPr lang="en-US" sz="3000" dirty="0">
-              <a:latin typeface="Helvetica Light" panose="020B0403020202020204" pitchFamily="34" charset="0"/>
-              <a:cs typeface="Calibri" panose="020F0502020204030204" pitchFamily="34" charset="0"/>
-            </a:endParaRPr>
-          </a:p>
-        </p:txBody>
-      </p:sp>
-    </p:spTree>
-    <p:extLst>
-      <p:ext uri="{BB962C8B-B14F-4D97-AF65-F5344CB8AC3E}">
-        <p14:creationId xmlns:p14="http://schemas.microsoft.com/office/powerpoint/2010/main" val="4181877587"/>
-      </p:ext>
-    </p:extLst>
-  </p:cSld>
-  <p:clrMapOvr>
-    <a:masterClrMapping/>
-  </p:clrMapOvr>
-</p:sld>
-</file>
-
-<file path=ppt/slides/slide12.xml><?xml version="1.0" encoding="utf-8"?>
-<p:sld xmlns:a="http://schemas.openxmlformats.org/drawingml/2006/main" xmlns:r="http://schemas.openxmlformats.org/officeDocument/2006/relationships" xmlns:p="http://schemas.openxmlformats.org/presentationml/2006/main">
-  <p:cSld>
-    <p:spTree>
-      <p:nvGrpSpPr>
-        <p:cNvPr id="1" name=""/>
-        <p:cNvGrpSpPr/>
-        <p:nvPr/>
-      </p:nvGrpSpPr>
-      <p:grpSpPr>
-        <a:xfrm>
-          <a:off x="0" y="0"/>
-          <a:ext cx="0" cy="0"/>
-          <a:chOff x="0" y="0"/>
-          <a:chExt cx="0" cy="0"/>
-        </a:xfrm>
-      </p:grpSpPr>
-      <p:sp>
-        <p:nvSpPr>
-          <p:cNvPr id="2" name="Title 1"/>
-          <p:cNvSpPr>
-            <a:spLocks noGrp="1"/>
-          </p:cNvSpPr>
-          <p:nvPr>
-            <p:ph type="title"/>
-          </p:nvPr>
-        </p:nvSpPr>
-        <p:spPr/>
-        <p:txBody>
-          <a:bodyPr>
-            <a:normAutofit/>
-          </a:bodyPr>
-          <a:lstStyle/>
-          <a:p>
-            <a:r>
-              <a:rPr lang="en-US" dirty="0">
-                <a:solidFill>
-                  <a:srgbClr val="C00000"/>
-                </a:solidFill>
-                <a:latin typeface="Helvetica Light" panose="020B0403020202020204" pitchFamily="34" charset="0"/>
-              </a:rPr>
-              <a:t>Introduction to Git</a:t>
-            </a:r>
-          </a:p>
-        </p:txBody>
-      </p:sp>
-      <p:sp>
-        <p:nvSpPr>
-          <p:cNvPr id="3" name="Content Placeholder 2"/>
-          <p:cNvSpPr>
-            <a:spLocks noGrp="1"/>
-          </p:cNvSpPr>
-          <p:nvPr>
-            <p:ph idx="1"/>
-          </p:nvPr>
-        </p:nvSpPr>
-        <p:spPr/>
-        <p:txBody>
-          <a:bodyPr>
-            <a:normAutofit fontScale="77500" lnSpcReduction="20000"/>
-          </a:bodyPr>
-          <a:lstStyle/>
-          <a:p>
-            <a:r>
-              <a:rPr lang="en-US" dirty="0">
-                <a:solidFill>
-                  <a:srgbClr val="4A452A"/>
-                </a:solidFill>
-                <a:latin typeface="Helvetica Light" panose="020B0403020202020204" pitchFamily="34" charset="0"/>
-              </a:rPr>
-              <a:t>Git is a </a:t>
-            </a:r>
-            <a:r>
-              <a:rPr lang="en-US" dirty="0">
-                <a:solidFill>
-                  <a:srgbClr val="0070C0"/>
-                </a:solidFill>
-                <a:latin typeface="Helvetica Light" panose="020B0403020202020204" pitchFamily="34" charset="0"/>
-              </a:rPr>
-              <a:t>distributed version-control system</a:t>
-            </a:r>
-          </a:p>
-          <a:p>
-            <a:pPr lvl="1"/>
-            <a:r>
-              <a:rPr lang="en-US" dirty="0">
-                <a:solidFill>
-                  <a:srgbClr val="4A452A"/>
-                </a:solidFill>
-                <a:latin typeface="Helvetica Light" panose="020B0403020202020204" pitchFamily="34" charset="0"/>
-              </a:rPr>
-              <a:t>Allows project collaboration</a:t>
-            </a:r>
-          </a:p>
-          <a:p>
-            <a:pPr lvl="1"/>
-            <a:r>
-              <a:rPr lang="en-US" dirty="0">
-                <a:solidFill>
-                  <a:srgbClr val="4A452A"/>
-                </a:solidFill>
-                <a:latin typeface="Helvetica Light" panose="020B0403020202020204" pitchFamily="34" charset="0"/>
-              </a:rPr>
-              <a:t>Enables creation of backup version of the code</a:t>
-            </a:r>
-          </a:p>
-          <a:p>
-            <a:pPr lvl="1"/>
-            <a:endParaRPr lang="en-US" dirty="0">
-              <a:solidFill>
-                <a:srgbClr val="4A452A"/>
-              </a:solidFill>
-              <a:latin typeface="Helvetica Light" panose="020B0403020202020204" pitchFamily="34" charset="0"/>
-            </a:endParaRPr>
-          </a:p>
-          <a:p>
-            <a:r>
-              <a:rPr lang="en-US" dirty="0">
-                <a:solidFill>
-                  <a:srgbClr val="4A452A"/>
-                </a:solidFill>
-                <a:latin typeface="Helvetica Light" panose="020B0403020202020204" pitchFamily="34" charset="0"/>
-              </a:rPr>
-              <a:t>How git works:</a:t>
-            </a:r>
-          </a:p>
-          <a:p>
-            <a:pPr marL="914400" lvl="1" indent="-514350">
-              <a:buFont typeface="+mj-lt"/>
-              <a:buAutoNum type="arabicPeriod"/>
-            </a:pPr>
-            <a:r>
-              <a:rPr lang="en-US" dirty="0">
-                <a:solidFill>
-                  <a:srgbClr val="4A452A"/>
-                </a:solidFill>
-                <a:latin typeface="Helvetica Light" panose="020B0403020202020204" pitchFamily="34" charset="0"/>
-              </a:rPr>
-              <a:t>You keep your files in a repository on your local machine.</a:t>
-            </a:r>
-          </a:p>
-          <a:p>
-            <a:pPr marL="914400" lvl="1" indent="-514350">
-              <a:buFont typeface="+mj-lt"/>
-              <a:buAutoNum type="arabicPeriod"/>
-            </a:pPr>
-            <a:r>
-              <a:rPr lang="en-US" dirty="0">
-                <a:solidFill>
-                  <a:srgbClr val="4A452A"/>
-                </a:solidFill>
-                <a:latin typeface="Helvetica Light" panose="020B0403020202020204" pitchFamily="34" charset="0"/>
-              </a:rPr>
-              <a:t>You synchronize your repository with a repository on a server.</a:t>
-            </a:r>
-          </a:p>
-          <a:p>
-            <a:pPr marL="914400" lvl="1" indent="-514350">
-              <a:buFont typeface="+mj-lt"/>
-              <a:buAutoNum type="arabicPeriod"/>
-            </a:pPr>
-            <a:r>
-              <a:rPr lang="en-US" dirty="0">
-                <a:solidFill>
-                  <a:srgbClr val="4A452A"/>
-                </a:solidFill>
-                <a:latin typeface="Helvetica Light" panose="020B0403020202020204" pitchFamily="34" charset="0"/>
-              </a:rPr>
-              <a:t>If you move from one machine to another, you can pick up the changes by synchronizing with the server.</a:t>
-            </a:r>
-          </a:p>
-          <a:p>
-            <a:pPr marL="914400" lvl="1" indent="-514350">
-              <a:buFont typeface="+mj-lt"/>
-              <a:buAutoNum type="arabicPeriod"/>
-            </a:pPr>
-            <a:r>
-              <a:rPr lang="en-US" dirty="0">
-                <a:solidFill>
-                  <a:srgbClr val="4A452A"/>
-                </a:solidFill>
-                <a:latin typeface="Helvetica Light" panose="020B0403020202020204" pitchFamily="34" charset="0"/>
-              </a:rPr>
-              <a:t>If your partner uploads some changes to your files, you can pick those up by synchronizing with the server.</a:t>
-            </a:r>
-          </a:p>
-        </p:txBody>
-      </p:sp>
-    </p:spTree>
-    <p:extLst>
-      <p:ext uri="{BB962C8B-B14F-4D97-AF65-F5344CB8AC3E}">
-        <p14:creationId xmlns:p14="http://schemas.microsoft.com/office/powerpoint/2010/main" val="584373226"/>
-      </p:ext>
-    </p:extLst>
-  </p:cSld>
-  <p:clrMapOvr>
-    <a:masterClrMapping/>
-  </p:clrMapOvr>
-</p:sld>
-</file>
-
-<file path=ppt/slides/slide13.xml><?xml version="1.0" encoding="utf-8"?>
-<p:sld xmlns:a="http://schemas.openxmlformats.org/drawingml/2006/main" xmlns:r="http://schemas.openxmlformats.org/officeDocument/2006/relationships" xmlns:p="http://schemas.openxmlformats.org/presentationml/2006/main" show="0">
-  <p:cSld>
-    <p:spTree>
-      <p:nvGrpSpPr>
-        <p:cNvPr id="1" name=""/>
-        <p:cNvGrpSpPr/>
-        <p:nvPr/>
-      </p:nvGrpSpPr>
-      <p:grpSpPr>
-        <a:xfrm>
-          <a:off x="0" y="0"/>
-          <a:ext cx="0" cy="0"/>
-          <a:chOff x="0" y="0"/>
-          <a:chExt cx="0" cy="0"/>
-        </a:xfrm>
-      </p:grpSpPr>
-      <p:sp>
-        <p:nvSpPr>
-          <p:cNvPr id="2" name="Title 1"/>
-          <p:cNvSpPr>
-            <a:spLocks noGrp="1"/>
-          </p:cNvSpPr>
-          <p:nvPr>
-            <p:ph type="title"/>
-          </p:nvPr>
-        </p:nvSpPr>
-        <p:spPr/>
-        <p:txBody>
-          <a:bodyPr>
-            <a:normAutofit/>
-          </a:bodyPr>
-          <a:lstStyle/>
-          <a:p>
-            <a:r>
-              <a:rPr lang="en-US" dirty="0">
-                <a:solidFill>
-                  <a:srgbClr val="C00000"/>
-                </a:solidFill>
-                <a:latin typeface="Helvetica Light" panose="020B0403020202020204" pitchFamily="34" charset="0"/>
-              </a:rPr>
-              <a:t>How Does Git Work?</a:t>
-            </a:r>
-          </a:p>
-        </p:txBody>
-      </p:sp>
-      <p:sp>
-        <p:nvSpPr>
-          <p:cNvPr id="3" name="Content Placeholder 2"/>
-          <p:cNvSpPr>
-            <a:spLocks noGrp="1"/>
-          </p:cNvSpPr>
-          <p:nvPr>
-            <p:ph idx="1"/>
-          </p:nvPr>
-        </p:nvSpPr>
-        <p:spPr/>
-        <p:txBody>
-          <a:bodyPr/>
-          <a:lstStyle/>
-          <a:p>
-            <a:r>
-              <a:rPr lang="en-US" dirty="0">
-                <a:solidFill>
-                  <a:srgbClr val="4A452A"/>
-                </a:solidFill>
-                <a:latin typeface="Helvetica Light" panose="020B0403020202020204" pitchFamily="34" charset="0"/>
-              </a:rPr>
-              <a:t>Git represents history in a </a:t>
-            </a:r>
-            <a:r>
-              <a:rPr lang="en-US" dirty="0">
-                <a:solidFill>
-                  <a:srgbClr val="0070C0"/>
-                </a:solidFill>
-                <a:latin typeface="Helvetica Light" panose="020B0403020202020204" pitchFamily="34" charset="0"/>
-              </a:rPr>
-              <a:t>Directed Acyclic Graph (DAG)</a:t>
-            </a:r>
-          </a:p>
-          <a:p>
-            <a:r>
-              <a:rPr lang="en-US" dirty="0">
-                <a:solidFill>
-                  <a:srgbClr val="4A452A"/>
-                </a:solidFill>
-                <a:latin typeface="Helvetica Light" panose="020B0403020202020204" pitchFamily="34" charset="0"/>
-              </a:rPr>
-              <a:t>Each node in the graph is a hashed git command</a:t>
-            </a:r>
-          </a:p>
-          <a:p>
-            <a:r>
-              <a:rPr lang="en-US" dirty="0">
-                <a:solidFill>
-                  <a:srgbClr val="4A452A"/>
-                </a:solidFill>
-                <a:latin typeface="Helvetica Light" panose="020B0403020202020204" pitchFamily="34" charset="0"/>
-              </a:rPr>
-              <a:t>Since the backing data structures is a DAG, we are guaranteed that nodes representing later commits (in terms of time) will be organized after earlier commits</a:t>
-            </a:r>
-          </a:p>
-        </p:txBody>
-      </p:sp>
-      <p:sp>
-        <p:nvSpPr>
-          <p:cNvPr id="4" name="Slide Number Placeholder 3"/>
-          <p:cNvSpPr>
-            <a:spLocks noGrp="1"/>
-          </p:cNvSpPr>
-          <p:nvPr>
-            <p:ph type="sldNum" sz="quarter" idx="4294967295"/>
-          </p:nvPr>
-        </p:nvSpPr>
-        <p:spPr>
-          <a:xfrm>
-            <a:off x="6629400" y="6356350"/>
-            <a:ext cx="2133600" cy="365125"/>
-          </a:xfrm>
-          <a:prstGeom prst="rect">
-            <a:avLst/>
-          </a:prstGeom>
-        </p:spPr>
-        <p:txBody>
-          <a:bodyPr/>
-          <a:lstStyle/>
-          <a:p>
-            <a:fld id="{B6F15528-21DE-4FAA-801E-634DDDAF4B2B}" type="slidenum">
-              <a:rPr lang="en-US" smtClean="0">
-                <a:solidFill>
-                  <a:srgbClr val="4A452A"/>
-                </a:solidFill>
-                <a:latin typeface="Helvetica Light" panose="020B0403020202020204" pitchFamily="34" charset="0"/>
-              </a:rPr>
-              <a:pPr/>
-              <a:t>13</a:t>
-            </a:fld>
-            <a:endParaRPr lang="en-US">
-              <a:solidFill>
-                <a:srgbClr val="4A452A"/>
-              </a:solidFill>
-              <a:latin typeface="Helvetica Light" panose="020B0403020202020204" pitchFamily="34" charset="0"/>
-            </a:endParaRPr>
-          </a:p>
-        </p:txBody>
-      </p:sp>
-      <p:sp>
-        <p:nvSpPr>
-          <p:cNvPr id="7" name="Date Placeholder 6">
-            <a:extLst>
-              <a:ext uri="{FF2B5EF4-FFF2-40B4-BE49-F238E27FC236}">
-                <a16:creationId xmlns:a16="http://schemas.microsoft.com/office/drawing/2014/main" id="{8D958A1C-8926-AE40-AE17-3BE1BB9237FB}"/>
-              </a:ext>
-            </a:extLst>
-          </p:cNvPr>
-          <p:cNvSpPr>
-            <a:spLocks noGrp="1"/>
-          </p:cNvSpPr>
-          <p:nvPr>
-            <p:ph type="dt" sz="half" idx="4294967295"/>
-          </p:nvPr>
-        </p:nvSpPr>
-        <p:spPr>
-          <a:xfrm>
-            <a:off x="457200" y="6356350"/>
-            <a:ext cx="2133600" cy="365125"/>
-          </a:xfrm>
-          <a:prstGeom prst="rect">
-            <a:avLst/>
-          </a:prstGeom>
-        </p:spPr>
-        <p:txBody>
-          <a:bodyPr/>
-          <a:lstStyle/>
-          <a:p>
-            <a:pPr>
-              <a:defRPr/>
-            </a:pPr>
-            <a:r>
-              <a:rPr lang="en-US"/>
-              <a:t>1/25/2022</a:t>
-            </a:r>
-          </a:p>
-        </p:txBody>
-      </p:sp>
-      <p:sp>
-        <p:nvSpPr>
-          <p:cNvPr id="8" name="Footer Placeholder 7">
-            <a:extLst>
-              <a:ext uri="{FF2B5EF4-FFF2-40B4-BE49-F238E27FC236}">
-                <a16:creationId xmlns:a16="http://schemas.microsoft.com/office/drawing/2014/main" id="{D6CECB73-C8DB-CE43-9CC9-0316A9F8D629}"/>
-              </a:ext>
-            </a:extLst>
-          </p:cNvPr>
-          <p:cNvSpPr>
-            <a:spLocks noGrp="1"/>
-          </p:cNvSpPr>
-          <p:nvPr>
-            <p:ph type="ftr" sz="quarter" idx="4294967295"/>
-          </p:nvPr>
-        </p:nvSpPr>
-        <p:spPr>
-          <a:xfrm>
-            <a:off x="3065463" y="6356350"/>
-            <a:ext cx="3335337" cy="365125"/>
-          </a:xfrm>
-          <a:prstGeom prst="rect">
-            <a:avLst/>
-          </a:prstGeom>
-        </p:spPr>
-        <p:txBody>
-          <a:bodyPr/>
-          <a:lstStyle/>
-          <a:p>
-            <a:pPr>
-              <a:defRPr/>
-            </a:pPr>
-            <a:r>
-              <a:rPr lang="en-US"/>
-              <a:t>CS 5004, Spring 2022 - Lab 1</a:t>
-            </a:r>
-          </a:p>
-        </p:txBody>
-      </p:sp>
-    </p:spTree>
-    <p:extLst>
-      <p:ext uri="{BB962C8B-B14F-4D97-AF65-F5344CB8AC3E}">
-        <p14:creationId xmlns:p14="http://schemas.microsoft.com/office/powerpoint/2010/main" val="1535048966"/>
-      </p:ext>
-    </p:extLst>
-  </p:cSld>
-  <p:clrMapOvr>
-    <a:masterClrMapping/>
-  </p:clrMapOvr>
-</p:sld>
-</file>
-
-<file path=ppt/slides/slide14.xml><?xml version="1.0" encoding="utf-8"?>
-<p:sld xmlns:a="http://schemas.openxmlformats.org/drawingml/2006/main" xmlns:r="http://schemas.openxmlformats.org/officeDocument/2006/relationships" xmlns:p="http://schemas.openxmlformats.org/presentationml/2006/main">
-  <p:cSld>
-    <p:spTree>
-      <p:nvGrpSpPr>
-        <p:cNvPr id="1" name=""/>
-        <p:cNvGrpSpPr/>
-        <p:nvPr/>
-      </p:nvGrpSpPr>
-      <p:grpSpPr>
-        <a:xfrm>
-          <a:off x="0" y="0"/>
-          <a:ext cx="0" cy="0"/>
-          <a:chOff x="0" y="0"/>
-          <a:chExt cx="0" cy="0"/>
-        </a:xfrm>
-      </p:grpSpPr>
-      <p:sp>
-        <p:nvSpPr>
-          <p:cNvPr id="2" name="Title 1"/>
-          <p:cNvSpPr>
-            <a:spLocks noGrp="1"/>
-          </p:cNvSpPr>
-          <p:nvPr>
-            <p:ph type="title"/>
-          </p:nvPr>
-        </p:nvSpPr>
-        <p:spPr/>
-        <p:txBody>
-          <a:bodyPr/>
-          <a:lstStyle/>
-          <a:p>
-            <a:r>
-              <a:rPr lang="en-US" dirty="0">
-                <a:solidFill>
-                  <a:srgbClr val="C00000"/>
-                </a:solidFill>
-                <a:latin typeface="Helvetica Light" panose="020B0403020202020204" pitchFamily="34" charset="0"/>
-              </a:rPr>
-              <a:t>Simple Model of Git: Your Files</a:t>
-            </a:r>
-          </a:p>
-        </p:txBody>
-      </p:sp>
-      <p:graphicFrame>
-        <p:nvGraphicFramePr>
-          <p:cNvPr id="4" name="Diagram 3"/>
-          <p:cNvGraphicFramePr/>
-          <p:nvPr>
-            <p:extLst>
-              <p:ext uri="{D42A27DB-BD31-4B8C-83A1-F6EECF244321}">
-                <p14:modId xmlns:p14="http://schemas.microsoft.com/office/powerpoint/2010/main" val="2633886277"/>
-              </p:ext>
-            </p:extLst>
-          </p:nvPr>
-        </p:nvGraphicFramePr>
-        <p:xfrm>
-          <a:off x="1524000" y="685800"/>
-          <a:ext cx="2209800" cy="4038600"/>
-        </p:xfrm>
-        <a:graphic>
-          <a:graphicData uri="http://schemas.openxmlformats.org/drawingml/2006/diagram">
-            <dgm:relIds xmlns:dgm="http://schemas.openxmlformats.org/drawingml/2006/diagram" xmlns:r="http://schemas.openxmlformats.org/officeDocument/2006/relationships" r:dm="rId2" r:lo="rId3" r:qs="rId4" r:cs="rId5"/>
-          </a:graphicData>
-        </a:graphic>
-      </p:graphicFrame>
-      <p:sp>
-        <p:nvSpPr>
-          <p:cNvPr id="8" name="Rectangle 7"/>
-          <p:cNvSpPr/>
-          <p:nvPr/>
-        </p:nvSpPr>
-        <p:spPr>
-          <a:xfrm>
-            <a:off x="1447800" y="4191000"/>
-            <a:ext cx="2590800" cy="914400"/>
-          </a:xfrm>
-          <a:prstGeom prst="rect">
-            <a:avLst/>
-          </a:prstGeom>
-          <a:solidFill>
-            <a:schemeClr val="accent3">
-              <a:lumMod val="40000"/>
-              <a:lumOff val="60000"/>
-            </a:schemeClr>
-          </a:solidFill>
-        </p:spPr>
-        <p:style>
-          <a:lnRef idx="2">
-            <a:schemeClr val="accent1"/>
-          </a:lnRef>
-          <a:fillRef idx="1">
-            <a:schemeClr val="lt1"/>
-          </a:fillRef>
-          <a:effectRef idx="0">
-            <a:schemeClr val="accent1"/>
-          </a:effectRef>
-          <a:fontRef idx="minor">
-            <a:schemeClr val="dk1"/>
-          </a:fontRef>
-        </p:style>
-        <p:txBody>
-          <a:bodyPr rtlCol="0" anchor="ctr"/>
-          <a:lstStyle/>
-          <a:p>
-            <a:pPr algn="ctr"/>
-            <a:r>
-              <a:rPr lang="en-US" dirty="0">
-                <a:latin typeface="Helvetica Light" panose="020B0403020202020204" pitchFamily="34" charset="0"/>
-              </a:rPr>
-              <a:t>Here are your files, sitting in a directory called my-project</a:t>
-            </a:r>
-          </a:p>
-        </p:txBody>
-      </p:sp>
-    </p:spTree>
-    <p:extLst>
-      <p:ext uri="{BB962C8B-B14F-4D97-AF65-F5344CB8AC3E}">
-        <p14:creationId xmlns:p14="http://schemas.microsoft.com/office/powerpoint/2010/main" val="182717293"/>
-      </p:ext>
-    </p:extLst>
-  </p:cSld>
-  <p:clrMapOvr>
-    <a:masterClrMapping/>
-  </p:clrMapOvr>
-</p:sld>
-</file>
-
-<file path=ppt/slides/slide15.xml><?xml version="1.0" encoding="utf-8"?>
-<p:sld xmlns:a="http://schemas.openxmlformats.org/drawingml/2006/main" xmlns:r="http://schemas.openxmlformats.org/officeDocument/2006/relationships" xmlns:p="http://schemas.openxmlformats.org/presentationml/2006/main">
-  <p:cSld>
-    <p:spTree>
-      <p:nvGrpSpPr>
-        <p:cNvPr id="1" name=""/>
-        <p:cNvGrpSpPr/>
-        <p:nvPr/>
-      </p:nvGrpSpPr>
-      <p:grpSpPr>
-        <a:xfrm>
-          <a:off x="0" y="0"/>
-          <a:ext cx="0" cy="0"/>
-          <a:chOff x="0" y="0"/>
-          <a:chExt cx="0" cy="0"/>
-        </a:xfrm>
-      </p:grpSpPr>
-      <p:sp>
-        <p:nvSpPr>
-          <p:cNvPr id="2" name="Title 1"/>
-          <p:cNvSpPr>
-            <a:spLocks noGrp="1"/>
-          </p:cNvSpPr>
-          <p:nvPr>
-            <p:ph type="title"/>
-          </p:nvPr>
-        </p:nvSpPr>
-        <p:spPr>
-          <a:xfrm>
-            <a:off x="381000" y="152400"/>
-            <a:ext cx="8415338" cy="914400"/>
-          </a:xfrm>
-        </p:spPr>
-        <p:txBody>
-          <a:bodyPr/>
-          <a:lstStyle/>
-          <a:p>
-            <a:r>
-              <a:rPr lang="en-US" dirty="0">
-                <a:solidFill>
-                  <a:srgbClr val="C00000"/>
-                </a:solidFill>
-                <a:latin typeface="Helvetica Light" panose="020B0403020202020204" pitchFamily="34" charset="0"/>
-              </a:rPr>
-              <a:t>Your Files in Your git Repository</a:t>
-            </a:r>
-          </a:p>
-        </p:txBody>
-      </p:sp>
-      <p:graphicFrame>
-        <p:nvGraphicFramePr>
-          <p:cNvPr id="4" name="Diagram 3"/>
-          <p:cNvGraphicFramePr/>
-          <p:nvPr>
-            <p:extLst>
-              <p:ext uri="{D42A27DB-BD31-4B8C-83A1-F6EECF244321}">
-                <p14:modId xmlns:p14="http://schemas.microsoft.com/office/powerpoint/2010/main" val="3805266167"/>
-              </p:ext>
-            </p:extLst>
-          </p:nvPr>
-        </p:nvGraphicFramePr>
-        <p:xfrm>
-          <a:off x="1371600" y="1143000"/>
-          <a:ext cx="2209800" cy="4038600"/>
-        </p:xfrm>
-        <a:graphic>
-          <a:graphicData uri="http://schemas.openxmlformats.org/drawingml/2006/diagram">
-            <dgm:relIds xmlns:dgm="http://schemas.openxmlformats.org/drawingml/2006/diagram" xmlns:r="http://schemas.openxmlformats.org/officeDocument/2006/relationships" r:dm="rId2" r:lo="rId3" r:qs="rId4" r:cs="rId5"/>
-          </a:graphicData>
-        </a:graphic>
-      </p:graphicFrame>
-      <p:sp>
-        <p:nvSpPr>
-          <p:cNvPr id="9" name="Rounded Rectangle 8"/>
-          <p:cNvSpPr/>
-          <p:nvPr/>
-        </p:nvSpPr>
-        <p:spPr>
-          <a:xfrm>
-            <a:off x="2514600" y="1524000"/>
-            <a:ext cx="1052373" cy="602386"/>
-          </a:xfrm>
-          <a:prstGeom prst="roundRect">
-            <a:avLst>
-              <a:gd name="adj" fmla="val 10000"/>
-            </a:avLst>
-          </a:prstGeom>
-        </p:spPr>
-        <p:style>
-          <a:lnRef idx="2">
-            <a:schemeClr val="lt1">
-              <a:hueOff val="0"/>
-              <a:satOff val="0"/>
-              <a:lumOff val="0"/>
-              <a:alphaOff val="0"/>
-            </a:schemeClr>
-          </a:lnRef>
-          <a:fillRef idx="1">
-            <a:schemeClr val="accent1">
-              <a:hueOff val="0"/>
-              <a:satOff val="0"/>
-              <a:lumOff val="0"/>
-              <a:alphaOff val="0"/>
-            </a:schemeClr>
-          </a:fillRef>
-          <a:effectRef idx="0">
-            <a:schemeClr val="accent1">
-              <a:hueOff val="0"/>
-              <a:satOff val="0"/>
-              <a:lumOff val="0"/>
-              <a:alphaOff val="0"/>
-            </a:schemeClr>
-          </a:effectRef>
-          <a:fontRef idx="minor">
-            <a:schemeClr val="lt1"/>
-          </a:fontRef>
-        </p:style>
-        <p:txBody>
-          <a:bodyPr anchor="ctr"/>
-          <a:lstStyle/>
-          <a:p>
-            <a:pPr algn="ctr"/>
-            <a:r>
-              <a:rPr lang="en-US" dirty="0">
-                <a:latin typeface="Helvetica Light" panose="020B0403020202020204" pitchFamily="34" charset="0"/>
-              </a:rPr>
-              <a:t>.</a:t>
-            </a:r>
-            <a:r>
-              <a:rPr lang="en-US" dirty="0" err="1">
-                <a:latin typeface="Helvetica Light" panose="020B0403020202020204" pitchFamily="34" charset="0"/>
-              </a:rPr>
-              <a:t>git</a:t>
-            </a:r>
-            <a:endParaRPr lang="en-US" dirty="0">
-              <a:latin typeface="Helvetica Light" panose="020B0403020202020204" pitchFamily="34" charset="0"/>
-            </a:endParaRPr>
-          </a:p>
-        </p:txBody>
-      </p:sp>
-      <p:sp>
-        <p:nvSpPr>
-          <p:cNvPr id="12" name="Flowchart: Magnetic Disk 11"/>
-          <p:cNvSpPr/>
-          <p:nvPr/>
-        </p:nvSpPr>
-        <p:spPr>
-          <a:xfrm>
-            <a:off x="4114800" y="1250086"/>
-            <a:ext cx="914400" cy="1150214"/>
-          </a:xfrm>
-          <a:prstGeom prst="flowChartMagneticDisk">
-            <a:avLst/>
-          </a:prstGeom>
-          <a:solidFill>
-            <a:schemeClr val="tx2">
-              <a:lumMod val="20000"/>
-              <a:lumOff val="80000"/>
-            </a:schemeClr>
-          </a:solidFill>
-        </p:spPr>
-        <p:style>
-          <a:lnRef idx="2">
-            <a:schemeClr val="accent1">
-              <a:shade val="50000"/>
-            </a:schemeClr>
-          </a:lnRef>
-          <a:fillRef idx="1">
-            <a:schemeClr val="accent1"/>
-          </a:fillRef>
-          <a:effectRef idx="0">
-            <a:schemeClr val="accent1"/>
-          </a:effectRef>
-          <a:fontRef idx="minor">
-            <a:schemeClr val="lt1"/>
-          </a:fontRef>
-        </p:style>
-        <p:txBody>
-          <a:bodyPr rtlCol="0" anchor="ctr"/>
-          <a:lstStyle/>
-          <a:p>
-            <a:pPr algn="ctr"/>
-            <a:endParaRPr lang="en-US">
-              <a:latin typeface="Helvetica Light" panose="020B0403020202020204" pitchFamily="34" charset="0"/>
-            </a:endParaRPr>
-          </a:p>
-        </p:txBody>
-      </p:sp>
-      <p:cxnSp>
-        <p:nvCxnSpPr>
-          <p:cNvPr id="14" name="Straight Arrow Connector 13"/>
-          <p:cNvCxnSpPr>
-            <a:stCxn id="9" idx="3"/>
-            <a:endCxn id="12" idx="2"/>
-          </p:cNvCxnSpPr>
-          <p:nvPr/>
-        </p:nvCxnSpPr>
-        <p:spPr>
-          <a:xfrm>
-            <a:off x="3566973" y="1825193"/>
-            <a:ext cx="547827" cy="0"/>
-          </a:xfrm>
-          <a:prstGeom prst="straightConnector1">
-            <a:avLst/>
-          </a:prstGeom>
-          <a:ln>
-            <a:tailEnd type="arrow"/>
-          </a:ln>
-        </p:spPr>
-        <p:style>
-          <a:lnRef idx="1">
-            <a:schemeClr val="accent1"/>
-          </a:lnRef>
-          <a:fillRef idx="0">
-            <a:schemeClr val="accent1"/>
-          </a:fillRef>
-          <a:effectRef idx="0">
-            <a:schemeClr val="accent1"/>
-          </a:effectRef>
-          <a:fontRef idx="minor">
-            <a:schemeClr val="tx1"/>
-          </a:fontRef>
-        </p:style>
-      </p:cxnSp>
-      <p:cxnSp>
-        <p:nvCxnSpPr>
-          <p:cNvPr id="16" name="Straight Arrow Connector 15"/>
-          <p:cNvCxnSpPr>
-            <a:endCxn id="9" idx="1"/>
-          </p:cNvCxnSpPr>
-          <p:nvPr/>
-        </p:nvCxnSpPr>
-        <p:spPr>
-          <a:xfrm flipV="1">
-            <a:off x="1905000" y="1825193"/>
-            <a:ext cx="609600" cy="689407"/>
-          </a:xfrm>
-          <a:prstGeom prst="straightConnector1">
-            <a:avLst/>
-          </a:prstGeom>
-          <a:ln>
-            <a:tailEnd type="arrow"/>
-          </a:ln>
-        </p:spPr>
-        <p:style>
-          <a:lnRef idx="1">
-            <a:schemeClr val="accent1"/>
-          </a:lnRef>
-          <a:fillRef idx="0">
-            <a:schemeClr val="accent1"/>
-          </a:fillRef>
-          <a:effectRef idx="0">
-            <a:schemeClr val="accent1"/>
-          </a:effectRef>
-          <a:fontRef idx="minor">
-            <a:schemeClr val="tx1"/>
-          </a:fontRef>
-        </p:style>
-      </p:cxnSp>
-      <p:sp>
-        <p:nvSpPr>
-          <p:cNvPr id="17" name="TextBox 16"/>
-          <p:cNvSpPr txBox="1"/>
-          <p:nvPr/>
-        </p:nvSpPr>
-        <p:spPr>
-          <a:xfrm>
-            <a:off x="3840886" y="2743200"/>
-            <a:ext cx="4288561" cy="2585323"/>
-          </a:xfrm>
-          <a:prstGeom prst="rect">
-            <a:avLst/>
-          </a:prstGeom>
-          <a:noFill/>
-        </p:spPr>
-        <p:txBody>
-          <a:bodyPr wrap="square" rtlCol="0">
-            <a:spAutoFit/>
-          </a:bodyPr>
-          <a:lstStyle/>
-          <a:p>
-            <a:r>
-              <a:rPr lang="en-US" dirty="0">
-                <a:solidFill>
-                  <a:srgbClr val="4A452A"/>
-                </a:solidFill>
-                <a:latin typeface="Helvetica Light" panose="020B0403020202020204" pitchFamily="34" charset="0"/>
-              </a:rPr>
-              <a:t>When you have a </a:t>
-            </a:r>
-            <a:r>
-              <a:rPr lang="en-US" dirty="0" err="1">
-                <a:solidFill>
-                  <a:srgbClr val="4A452A"/>
-                </a:solidFill>
-                <a:latin typeface="Helvetica Light" panose="020B0403020202020204" pitchFamily="34" charset="0"/>
-              </a:rPr>
-              <a:t>git</a:t>
-            </a:r>
-            <a:r>
-              <a:rPr lang="en-US" dirty="0">
-                <a:solidFill>
-                  <a:srgbClr val="4A452A"/>
-                </a:solidFill>
-                <a:latin typeface="Helvetica Light" panose="020B0403020202020204" pitchFamily="34" charset="0"/>
-              </a:rPr>
-              <a:t> repository, you have an additional directory called .</a:t>
-            </a:r>
-            <a:r>
-              <a:rPr lang="en-US" dirty="0" err="1">
-                <a:solidFill>
-                  <a:srgbClr val="4A452A"/>
-                </a:solidFill>
-                <a:latin typeface="Helvetica Light" panose="020B0403020202020204" pitchFamily="34" charset="0"/>
-              </a:rPr>
-              <a:t>git</a:t>
-            </a:r>
-            <a:r>
-              <a:rPr lang="en-US" dirty="0">
-                <a:solidFill>
-                  <a:srgbClr val="4A452A"/>
-                </a:solidFill>
-                <a:latin typeface="Helvetica Light" panose="020B0403020202020204" pitchFamily="34" charset="0"/>
-              </a:rPr>
-              <a:t>, which points at a mini-</a:t>
-            </a:r>
-            <a:r>
-              <a:rPr lang="en-US" dirty="0" err="1">
-                <a:solidFill>
-                  <a:srgbClr val="4A452A"/>
-                </a:solidFill>
-                <a:latin typeface="Helvetica Light" panose="020B0403020202020204" pitchFamily="34" charset="0"/>
-              </a:rPr>
-              <a:t>filesystem</a:t>
-            </a:r>
-            <a:r>
-              <a:rPr lang="en-US" dirty="0">
-                <a:solidFill>
-                  <a:srgbClr val="4A452A"/>
-                </a:solidFill>
-                <a:latin typeface="Helvetica Light" panose="020B0403020202020204" pitchFamily="34" charset="0"/>
-              </a:rPr>
-              <a:t>.   </a:t>
-            </a:r>
-          </a:p>
-          <a:p>
-            <a:endParaRPr lang="en-US" dirty="0">
-              <a:solidFill>
-                <a:srgbClr val="4A452A"/>
-              </a:solidFill>
-              <a:latin typeface="Helvetica Light" panose="020B0403020202020204" pitchFamily="34" charset="0"/>
-            </a:endParaRPr>
-          </a:p>
-          <a:p>
-            <a:r>
-              <a:rPr lang="en-US" dirty="0">
-                <a:solidFill>
-                  <a:srgbClr val="4A452A"/>
-                </a:solidFill>
-                <a:latin typeface="Helvetica Light" panose="020B0403020202020204" pitchFamily="34" charset="0"/>
-              </a:rPr>
-              <a:t>This file system keeps all your data, plus the bells and whistles that </a:t>
-            </a:r>
-            <a:r>
-              <a:rPr lang="en-US" dirty="0" err="1">
-                <a:solidFill>
-                  <a:srgbClr val="4A452A"/>
-                </a:solidFill>
-                <a:latin typeface="Helvetica Light" panose="020B0403020202020204" pitchFamily="34" charset="0"/>
-              </a:rPr>
-              <a:t>git</a:t>
-            </a:r>
-            <a:r>
-              <a:rPr lang="en-US" dirty="0">
-                <a:solidFill>
-                  <a:srgbClr val="4A452A"/>
-                </a:solidFill>
-                <a:latin typeface="Helvetica Light" panose="020B0403020202020204" pitchFamily="34" charset="0"/>
-              </a:rPr>
-              <a:t> needs to do its job.  </a:t>
-            </a:r>
-          </a:p>
-          <a:p>
-            <a:endParaRPr lang="en-US" dirty="0">
-              <a:solidFill>
-                <a:srgbClr val="4A452A"/>
-              </a:solidFill>
-              <a:latin typeface="Helvetica Light" panose="020B0403020202020204" pitchFamily="34" charset="0"/>
-            </a:endParaRPr>
-          </a:p>
-          <a:p>
-            <a:r>
-              <a:rPr lang="en-US" dirty="0">
-                <a:solidFill>
-                  <a:srgbClr val="4A452A"/>
-                </a:solidFill>
-                <a:latin typeface="Helvetica Light" panose="020B0403020202020204" pitchFamily="34" charset="0"/>
-              </a:rPr>
-              <a:t>All this sits on your local machine.</a:t>
-            </a:r>
-          </a:p>
-        </p:txBody>
-      </p:sp>
-    </p:spTree>
-    <p:extLst>
-      <p:ext uri="{BB962C8B-B14F-4D97-AF65-F5344CB8AC3E}">
-        <p14:creationId xmlns:p14="http://schemas.microsoft.com/office/powerpoint/2010/main" val="1100472739"/>
-      </p:ext>
-    </p:extLst>
-  </p:cSld>
-  <p:clrMapOvr>
-    <a:masterClrMapping/>
-  </p:clrMapOvr>
-</p:sld>
-</file>
-
-<file path=ppt/slides/slide16.xml><?xml version="1.0" encoding="utf-8"?>
-<p:sld xmlns:a="http://schemas.openxmlformats.org/drawingml/2006/main" xmlns:r="http://schemas.openxmlformats.org/officeDocument/2006/relationships" xmlns:p="http://schemas.openxmlformats.org/presentationml/2006/main">
-  <p:cSld>
-    <p:spTree>
-      <p:nvGrpSpPr>
-        <p:cNvPr id="1" name=""/>
-        <p:cNvGrpSpPr/>
-        <p:nvPr/>
-      </p:nvGrpSpPr>
-      <p:grpSpPr>
-        <a:xfrm>
-          <a:off x="0" y="0"/>
-          <a:ext cx="0" cy="0"/>
-          <a:chOff x="0" y="0"/>
-          <a:chExt cx="0" cy="0"/>
-        </a:xfrm>
-      </p:grpSpPr>
-      <p:sp>
-        <p:nvSpPr>
-          <p:cNvPr id="2" name="Title 1"/>
-          <p:cNvSpPr>
-            <a:spLocks noGrp="1"/>
-          </p:cNvSpPr>
-          <p:nvPr>
-            <p:ph type="title"/>
-          </p:nvPr>
-        </p:nvSpPr>
-        <p:spPr/>
-        <p:txBody>
-          <a:bodyPr/>
-          <a:lstStyle/>
-          <a:p>
-            <a:r>
-              <a:rPr lang="en-US" dirty="0">
-                <a:solidFill>
-                  <a:srgbClr val="C00000"/>
-                </a:solidFill>
-                <a:latin typeface="Helvetica Light" panose="020B0403020202020204" pitchFamily="34" charset="0"/>
-              </a:rPr>
-              <a:t>The git Client</a:t>
-            </a:r>
-          </a:p>
-        </p:txBody>
-      </p:sp>
-      <p:grpSp>
-        <p:nvGrpSpPr>
-          <p:cNvPr id="5" name="Group 4"/>
-          <p:cNvGrpSpPr/>
-          <p:nvPr/>
-        </p:nvGrpSpPr>
-        <p:grpSpPr>
-          <a:xfrm>
-            <a:off x="1371600" y="2286000"/>
-            <a:ext cx="3657600" cy="4038600"/>
-            <a:chOff x="1371600" y="1143000"/>
-            <a:chExt cx="3657600" cy="4038600"/>
-          </a:xfrm>
-        </p:grpSpPr>
-        <p:graphicFrame>
-          <p:nvGraphicFramePr>
-            <p:cNvPr id="4" name="Diagram 3"/>
-            <p:cNvGraphicFramePr/>
-            <p:nvPr/>
-          </p:nvGraphicFramePr>
-          <p:xfrm>
-            <a:off x="1371600" y="1143000"/>
-            <a:ext cx="2209800" cy="4038600"/>
-          </p:xfrm>
-          <a:graphic>
-            <a:graphicData uri="http://schemas.openxmlformats.org/drawingml/2006/diagram">
-              <dgm:relIds xmlns:dgm="http://schemas.openxmlformats.org/drawingml/2006/diagram" xmlns:r="http://schemas.openxmlformats.org/officeDocument/2006/relationships" r:dm="rId2" r:lo="rId3" r:qs="rId4" r:cs="rId5"/>
-            </a:graphicData>
-          </a:graphic>
-        </p:graphicFrame>
-        <p:sp>
-          <p:nvSpPr>
-            <p:cNvPr id="9" name="Rounded Rectangle 8"/>
-            <p:cNvSpPr/>
-            <p:nvPr/>
-          </p:nvSpPr>
-          <p:spPr>
-            <a:xfrm>
-              <a:off x="2514600" y="1524000"/>
-              <a:ext cx="1052373" cy="602386"/>
-            </a:xfrm>
-            <a:prstGeom prst="roundRect">
-              <a:avLst>
-                <a:gd name="adj" fmla="val 10000"/>
-              </a:avLst>
-            </a:prstGeom>
-          </p:spPr>
-          <p:style>
-            <a:lnRef idx="2">
-              <a:schemeClr val="lt1">
-                <a:hueOff val="0"/>
-                <a:satOff val="0"/>
-                <a:lumOff val="0"/>
-                <a:alphaOff val="0"/>
-              </a:schemeClr>
-            </a:lnRef>
-            <a:fillRef idx="1">
-              <a:schemeClr val="accent1">
-                <a:hueOff val="0"/>
-                <a:satOff val="0"/>
-                <a:lumOff val="0"/>
-                <a:alphaOff val="0"/>
-              </a:schemeClr>
-            </a:fillRef>
-            <a:effectRef idx="0">
-              <a:schemeClr val="accent1">
-                <a:hueOff val="0"/>
-                <a:satOff val="0"/>
-                <a:lumOff val="0"/>
-                <a:alphaOff val="0"/>
-              </a:schemeClr>
-            </a:effectRef>
-            <a:fontRef idx="minor">
-              <a:schemeClr val="lt1"/>
-            </a:fontRef>
-          </p:style>
-          <p:txBody>
-            <a:bodyPr anchor="ctr"/>
-            <a:lstStyle/>
-            <a:p>
-              <a:pPr algn="ctr"/>
-              <a:r>
-                <a:rPr lang="en-US" dirty="0">
-                  <a:latin typeface="Helvetica Light" panose="020B0403020202020204" pitchFamily="34" charset="0"/>
-                </a:rPr>
-                <a:t>.</a:t>
-              </a:r>
-              <a:r>
-                <a:rPr lang="en-US" dirty="0" err="1">
-                  <a:latin typeface="Helvetica Light" panose="020B0403020202020204" pitchFamily="34" charset="0"/>
-                </a:rPr>
-                <a:t>git</a:t>
-              </a:r>
-              <a:endParaRPr lang="en-US" dirty="0">
-                <a:latin typeface="Helvetica Light" panose="020B0403020202020204" pitchFamily="34" charset="0"/>
-              </a:endParaRPr>
-            </a:p>
-          </p:txBody>
-        </p:sp>
-        <p:sp>
-          <p:nvSpPr>
-            <p:cNvPr id="12" name="Flowchart: Magnetic Disk 11"/>
-            <p:cNvSpPr/>
-            <p:nvPr/>
-          </p:nvSpPr>
-          <p:spPr>
-            <a:xfrm>
-              <a:off x="4114800" y="1250086"/>
-              <a:ext cx="914400" cy="1150214"/>
-            </a:xfrm>
-            <a:prstGeom prst="flowChartMagneticDisk">
-              <a:avLst/>
-            </a:prstGeom>
-            <a:solidFill>
-              <a:schemeClr val="tx2">
-                <a:lumMod val="20000"/>
-                <a:lumOff val="80000"/>
-              </a:schemeClr>
-            </a:solidFill>
-          </p:spPr>
-          <p:style>
-            <a:lnRef idx="2">
-              <a:schemeClr val="accent1">
-                <a:shade val="50000"/>
-              </a:schemeClr>
-            </a:lnRef>
-            <a:fillRef idx="1">
-              <a:schemeClr val="accent1"/>
-            </a:fillRef>
-            <a:effectRef idx="0">
-              <a:schemeClr val="accent1"/>
-            </a:effectRef>
-            <a:fontRef idx="minor">
-              <a:schemeClr val="lt1"/>
-            </a:fontRef>
-          </p:style>
-          <p:txBody>
-            <a:bodyPr rtlCol="0" anchor="ctr"/>
-            <a:lstStyle/>
-            <a:p>
-              <a:pPr algn="ctr"/>
-              <a:endParaRPr lang="en-US">
-                <a:latin typeface="Helvetica Light" panose="020B0403020202020204" pitchFamily="34" charset="0"/>
-              </a:endParaRPr>
-            </a:p>
-          </p:txBody>
-        </p:sp>
-        <p:cxnSp>
-          <p:nvCxnSpPr>
-            <p:cNvPr id="14" name="Straight Arrow Connector 13"/>
-            <p:cNvCxnSpPr>
-              <a:stCxn id="9" idx="3"/>
-              <a:endCxn id="12" idx="2"/>
-            </p:cNvCxnSpPr>
-            <p:nvPr/>
-          </p:nvCxnSpPr>
-          <p:spPr>
-            <a:xfrm>
-              <a:off x="3566973" y="1825193"/>
-              <a:ext cx="547827" cy="0"/>
-            </a:xfrm>
-            <a:prstGeom prst="straightConnector1">
-              <a:avLst/>
-            </a:prstGeom>
-            <a:ln>
-              <a:tailEnd type="arrow"/>
-            </a:ln>
-          </p:spPr>
-          <p:style>
-            <a:lnRef idx="1">
-              <a:schemeClr val="accent1"/>
-            </a:lnRef>
-            <a:fillRef idx="0">
-              <a:schemeClr val="accent1"/>
-            </a:fillRef>
-            <a:effectRef idx="0">
-              <a:schemeClr val="accent1"/>
-            </a:effectRef>
-            <a:fontRef idx="minor">
-              <a:schemeClr val="tx1"/>
-            </a:fontRef>
-          </p:style>
-        </p:cxnSp>
-        <p:cxnSp>
-          <p:nvCxnSpPr>
-            <p:cNvPr id="16" name="Straight Arrow Connector 15"/>
-            <p:cNvCxnSpPr>
-              <a:endCxn id="9" idx="1"/>
-            </p:cNvCxnSpPr>
-            <p:nvPr/>
-          </p:nvCxnSpPr>
-          <p:spPr>
-            <a:xfrm flipV="1">
-              <a:off x="1905000" y="1825193"/>
-              <a:ext cx="609600" cy="689407"/>
-            </a:xfrm>
-            <a:prstGeom prst="straightConnector1">
-              <a:avLst/>
-            </a:prstGeom>
-            <a:ln>
-              <a:tailEnd type="arrow"/>
-            </a:ln>
-          </p:spPr>
-          <p:style>
-            <a:lnRef idx="1">
-              <a:schemeClr val="accent1"/>
-            </a:lnRef>
-            <a:fillRef idx="0">
-              <a:schemeClr val="accent1"/>
-            </a:fillRef>
-            <a:effectRef idx="0">
-              <a:schemeClr val="accent1"/>
-            </a:effectRef>
-            <a:fontRef idx="minor">
-              <a:schemeClr val="tx1"/>
-            </a:fontRef>
-          </p:style>
-        </p:cxnSp>
-      </p:grpSp>
-      <p:sp>
-        <p:nvSpPr>
-          <p:cNvPr id="17" name="TextBox 16"/>
-          <p:cNvSpPr txBox="1"/>
-          <p:nvPr/>
-        </p:nvSpPr>
-        <p:spPr>
-          <a:xfrm>
-            <a:off x="4572000" y="3825089"/>
-            <a:ext cx="4288561" cy="2308324"/>
-          </a:xfrm>
-          <a:prstGeom prst="rect">
-            <a:avLst/>
-          </a:prstGeom>
-          <a:noFill/>
-        </p:spPr>
-        <p:txBody>
-          <a:bodyPr wrap="square" rtlCol="0">
-            <a:spAutoFit/>
-          </a:bodyPr>
-          <a:lstStyle/>
-          <a:p>
-            <a:r>
-              <a:rPr lang="en-US" dirty="0">
-                <a:solidFill>
-                  <a:srgbClr val="4A452A"/>
-                </a:solidFill>
-                <a:latin typeface="Helvetica Light" panose="020B0403020202020204" pitchFamily="34" charset="0"/>
-              </a:rPr>
-              <a:t>This mini-</a:t>
-            </a:r>
-            <a:r>
-              <a:rPr lang="en-US" dirty="0" err="1">
-                <a:solidFill>
-                  <a:srgbClr val="4A452A"/>
-                </a:solidFill>
-                <a:latin typeface="Helvetica Light" panose="020B0403020202020204" pitchFamily="34" charset="0"/>
-              </a:rPr>
-              <a:t>filesystem</a:t>
-            </a:r>
-            <a:r>
-              <a:rPr lang="en-US" dirty="0">
-                <a:solidFill>
-                  <a:srgbClr val="4A452A"/>
-                </a:solidFill>
-                <a:latin typeface="Helvetica Light" panose="020B0403020202020204" pitchFamily="34" charset="0"/>
-              </a:rPr>
-              <a:t> is highly optimized and very complicated.  Don’t try to read it directly.</a:t>
-            </a:r>
-          </a:p>
-          <a:p>
-            <a:endParaRPr lang="en-US" dirty="0">
-              <a:solidFill>
-                <a:srgbClr val="4A452A"/>
-              </a:solidFill>
-              <a:latin typeface="Helvetica Light" panose="020B0403020202020204" pitchFamily="34" charset="0"/>
-            </a:endParaRPr>
-          </a:p>
-          <a:p>
-            <a:r>
-              <a:rPr lang="en-US" dirty="0">
-                <a:solidFill>
-                  <a:srgbClr val="4A452A"/>
-                </a:solidFill>
-                <a:latin typeface="Helvetica Light" panose="020B0403020202020204" pitchFamily="34" charset="0"/>
-              </a:rPr>
-              <a:t>The job of the </a:t>
-            </a:r>
-            <a:r>
-              <a:rPr lang="en-US" dirty="0" err="1">
-                <a:solidFill>
-                  <a:srgbClr val="4A452A"/>
-                </a:solidFill>
-                <a:latin typeface="Helvetica Light" panose="020B0403020202020204" pitchFamily="34" charset="0"/>
-              </a:rPr>
-              <a:t>git</a:t>
-            </a:r>
-            <a:r>
-              <a:rPr lang="en-US" dirty="0">
-                <a:solidFill>
-                  <a:srgbClr val="4A452A"/>
-                </a:solidFill>
-                <a:latin typeface="Helvetica Light" panose="020B0403020202020204" pitchFamily="34" charset="0"/>
-              </a:rPr>
-              <a:t> client (either </a:t>
-            </a:r>
-            <a:r>
-              <a:rPr lang="en-US" dirty="0" err="1">
-                <a:solidFill>
-                  <a:srgbClr val="4A452A"/>
-                </a:solidFill>
-                <a:latin typeface="Helvetica Light" panose="020B0403020202020204" pitchFamily="34" charset="0"/>
-              </a:rPr>
-              <a:t>Github</a:t>
-            </a:r>
-            <a:r>
-              <a:rPr lang="en-US" dirty="0">
-                <a:solidFill>
-                  <a:srgbClr val="4A452A"/>
-                </a:solidFill>
-                <a:latin typeface="Helvetica Light" panose="020B0403020202020204" pitchFamily="34" charset="0"/>
-              </a:rPr>
-              <a:t> for Windows, </a:t>
-            </a:r>
-            <a:r>
-              <a:rPr lang="en-US" dirty="0" err="1">
-                <a:solidFill>
-                  <a:srgbClr val="4A452A"/>
-                </a:solidFill>
-                <a:latin typeface="Helvetica Light" panose="020B0403020202020204" pitchFamily="34" charset="0"/>
-              </a:rPr>
-              <a:t>Github</a:t>
-            </a:r>
-            <a:r>
-              <a:rPr lang="en-US" dirty="0">
-                <a:solidFill>
-                  <a:srgbClr val="4A452A"/>
-                </a:solidFill>
-                <a:latin typeface="Helvetica Light" panose="020B0403020202020204" pitchFamily="34" charset="0"/>
-              </a:rPr>
-              <a:t> for Mac, or a suite of command-line utilities) is to manage this for you.</a:t>
-            </a:r>
-          </a:p>
-        </p:txBody>
-      </p:sp>
-    </p:spTree>
-    <p:extLst>
-      <p:ext uri="{BB962C8B-B14F-4D97-AF65-F5344CB8AC3E}">
-        <p14:creationId xmlns:p14="http://schemas.microsoft.com/office/powerpoint/2010/main" val="1011232846"/>
-      </p:ext>
-    </p:extLst>
-  </p:cSld>
-  <p:clrMapOvr>
-    <a:masterClrMapping/>
-  </p:clrMapOvr>
-</p:sld>
-</file>
-
-<file path=ppt/slides/slide17.xml><?xml version="1.0" encoding="utf-8"?>
 <p:sld xmlns:a="http://schemas.openxmlformats.org/drawingml/2006/main" xmlns:r="http://schemas.openxmlformats.org/officeDocument/2006/relationships" xmlns:p="http://schemas.openxmlformats.org/presentationml/2006/main">
   <p:cSld>
     <p:spTree>
@@ -45450,7 +43323,7 @@
 </p:sld>
 </file>
 
-<file path=ppt/slides/slide18.xml><?xml version="1.0" encoding="utf-8"?>
+<file path=ppt/slides/slide11.xml><?xml version="1.0" encoding="utf-8"?>
 <p:sld xmlns:a="http://schemas.openxmlformats.org/drawingml/2006/main" xmlns:r="http://schemas.openxmlformats.org/officeDocument/2006/relationships" xmlns:p="http://schemas.openxmlformats.org/presentationml/2006/main">
   <p:cSld>
     <p:spTree>
@@ -45568,7 +43441,7 @@
 </p:sld>
 </file>
 
-<file path=ppt/slides/slide19.xml><?xml version="1.0" encoding="utf-8"?>
+<file path=ppt/slides/slide12.xml><?xml version="1.0" encoding="utf-8"?>
 <p:sld xmlns:a="http://schemas.openxmlformats.org/drawingml/2006/main" xmlns:r="http://schemas.openxmlformats.org/officeDocument/2006/relationships" xmlns:p="http://schemas.openxmlformats.org/presentationml/2006/main">
   <p:cSld>
     <p:spTree>
@@ -45973,99 +43846,7 @@
 </p:sld>
 </file>
 
-<file path=ppt/slides/slide2.xml><?xml version="1.0" encoding="utf-8"?>
-<p:sld xmlns:a="http://schemas.openxmlformats.org/drawingml/2006/main" xmlns:r="http://schemas.openxmlformats.org/officeDocument/2006/relationships" xmlns:p="http://schemas.openxmlformats.org/presentationml/2006/main">
-  <p:cSld>
-    <p:spTree>
-      <p:nvGrpSpPr>
-        <p:cNvPr id="1" name=""/>
-        <p:cNvGrpSpPr/>
-        <p:nvPr/>
-      </p:nvGrpSpPr>
-      <p:grpSpPr>
-        <a:xfrm>
-          <a:off x="0" y="0"/>
-          <a:ext cx="0" cy="0"/>
-          <a:chOff x="0" y="0"/>
-          <a:chExt cx="0" cy="0"/>
-        </a:xfrm>
-      </p:grpSpPr>
-      <p:sp>
-        <p:nvSpPr>
-          <p:cNvPr id="2" name="Title 1">
-            <a:extLst>
-              <a:ext uri="{FF2B5EF4-FFF2-40B4-BE49-F238E27FC236}">
-                <a16:creationId xmlns:a16="http://schemas.microsoft.com/office/drawing/2014/main" id="{335C5DEF-6349-CD8A-9667-E04A14491BA0}"/>
-              </a:ext>
-            </a:extLst>
-          </p:cNvPr>
-          <p:cNvSpPr>
-            <a:spLocks noGrp="1"/>
-          </p:cNvSpPr>
-          <p:nvPr>
-            <p:ph type="title"/>
-          </p:nvPr>
-        </p:nvSpPr>
-        <p:spPr/>
-        <p:txBody>
-          <a:bodyPr/>
-          <a:lstStyle/>
-          <a:p>
-            <a:r>
-              <a:rPr lang="en-US" dirty="0"/>
-              <a:t>Announcement</a:t>
-            </a:r>
-          </a:p>
-        </p:txBody>
-      </p:sp>
-      <p:sp>
-        <p:nvSpPr>
-          <p:cNvPr id="3" name="Content Placeholder 2">
-            <a:extLst>
-              <a:ext uri="{FF2B5EF4-FFF2-40B4-BE49-F238E27FC236}">
-                <a16:creationId xmlns:a16="http://schemas.microsoft.com/office/drawing/2014/main" id="{E9C49DBC-C97C-1009-4E9C-B5EE642921CF}"/>
-              </a:ext>
-            </a:extLst>
-          </p:cNvPr>
-          <p:cNvSpPr>
-            <a:spLocks noGrp="1"/>
-          </p:cNvSpPr>
-          <p:nvPr>
-            <p:ph idx="1"/>
-          </p:nvPr>
-        </p:nvSpPr>
-        <p:spPr/>
-        <p:txBody>
-          <a:bodyPr/>
-          <a:lstStyle/>
-          <a:p>
-            <a:r>
-              <a:rPr lang="en-US" dirty="0"/>
-              <a:t>Assignments now due Tuesday 12:00PM</a:t>
-            </a:r>
-          </a:p>
-          <a:p>
-            <a:r>
-              <a:rPr lang="en-US" dirty="0"/>
-              <a:t>Xinyi’s OH: Tuesday 9-10AM</a:t>
-            </a:r>
-          </a:p>
-        </p:txBody>
-      </p:sp>
-    </p:spTree>
-    <p:extLst>
-      <p:ext uri="{BB962C8B-B14F-4D97-AF65-F5344CB8AC3E}">
-        <p14:creationId xmlns:p14="http://schemas.microsoft.com/office/powerpoint/2010/main" val="2284737075"/>
-      </p:ext>
-    </p:extLst>
-  </p:cSld>
-  <p:clrMapOvr>
-    <a:masterClrMapping/>
-  </p:clrMapOvr>
-</p:sld>
-</file>
-
-<file path=ppt/slides/slide20.xml><?xml version="1.0" encoding="utf-8"?>
+<file path=ppt/slides/slide13.xml><?xml version="1.0" encoding="utf-8"?>
 <p:sld xmlns:a="http://schemas.openxmlformats.org/drawingml/2006/main" xmlns:r="http://schemas.openxmlformats.org/officeDocument/2006/relationships" xmlns:p="http://schemas.openxmlformats.org/presentationml/2006/main">
   <p:cSld>
     <p:spTree>
@@ -46140,7 +43921,7 @@
           </p:xfrm>
           <a:graphic>
             <a:graphicData uri="http://schemas.openxmlformats.org/drawingml/2006/diagram">
-              <dgm:relIds xmlns:dgm="http://schemas.openxmlformats.org/drawingml/2006/diagram" xmlns:r="http://schemas.openxmlformats.org/officeDocument/2006/relationships" r:dm="rId2" r:lo="rId3" r:qs="rId4" r:cs="rId5"/>
+              <dgm:relIds xmlns:dgm="http://schemas.openxmlformats.org/drawingml/2006/diagram" xmlns:r="http://schemas.openxmlformats.org/officeDocument/2006/relationships" r:dm="rId3" r:lo="rId4" r:qs="rId5" r:cs="rId6"/>
             </a:graphicData>
           </a:graphic>
         </p:graphicFrame>
@@ -46631,7 +44412,7 @@
 </p:sld>
 </file>
 
-<file path=ppt/slides/slide21.xml><?xml version="1.0" encoding="utf-8"?>
+<file path=ppt/slides/slide14.xml><?xml version="1.0" encoding="utf-8"?>
 <p:sld xmlns:a="http://schemas.openxmlformats.org/drawingml/2006/main" xmlns:r="http://schemas.openxmlformats.org/officeDocument/2006/relationships" xmlns:p="http://schemas.openxmlformats.org/presentationml/2006/main">
   <p:cSld>
     <p:spTree>
@@ -47239,7 +45020,7 @@
 </p:sld>
 </file>
 
-<file path=ppt/slides/slide22.xml><?xml version="1.0" encoding="utf-8"?>
+<file path=ppt/slides/slide15.xml><?xml version="1.0" encoding="utf-8"?>
 <p:sld xmlns:a="http://schemas.openxmlformats.org/drawingml/2006/main" xmlns:r="http://schemas.openxmlformats.org/officeDocument/2006/relationships" xmlns:p="http://schemas.openxmlformats.org/presentationml/2006/main">
   <p:cSld>
     <p:spTree>
@@ -47870,7 +45651,7 @@
 </p:sld>
 </file>
 
-<file path=ppt/slides/slide23.xml><?xml version="1.0" encoding="utf-8"?>
+<file path=ppt/slides/slide16.xml><?xml version="1.0" encoding="utf-8"?>
 <p:sld xmlns:a="http://schemas.openxmlformats.org/drawingml/2006/main" xmlns:r="http://schemas.openxmlformats.org/officeDocument/2006/relationships" xmlns:p="http://schemas.openxmlformats.org/presentationml/2006/main">
   <p:cSld>
     <p:spTree>
@@ -48517,7 +46298,7 @@
 </p:sld>
 </file>
 
-<file path=ppt/slides/slide24.xml><?xml version="1.0" encoding="utf-8"?>
+<file path=ppt/slides/slide17.xml><?xml version="1.0" encoding="utf-8"?>
 <p:sld xmlns:a="http://schemas.openxmlformats.org/drawingml/2006/main" xmlns:r="http://schemas.openxmlformats.org/officeDocument/2006/relationships" xmlns:p="http://schemas.openxmlformats.org/presentationml/2006/main">
   <p:cSld>
     <p:spTree>
@@ -49263,7 +47044,7 @@
 </p:sld>
 </file>
 
-<file path=ppt/slides/slide25.xml><?xml version="1.0" encoding="utf-8"?>
+<file path=ppt/slides/slide18.xml><?xml version="1.0" encoding="utf-8"?>
 <p:sld xmlns:a="http://schemas.openxmlformats.org/drawingml/2006/main" xmlns:r="http://schemas.openxmlformats.org/officeDocument/2006/relationships" xmlns:p="http://schemas.openxmlformats.org/presentationml/2006/main">
   <p:cSld>
     <p:spTree>
@@ -49285,7 +47066,7 @@
           <p:cNvPr id="2" name="Title 1">
             <a:extLst>
               <a:ext uri="{FF2B5EF4-FFF2-40B4-BE49-F238E27FC236}">
-                <a16:creationId xmlns:a16="http://schemas.microsoft.com/office/drawing/2014/main" id="{A440F130-5562-6CCC-F8E1-B49DFBE1D396}"/>
+                <a16:creationId xmlns:a16="http://schemas.microsoft.com/office/drawing/2014/main" id="{335C5DEF-6349-CD8A-9667-E04A14491BA0}"/>
               </a:ext>
             </a:extLst>
           </p:cNvPr>
@@ -49303,7 +47084,41 @@
           <a:p>
             <a:r>
               <a:rPr lang="en-US" dirty="0"/>
-              <a:t>Questions about Lab 1?</a:t>
+              <a:t>Announcement</a:t>
+            </a:r>
+          </a:p>
+        </p:txBody>
+      </p:sp>
+      <p:sp>
+        <p:nvSpPr>
+          <p:cNvPr id="3" name="Content Placeholder 2">
+            <a:extLst>
+              <a:ext uri="{FF2B5EF4-FFF2-40B4-BE49-F238E27FC236}">
+                <a16:creationId xmlns:a16="http://schemas.microsoft.com/office/drawing/2014/main" id="{E9C49DBC-C97C-1009-4E9C-B5EE642921CF}"/>
+              </a:ext>
+            </a:extLst>
+          </p:cNvPr>
+          <p:cNvSpPr>
+            <a:spLocks noGrp="1"/>
+          </p:cNvSpPr>
+          <p:nvPr>
+            <p:ph idx="1"/>
+          </p:nvPr>
+        </p:nvSpPr>
+        <p:spPr/>
+        <p:txBody>
+          <a:bodyPr/>
+          <a:lstStyle/>
+          <a:p>
+            <a:r>
+              <a:rPr lang="en-US" dirty="0"/>
+              <a:t>Assignments now due Tuesday 12:00PM</a:t>
+            </a:r>
+          </a:p>
+          <a:p>
+            <a:r>
+              <a:rPr lang="en-US" dirty="0"/>
+              <a:t>Xinyi’s OH: Tuesday 9-10AM</a:t>
             </a:r>
           </a:p>
         </p:txBody>
@@ -49311,7 +47126,7 @@
     </p:spTree>
     <p:extLst>
       <p:ext uri="{BB962C8B-B14F-4D97-AF65-F5344CB8AC3E}">
-        <p14:creationId xmlns:p14="http://schemas.microsoft.com/office/powerpoint/2010/main" val="1700682506"/>
+        <p14:creationId xmlns:p14="http://schemas.microsoft.com/office/powerpoint/2010/main" val="1071165817"/>
       </p:ext>
     </p:extLst>
   </p:cSld>
@@ -49321,7 +47136,7 @@
 </p:sld>
 </file>
 
-<file path=ppt/slides/slide26.xml><?xml version="1.0" encoding="utf-8"?>
+<file path=ppt/slides/slide19.xml><?xml version="1.0" encoding="utf-8"?>
 <p:sld xmlns:a="http://schemas.openxmlformats.org/drawingml/2006/main" xmlns:r="http://schemas.openxmlformats.org/officeDocument/2006/relationships" xmlns:p="http://schemas.openxmlformats.org/presentationml/2006/main">
   <p:cSld>
     <p:spTree>
@@ -49340,100 +47155,7 @@
       </p:grpSpPr>
       <p:sp>
         <p:nvSpPr>
-          <p:cNvPr id="2" name="Title 1">
-            <a:extLst>
-              <a:ext uri="{FF2B5EF4-FFF2-40B4-BE49-F238E27FC236}">
-                <a16:creationId xmlns:a16="http://schemas.microsoft.com/office/drawing/2014/main" id="{ACFDE51E-37FE-A37B-FCF5-13C79BFB96D0}"/>
-              </a:ext>
-            </a:extLst>
-          </p:cNvPr>
-          <p:cNvSpPr>
-            <a:spLocks noGrp="1"/>
-          </p:cNvSpPr>
-          <p:nvPr>
-            <p:ph type="ctrTitle"/>
-          </p:nvPr>
-        </p:nvSpPr>
-        <p:spPr/>
-        <p:txBody>
-          <a:bodyPr/>
-          <a:lstStyle/>
-          <a:p>
-            <a:r>
-              <a:rPr lang="en-US" dirty="0">
-                <a:solidFill>
-                  <a:schemeClr val="tx1"/>
-                </a:solidFill>
-              </a:rPr>
-              <a:t>Documentation</a:t>
-            </a:r>
-          </a:p>
-        </p:txBody>
-      </p:sp>
-      <p:sp>
-        <p:nvSpPr>
-          <p:cNvPr id="3" name="Subtitle 2">
-            <a:extLst>
-              <a:ext uri="{FF2B5EF4-FFF2-40B4-BE49-F238E27FC236}">
-                <a16:creationId xmlns:a16="http://schemas.microsoft.com/office/drawing/2014/main" id="{A72E97F7-23BD-9155-2BFE-36858D24BCCF}"/>
-              </a:ext>
-            </a:extLst>
-          </p:cNvPr>
-          <p:cNvSpPr>
-            <a:spLocks noGrp="1"/>
-          </p:cNvSpPr>
-          <p:nvPr>
-            <p:ph type="subTitle" idx="1"/>
-          </p:nvPr>
-        </p:nvSpPr>
-        <p:spPr/>
-        <p:txBody>
-          <a:bodyPr/>
-          <a:lstStyle/>
-          <a:p>
-            <a:endParaRPr lang="en-US"/>
-          </a:p>
-        </p:txBody>
-      </p:sp>
-    </p:spTree>
-    <p:extLst>
-      <p:ext uri="{BB962C8B-B14F-4D97-AF65-F5344CB8AC3E}">
-        <p14:creationId xmlns:p14="http://schemas.microsoft.com/office/powerpoint/2010/main" val="492788506"/>
-      </p:ext>
-    </p:extLst>
-  </p:cSld>
-  <p:clrMapOvr>
-    <a:masterClrMapping/>
-  </p:clrMapOvr>
-</p:sld>
-</file>
-
-<file path=ppt/slides/slide27.xml><?xml version="1.0" encoding="utf-8"?>
-<p:sld xmlns:a="http://schemas.openxmlformats.org/drawingml/2006/main" xmlns:r="http://schemas.openxmlformats.org/officeDocument/2006/relationships" xmlns:p="http://schemas.openxmlformats.org/presentationml/2006/main">
-  <p:cSld>
-    <p:spTree>
-      <p:nvGrpSpPr>
-        <p:cNvPr id="1" name=""/>
-        <p:cNvGrpSpPr/>
-        <p:nvPr/>
-      </p:nvGrpSpPr>
-      <p:grpSpPr>
-        <a:xfrm>
-          <a:off x="0" y="0"/>
-          <a:ext cx="0" cy="0"/>
-          <a:chOff x="0" y="0"/>
-          <a:chExt cx="0" cy="0"/>
-        </a:xfrm>
-      </p:grpSpPr>
-      <p:sp>
-        <p:nvSpPr>
-          <p:cNvPr id="2" name="Title 1">
-            <a:extLst>
-              <a:ext uri="{FF2B5EF4-FFF2-40B4-BE49-F238E27FC236}">
-                <a16:creationId xmlns:a16="http://schemas.microsoft.com/office/drawing/2014/main" id="{87CCBAE8-CD3C-EC72-E88B-CD29EEEBBE31}"/>
-              </a:ext>
-            </a:extLst>
-          </p:cNvPr>
+          <p:cNvPr id="2" name="Title 1"/>
           <p:cNvSpPr>
             <a:spLocks noGrp="1"/>
           </p:cNvSpPr>
@@ -49447,146 +47169,44 @@
           <a:lstStyle/>
           <a:p>
             <a:r>
-              <a:rPr lang="en-US" dirty="0"/>
-              <a:t>Javadoc style comments</a:t>
-            </a:r>
-          </a:p>
-        </p:txBody>
-      </p:sp>
-      <p:pic>
-        <p:nvPicPr>
-          <p:cNvPr id="5" name="Picture 4">
-            <a:extLst>
-              <a:ext uri="{FF2B5EF4-FFF2-40B4-BE49-F238E27FC236}">
-                <a16:creationId xmlns:a16="http://schemas.microsoft.com/office/drawing/2014/main" id="{3952D31C-968D-0B2B-792D-A0FF0AA4CEE2}"/>
-              </a:ext>
-            </a:extLst>
-          </p:cNvPr>
-          <p:cNvPicPr>
-            <a:picLocks noChangeAspect="1"/>
-          </p:cNvPicPr>
-          <p:nvPr/>
-        </p:nvPicPr>
-        <p:blipFill>
-          <a:blip r:embed="rId2"/>
-          <a:stretch>
-            <a:fillRect/>
-          </a:stretch>
-        </p:blipFill>
-        <p:spPr>
-          <a:xfrm>
-            <a:off x="450954" y="2072259"/>
-            <a:ext cx="7772400" cy="1856231"/>
-          </a:xfrm>
-          <a:prstGeom prst="rect">
-            <a:avLst/>
-          </a:prstGeom>
-        </p:spPr>
-      </p:pic>
-      <p:pic>
-        <p:nvPicPr>
-          <p:cNvPr id="6" name="Picture 5">
-            <a:extLst>
-              <a:ext uri="{FF2B5EF4-FFF2-40B4-BE49-F238E27FC236}">
-                <a16:creationId xmlns:a16="http://schemas.microsoft.com/office/drawing/2014/main" id="{086FCE3A-379B-B054-AE06-C683B54298E9}"/>
-              </a:ext>
-            </a:extLst>
-          </p:cNvPr>
-          <p:cNvPicPr>
-            <a:picLocks noChangeAspect="1"/>
-          </p:cNvPicPr>
-          <p:nvPr/>
-        </p:nvPicPr>
-        <p:blipFill>
-          <a:blip r:embed="rId3"/>
-          <a:stretch>
-            <a:fillRect/>
-          </a:stretch>
-        </p:blipFill>
-        <p:spPr>
-          <a:xfrm>
-            <a:off x="450954" y="4800600"/>
-            <a:ext cx="7213600" cy="1460500"/>
-          </a:xfrm>
-          <a:prstGeom prst="rect">
-            <a:avLst/>
-          </a:prstGeom>
-        </p:spPr>
-      </p:pic>
-      <p:sp>
-        <p:nvSpPr>
-          <p:cNvPr id="7" name="TextBox 6">
-            <a:extLst>
-              <a:ext uri="{FF2B5EF4-FFF2-40B4-BE49-F238E27FC236}">
-                <a16:creationId xmlns:a16="http://schemas.microsoft.com/office/drawing/2014/main" id="{BE5192AB-A9DE-586E-FF11-863A511D8E4A}"/>
-              </a:ext>
-            </a:extLst>
-          </p:cNvPr>
-          <p:cNvSpPr txBox="1"/>
-          <p:nvPr/>
-        </p:nvSpPr>
-        <p:spPr>
-          <a:xfrm>
-            <a:off x="609600" y="1752600"/>
-            <a:ext cx="5381601" cy="369332"/>
-          </a:xfrm>
-          <a:prstGeom prst="rect">
-            <a:avLst/>
-          </a:prstGeom>
-          <a:noFill/>
-        </p:spPr>
-        <p:txBody>
-          <a:bodyPr wrap="none" rtlCol="0">
-            <a:spAutoFit/>
-          </a:bodyPr>
-          <a:lstStyle/>
-          <a:p>
-            <a:r>
-              <a:rPr lang="en-US" dirty="0"/>
-              <a:t>Constructor comments with @param for parameter</a:t>
+              <a:rPr lang="en-US" sz="3600" b="0" dirty="0">
+                <a:solidFill>
+                  <a:srgbClr val="4A452A"/>
+                </a:solidFill>
+                <a:latin typeface="Helvetica Light" panose="020B0403020202020204" pitchFamily="34" charset="0"/>
+                <a:cs typeface="Calibri" panose="020F0502020204030204" pitchFamily="34" charset="0"/>
+              </a:rPr>
+              <a:t>Introduction TO UNIT TESTING and JUNIT 5</a:t>
             </a:r>
           </a:p>
         </p:txBody>
       </p:sp>
       <p:sp>
         <p:nvSpPr>
-          <p:cNvPr id="8" name="TextBox 7">
-            <a:extLst>
-              <a:ext uri="{FF2B5EF4-FFF2-40B4-BE49-F238E27FC236}">
-                <a16:creationId xmlns:a16="http://schemas.microsoft.com/office/drawing/2014/main" id="{A162F487-E631-6ED8-AA0B-D8CE5B64AE08}"/>
-              </a:ext>
-            </a:extLst>
-          </p:cNvPr>
-          <p:cNvSpPr txBox="1"/>
-          <p:nvPr/>
+          <p:cNvPr id="3" name="Text Placeholder 2"/>
+          <p:cNvSpPr>
+            <a:spLocks noGrp="1"/>
+          </p:cNvSpPr>
+          <p:nvPr>
+            <p:ph type="body" idx="1"/>
+          </p:nvPr>
         </p:nvSpPr>
-        <p:spPr>
-          <a:xfrm>
-            <a:off x="609600" y="4449793"/>
-            <a:ext cx="4958409" cy="369332"/>
-          </a:xfrm>
-          <a:prstGeom prst="rect">
-            <a:avLst/>
-          </a:prstGeom>
-          <a:noFill/>
-        </p:spPr>
+        <p:spPr/>
         <p:txBody>
-          <a:bodyPr wrap="none" rtlCol="0">
-            <a:spAutoFit/>
-          </a:bodyPr>
+          <a:bodyPr/>
           <a:lstStyle/>
           <a:p>
-            <a:r>
-              <a:rPr lang="en-US" dirty="0"/>
-              <a:t>Method comment with @return for return value</a:t>
-            </a:r>
+            <a:endParaRPr lang="en-US" sz="3000" dirty="0">
+              <a:latin typeface="Helvetica Light" panose="020B0403020202020204" pitchFamily="34" charset="0"/>
+              <a:cs typeface="Calibri" panose="020F0502020204030204" pitchFamily="34" charset="0"/>
+            </a:endParaRPr>
           </a:p>
         </p:txBody>
       </p:sp>
     </p:spTree>
     <p:extLst>
       <p:ext uri="{BB962C8B-B14F-4D97-AF65-F5344CB8AC3E}">
-        <p14:creationId xmlns:p14="http://schemas.microsoft.com/office/powerpoint/2010/main" val="2207681562"/>
+        <p14:creationId xmlns:p14="http://schemas.microsoft.com/office/powerpoint/2010/main" val="2141416265"/>
       </p:ext>
     </p:extLst>
   </p:cSld>
@@ -49596,255 +47216,7 @@
 </p:sld>
 </file>
 
-<file path=ppt/slides/slide28.xml><?xml version="1.0" encoding="utf-8"?>
-<p:sld xmlns:a="http://schemas.openxmlformats.org/drawingml/2006/main" xmlns:r="http://schemas.openxmlformats.org/officeDocument/2006/relationships" xmlns:p="http://schemas.openxmlformats.org/presentationml/2006/main">
-  <p:cSld>
-    <p:spTree>
-      <p:nvGrpSpPr>
-        <p:cNvPr id="1" name=""/>
-        <p:cNvGrpSpPr/>
-        <p:nvPr/>
-      </p:nvGrpSpPr>
-      <p:grpSpPr>
-        <a:xfrm>
-          <a:off x="0" y="0"/>
-          <a:ext cx="0" cy="0"/>
-          <a:chOff x="0" y="0"/>
-          <a:chExt cx="0" cy="0"/>
-        </a:xfrm>
-      </p:grpSpPr>
-      <p:sp>
-        <p:nvSpPr>
-          <p:cNvPr id="2" name="Title 1">
-            <a:extLst>
-              <a:ext uri="{FF2B5EF4-FFF2-40B4-BE49-F238E27FC236}">
-                <a16:creationId xmlns:a16="http://schemas.microsoft.com/office/drawing/2014/main" id="{9D449C9D-6BE7-4E6C-8F20-7ECBA09CF193}"/>
-              </a:ext>
-            </a:extLst>
-          </p:cNvPr>
-          <p:cNvSpPr>
-            <a:spLocks noGrp="1"/>
-          </p:cNvSpPr>
-          <p:nvPr>
-            <p:ph type="title"/>
-          </p:nvPr>
-        </p:nvSpPr>
-        <p:spPr/>
-        <p:txBody>
-          <a:bodyPr/>
-          <a:lstStyle/>
-          <a:p>
-            <a:r>
-              <a:rPr lang="en-US" dirty="0"/>
-              <a:t>Assignment 1</a:t>
-            </a:r>
-          </a:p>
-        </p:txBody>
-      </p:sp>
-      <p:sp>
-        <p:nvSpPr>
-          <p:cNvPr id="3" name="Content Placeholder 2">
-            <a:extLst>
-              <a:ext uri="{FF2B5EF4-FFF2-40B4-BE49-F238E27FC236}">
-                <a16:creationId xmlns:a16="http://schemas.microsoft.com/office/drawing/2014/main" id="{1627FBA9-F34B-6889-FFB1-696393F7DA6A}"/>
-              </a:ext>
-            </a:extLst>
-          </p:cNvPr>
-          <p:cNvSpPr>
-            <a:spLocks noGrp="1"/>
-          </p:cNvSpPr>
-          <p:nvPr>
-            <p:ph idx="1"/>
-          </p:nvPr>
-        </p:nvSpPr>
-        <p:spPr/>
-        <p:txBody>
-          <a:bodyPr/>
-          <a:lstStyle/>
-          <a:p>
-            <a:r>
-              <a:rPr lang="en-US" dirty="0"/>
-              <a:t>Making a new package and a new class</a:t>
-            </a:r>
-          </a:p>
-          <a:p>
-            <a:r>
-              <a:rPr lang="en-US" dirty="0"/>
-              <a:t>General Design Rubric</a:t>
-            </a:r>
-          </a:p>
-          <a:p>
-            <a:pPr lvl="1"/>
-            <a:r>
-              <a:rPr lang="en-US" dirty="0"/>
-              <a:t>Code documentation</a:t>
-            </a:r>
-          </a:p>
-          <a:p>
-            <a:pPr lvl="1"/>
-            <a:r>
-              <a:rPr lang="en-US" dirty="0"/>
-              <a:t>Gradle-built</a:t>
-            </a:r>
-          </a:p>
-          <a:p>
-            <a:pPr lvl="1"/>
-            <a:r>
-              <a:rPr lang="en-US" dirty="0"/>
-              <a:t>Testing: </a:t>
-            </a:r>
-            <a:r>
-              <a:rPr lang="en-US" dirty="0" err="1"/>
-              <a:t>Jacoco</a:t>
-            </a:r>
-            <a:r>
-              <a:rPr lang="en-US" dirty="0"/>
-              <a:t> code coverage</a:t>
-            </a:r>
-          </a:p>
-          <a:p>
-            <a:pPr lvl="1"/>
-            <a:r>
-              <a:rPr lang="en-US" dirty="0"/>
-              <a:t>Constants</a:t>
-            </a:r>
-          </a:p>
-          <a:p>
-            <a:pPr lvl="2"/>
-            <a:r>
-              <a:rPr lang="en-US" dirty="0"/>
-              <a:t>private final static type CONSTANTNAME = …;</a:t>
-            </a:r>
-          </a:p>
-        </p:txBody>
-      </p:sp>
-    </p:spTree>
-    <p:extLst>
-      <p:ext uri="{BB962C8B-B14F-4D97-AF65-F5344CB8AC3E}">
-        <p14:creationId xmlns:p14="http://schemas.microsoft.com/office/powerpoint/2010/main" val="167725219"/>
-      </p:ext>
-    </p:extLst>
-  </p:cSld>
-  <p:clrMapOvr>
-    <a:masterClrMapping/>
-  </p:clrMapOvr>
-</p:sld>
-</file>
-
-<file path=ppt/slides/slide29.xml><?xml version="1.0" encoding="utf-8"?>
-<p:sld xmlns:a="http://schemas.openxmlformats.org/drawingml/2006/main" xmlns:r="http://schemas.openxmlformats.org/officeDocument/2006/relationships" xmlns:p="http://schemas.openxmlformats.org/presentationml/2006/main">
-  <p:cSld>
-    <p:spTree>
-      <p:nvGrpSpPr>
-        <p:cNvPr id="1" name=""/>
-        <p:cNvGrpSpPr/>
-        <p:nvPr/>
-      </p:nvGrpSpPr>
-      <p:grpSpPr>
-        <a:xfrm>
-          <a:off x="0" y="0"/>
-          <a:ext cx="0" cy="0"/>
-          <a:chOff x="0" y="0"/>
-          <a:chExt cx="0" cy="0"/>
-        </a:xfrm>
-      </p:grpSpPr>
-      <p:sp>
-        <p:nvSpPr>
-          <p:cNvPr id="2" name="Title 1">
-            <a:extLst>
-              <a:ext uri="{FF2B5EF4-FFF2-40B4-BE49-F238E27FC236}">
-                <a16:creationId xmlns:a16="http://schemas.microsoft.com/office/drawing/2014/main" id="{DB3D22C8-4EB0-C0A5-0CEB-5E4F159D9D30}"/>
-              </a:ext>
-            </a:extLst>
-          </p:cNvPr>
-          <p:cNvSpPr>
-            <a:spLocks noGrp="1"/>
-          </p:cNvSpPr>
-          <p:nvPr>
-            <p:ph type="title"/>
-          </p:nvPr>
-        </p:nvSpPr>
-        <p:spPr/>
-        <p:txBody>
-          <a:bodyPr/>
-          <a:lstStyle/>
-          <a:p>
-            <a:r>
-              <a:rPr lang="en-US" dirty="0"/>
-              <a:t>Equals and Comparisons</a:t>
-            </a:r>
-          </a:p>
-        </p:txBody>
-      </p:sp>
-      <p:sp>
-        <p:nvSpPr>
-          <p:cNvPr id="3" name="Content Placeholder 2">
-            <a:extLst>
-              <a:ext uri="{FF2B5EF4-FFF2-40B4-BE49-F238E27FC236}">
-                <a16:creationId xmlns:a16="http://schemas.microsoft.com/office/drawing/2014/main" id="{60B86F10-AB3C-F567-30FF-F70A01E2DC79}"/>
-              </a:ext>
-            </a:extLst>
-          </p:cNvPr>
-          <p:cNvSpPr>
-            <a:spLocks noGrp="1"/>
-          </p:cNvSpPr>
-          <p:nvPr>
-            <p:ph idx="1"/>
-          </p:nvPr>
-        </p:nvSpPr>
-        <p:spPr/>
-        <p:txBody>
-          <a:bodyPr/>
-          <a:lstStyle/>
-          <a:p>
-            <a:r>
-              <a:rPr lang="en-US" dirty="0"/>
-              <a:t>Problem 2 in Assignment</a:t>
-            </a:r>
-          </a:p>
-          <a:p>
-            <a:r>
-              <a:rPr lang="en-US" dirty="0" err="1"/>
-              <a:t>AssertEquals</a:t>
-            </a:r>
-            <a:r>
-              <a:rPr lang="en-US" dirty="0"/>
-              <a:t>(object1, object1) will return False even if values are the same</a:t>
-            </a:r>
-          </a:p>
-          <a:p>
-            <a:pPr lvl="1"/>
-            <a:r>
-              <a:rPr lang="en-US" dirty="0"/>
-              <a:t>B/c pointing to two different locations</a:t>
-            </a:r>
-          </a:p>
-          <a:p>
-            <a:pPr lvl="1"/>
-            <a:endParaRPr lang="en-US" dirty="0"/>
-          </a:p>
-          <a:p>
-            <a:r>
-              <a:rPr lang="en-US" dirty="0"/>
-              <a:t>Compare primitive data types</a:t>
-            </a:r>
-          </a:p>
-        </p:txBody>
-      </p:sp>
-    </p:spTree>
-    <p:extLst>
-      <p:ext uri="{BB962C8B-B14F-4D97-AF65-F5344CB8AC3E}">
-        <p14:creationId xmlns:p14="http://schemas.microsoft.com/office/powerpoint/2010/main" val="1269134147"/>
-      </p:ext>
-    </p:extLst>
-  </p:cSld>
-  <p:clrMapOvr>
-    <a:masterClrMapping/>
-  </p:clrMapOvr>
-</p:sld>
-</file>
-
-<file path=ppt/slides/slide3.xml><?xml version="1.0" encoding="utf-8"?>
+<file path=ppt/slides/slide2.xml><?xml version="1.0" encoding="utf-8"?>
 <p:sld xmlns:a="http://schemas.openxmlformats.org/drawingml/2006/main" xmlns:r="http://schemas.openxmlformats.org/officeDocument/2006/relationships" xmlns:p="http://schemas.openxmlformats.org/presentationml/2006/main">
   <p:cSld>
     <p:spTree>
@@ -49914,7 +47286,7 @@
         <p:spPr>
           <a:xfrm>
             <a:off x="228600" y="1185704"/>
-            <a:ext cx="8305800" cy="2677656"/>
+            <a:ext cx="8305800" cy="3577903"/>
           </a:xfrm>
           <a:prstGeom prst="rect">
             <a:avLst/>
@@ -49969,6 +47341,55 @@
                 <a:cs typeface="Calibri" panose="020F0502020204030204" pitchFamily="34" charset="0"/>
               </a:rPr>
               <a:t>Steps:</a:t>
+            </a:r>
+          </a:p>
+          <a:p>
+            <a:pPr marL="914400" lvl="1" indent="-457200">
+              <a:buFont typeface="+mj-lt"/>
+              <a:buAutoNum type="arabicPeriod"/>
+            </a:pPr>
+            <a:endParaRPr lang="en-US" sz="1950" dirty="0">
+              <a:solidFill>
+                <a:srgbClr val="4A452A"/>
+              </a:solidFill>
+              <a:latin typeface="Helvetica Light" panose="020B0403020202020204" pitchFamily="34" charset="0"/>
+              <a:cs typeface="Calibri" panose="020F0502020204030204" pitchFamily="34" charset="0"/>
+            </a:endParaRPr>
+          </a:p>
+          <a:p>
+            <a:pPr marL="914400" lvl="1" indent="-457200">
+              <a:buFont typeface="+mj-lt"/>
+              <a:buAutoNum type="arabicPeriod"/>
+            </a:pPr>
+            <a:r>
+              <a:rPr lang="en-US" sz="1950" dirty="0">
+                <a:solidFill>
+                  <a:srgbClr val="4A452A"/>
+                </a:solidFill>
+                <a:latin typeface="Helvetica Light" panose="020B0403020202020204" pitchFamily="34" charset="0"/>
+                <a:cs typeface="Calibri" panose="020F0502020204030204" pitchFamily="34" charset="0"/>
+              </a:rPr>
+              <a:t>Setup </a:t>
+            </a:r>
+            <a:r>
+              <a:rPr lang="en-US" sz="1950" dirty="0" err="1">
+                <a:solidFill>
+                  <a:srgbClr val="4A452A"/>
+                </a:solidFill>
+                <a:latin typeface="Helvetica Light" panose="020B0403020202020204" pitchFamily="34" charset="0"/>
+                <a:cs typeface="Calibri" panose="020F0502020204030204" pitchFamily="34" charset="0"/>
+              </a:rPr>
+              <a:t>Github</a:t>
+            </a:r>
+            <a:r>
+              <a:rPr lang="en-US" sz="1950" dirty="0">
+                <a:solidFill>
+                  <a:srgbClr val="4A452A"/>
+                </a:solidFill>
+                <a:latin typeface="Helvetica Light" panose="020B0403020202020204" pitchFamily="34" charset="0"/>
+                <a:cs typeface="Calibri" panose="020F0502020204030204" pitchFamily="34" charset="0"/>
+              </a:rPr>
+              <a:t> Classroom repo</a:t>
             </a:r>
           </a:p>
           <a:p>
@@ -50045,6 +47466,22 @@
               </a:rPr>
               <a:t>Push your work to your remote GitHub repo </a:t>
             </a:r>
+          </a:p>
+          <a:p>
+            <a:pPr marL="914400" lvl="1" indent="-457200">
+              <a:buFont typeface="+mj-lt"/>
+              <a:buAutoNum type="arabicPeriod"/>
+            </a:pPr>
+            <a:r>
+              <a:rPr lang="en-US" sz="1950" dirty="0">
+                <a:solidFill>
+                  <a:srgbClr val="4A452A"/>
+                </a:solidFill>
+                <a:latin typeface="Helvetica Light" panose="020B0403020202020204" pitchFamily="34" charset="0"/>
+                <a:cs typeface="Calibri" panose="020F0502020204030204" pitchFamily="34" charset="0"/>
+              </a:rPr>
+              <a:t>Upload your work as zip file to Canvas </a:t>
+            </a:r>
             <a:r>
               <a:rPr lang="en-US" sz="2400" dirty="0">
                 <a:solidFill>
@@ -50074,7 +47511,7 @@
     </p:spTree>
     <p:extLst>
       <p:ext uri="{BB962C8B-B14F-4D97-AF65-F5344CB8AC3E}">
-        <p14:creationId xmlns:p14="http://schemas.microsoft.com/office/powerpoint/2010/main" val="2840060209"/>
+        <p14:creationId xmlns:p14="http://schemas.microsoft.com/office/powerpoint/2010/main" val="3594527067"/>
       </p:ext>
     </p:extLst>
   </p:cSld>
@@ -50084,87 +47521,7 @@
 </p:sld>
 </file>
 
-<file path=ppt/slides/slide4.xml><?xml version="1.0" encoding="utf-8"?>
-<p:sld xmlns:a="http://schemas.openxmlformats.org/drawingml/2006/main" xmlns:r="http://schemas.openxmlformats.org/officeDocument/2006/relationships" xmlns:p="http://schemas.openxmlformats.org/presentationml/2006/main">
-  <p:cSld>
-    <p:spTree>
-      <p:nvGrpSpPr>
-        <p:cNvPr id="1" name=""/>
-        <p:cNvGrpSpPr/>
-        <p:nvPr/>
-      </p:nvGrpSpPr>
-      <p:grpSpPr>
-        <a:xfrm>
-          <a:off x="0" y="0"/>
-          <a:ext cx="0" cy="0"/>
-          <a:chOff x="0" y="0"/>
-          <a:chExt cx="0" cy="0"/>
-        </a:xfrm>
-      </p:grpSpPr>
-      <p:sp>
-        <p:nvSpPr>
-          <p:cNvPr id="2" name="Title 1"/>
-          <p:cNvSpPr>
-            <a:spLocks noGrp="1"/>
-          </p:cNvSpPr>
-          <p:nvPr>
-            <p:ph type="title"/>
-          </p:nvPr>
-        </p:nvSpPr>
-        <p:spPr/>
-        <p:txBody>
-          <a:bodyPr/>
-          <a:lstStyle/>
-          <a:p>
-            <a:r>
-              <a:rPr lang="en-US" sz="3600" b="0" dirty="0">
-                <a:solidFill>
-                  <a:srgbClr val="4A452A"/>
-                </a:solidFill>
-                <a:latin typeface="Helvetica Light" panose="020B0403020202020204" pitchFamily="34" charset="0"/>
-                <a:cs typeface="Calibri" panose="020F0502020204030204" pitchFamily="34" charset="0"/>
-              </a:rPr>
-              <a:t>Introduction TO UNIT TESTING and JUNIT 5</a:t>
-            </a:r>
-          </a:p>
-        </p:txBody>
-      </p:sp>
-      <p:sp>
-        <p:nvSpPr>
-          <p:cNvPr id="3" name="Text Placeholder 2"/>
-          <p:cNvSpPr>
-            <a:spLocks noGrp="1"/>
-          </p:cNvSpPr>
-          <p:nvPr>
-            <p:ph type="body" idx="1"/>
-          </p:nvPr>
-        </p:nvSpPr>
-        <p:spPr/>
-        <p:txBody>
-          <a:bodyPr/>
-          <a:lstStyle/>
-          <a:p>
-            <a:endParaRPr lang="en-US" sz="3000" dirty="0">
-              <a:latin typeface="Helvetica Light" panose="020B0403020202020204" pitchFamily="34" charset="0"/>
-              <a:cs typeface="Calibri" panose="020F0502020204030204" pitchFamily="34" charset="0"/>
-            </a:endParaRPr>
-          </a:p>
-        </p:txBody>
-      </p:sp>
-    </p:spTree>
-    <p:extLst>
-      <p:ext uri="{BB962C8B-B14F-4D97-AF65-F5344CB8AC3E}">
-        <p14:creationId xmlns:p14="http://schemas.microsoft.com/office/powerpoint/2010/main" val="1174967105"/>
-      </p:ext>
-    </p:extLst>
-  </p:cSld>
-  <p:clrMapOvr>
-    <a:masterClrMapping/>
-  </p:clrMapOvr>
-</p:sld>
-</file>
-
-<file path=ppt/slides/slide5.xml><?xml version="1.0" encoding="utf-8"?>
+<file path=ppt/slides/slide20.xml><?xml version="1.0" encoding="utf-8"?>
 <p:sld xmlns:a="http://schemas.openxmlformats.org/drawingml/2006/main" xmlns:r="http://schemas.openxmlformats.org/officeDocument/2006/relationships" xmlns:p="http://schemas.openxmlformats.org/presentationml/2006/main">
   <p:cSld>
     <p:spTree>
@@ -50479,7 +47836,7 @@
     </p:spTree>
     <p:extLst>
       <p:ext uri="{BB962C8B-B14F-4D97-AF65-F5344CB8AC3E}">
-        <p14:creationId xmlns:p14="http://schemas.microsoft.com/office/powerpoint/2010/main" val="3981155867"/>
+        <p14:creationId xmlns:p14="http://schemas.microsoft.com/office/powerpoint/2010/main" val="2062315055"/>
       </p:ext>
     </p:extLst>
   </p:cSld>
@@ -50777,7 +48134,7 @@
 </p:sld>
 </file>
 
-<file path=ppt/slides/slide6.xml><?xml version="1.0" encoding="utf-8"?>
+<file path=ppt/slides/slide21.xml><?xml version="1.0" encoding="utf-8"?>
 <p:sld xmlns:a="http://schemas.openxmlformats.org/drawingml/2006/main" xmlns:r="http://schemas.openxmlformats.org/officeDocument/2006/relationships" xmlns:p="http://schemas.openxmlformats.org/presentationml/2006/main">
   <p:cSld>
     <p:spTree>
@@ -50873,7 +48230,7 @@
     </p:spTree>
     <p:extLst>
       <p:ext uri="{BB962C8B-B14F-4D97-AF65-F5344CB8AC3E}">
-        <p14:creationId xmlns:p14="http://schemas.microsoft.com/office/powerpoint/2010/main" val="1648874171"/>
+        <p14:creationId xmlns:p14="http://schemas.microsoft.com/office/powerpoint/2010/main" val="2680454910"/>
       </p:ext>
     </p:extLst>
   </p:cSld>
@@ -50883,7 +48240,7 @@
 </p:sld>
 </file>
 
-<file path=ppt/slides/slide7.xml><?xml version="1.0" encoding="utf-8"?>
+<file path=ppt/slides/slide22.xml><?xml version="1.0" encoding="utf-8"?>
 <p:sld xmlns:a="http://schemas.openxmlformats.org/drawingml/2006/main" xmlns:r="http://schemas.openxmlformats.org/officeDocument/2006/relationships" xmlns:p="http://schemas.openxmlformats.org/presentationml/2006/main">
   <p:cSld>
     <p:spTree>
@@ -50999,7 +48356,7 @@
     </p:spTree>
     <p:extLst>
       <p:ext uri="{BB962C8B-B14F-4D97-AF65-F5344CB8AC3E}">
-        <p14:creationId xmlns:p14="http://schemas.microsoft.com/office/powerpoint/2010/main" val="2735418469"/>
+        <p14:creationId xmlns:p14="http://schemas.microsoft.com/office/powerpoint/2010/main" val="2682590255"/>
       </p:ext>
     </p:extLst>
   </p:cSld>
@@ -51009,7 +48366,7 @@
 </p:sld>
 </file>
 
-<file path=ppt/slides/slide8.xml><?xml version="1.0" encoding="utf-8"?>
+<file path=ppt/slides/slide23.xml><?xml version="1.0" encoding="utf-8"?>
 <p:sld xmlns:a="http://schemas.openxmlformats.org/drawingml/2006/main" xmlns:r="http://schemas.openxmlformats.org/officeDocument/2006/relationships" xmlns:p="http://schemas.openxmlformats.org/presentationml/2006/main">
   <p:cSld>
     <p:spTree>
@@ -51130,7 +48487,7 @@
     </p:spTree>
     <p:extLst>
       <p:ext uri="{BB962C8B-B14F-4D97-AF65-F5344CB8AC3E}">
-        <p14:creationId xmlns:p14="http://schemas.microsoft.com/office/powerpoint/2010/main" val="2174249"/>
+        <p14:creationId xmlns:p14="http://schemas.microsoft.com/office/powerpoint/2010/main" val="242216068"/>
       </p:ext>
     </p:extLst>
   </p:cSld>
@@ -51140,7 +48497,7 @@
 </p:sld>
 </file>
 
-<file path=ppt/slides/slide9.xml><?xml version="1.0" encoding="utf-8"?>
+<file path=ppt/slides/slide24.xml><?xml version="1.0" encoding="utf-8"?>
 <p:sld xmlns:a="http://schemas.openxmlformats.org/drawingml/2006/main" xmlns:r="http://schemas.openxmlformats.org/officeDocument/2006/relationships" xmlns:p="http://schemas.openxmlformats.org/presentationml/2006/main">
   <p:cSld>
     <p:spTree>
@@ -51253,7 +48610,2906 @@
     </p:spTree>
     <p:extLst>
       <p:ext uri="{BB962C8B-B14F-4D97-AF65-F5344CB8AC3E}">
-        <p14:creationId xmlns:p14="http://schemas.microsoft.com/office/powerpoint/2010/main" val="2019589260"/>
+        <p14:creationId xmlns:p14="http://schemas.microsoft.com/office/powerpoint/2010/main" val="2110667426"/>
+      </p:ext>
+    </p:extLst>
+  </p:cSld>
+  <p:clrMapOvr>
+    <a:masterClrMapping/>
+  </p:clrMapOvr>
+</p:sld>
+</file>
+
+<file path=ppt/slides/slide25.xml><?xml version="1.0" encoding="utf-8"?>
+<p:sld xmlns:a="http://schemas.openxmlformats.org/drawingml/2006/main" xmlns:r="http://schemas.openxmlformats.org/officeDocument/2006/relationships" xmlns:p="http://schemas.openxmlformats.org/presentationml/2006/main" show="0">
+  <p:cSld>
+    <p:spTree>
+      <p:nvGrpSpPr>
+        <p:cNvPr id="1" name=""/>
+        <p:cNvGrpSpPr/>
+        <p:nvPr/>
+      </p:nvGrpSpPr>
+      <p:grpSpPr>
+        <a:xfrm>
+          <a:off x="0" y="0"/>
+          <a:ext cx="0" cy="0"/>
+          <a:chOff x="0" y="0"/>
+          <a:chExt cx="0" cy="0"/>
+        </a:xfrm>
+      </p:grpSpPr>
+      <p:sp>
+        <p:nvSpPr>
+          <p:cNvPr id="2" name="Title 1"/>
+          <p:cNvSpPr>
+            <a:spLocks noGrp="1"/>
+          </p:cNvSpPr>
+          <p:nvPr>
+            <p:ph type="title"/>
+          </p:nvPr>
+        </p:nvSpPr>
+        <p:spPr>
+          <a:xfrm>
+            <a:off x="228600" y="685800"/>
+            <a:ext cx="8915400" cy="609600"/>
+          </a:xfrm>
+        </p:spPr>
+        <p:txBody>
+          <a:bodyPr>
+            <a:normAutofit fontScale="90000"/>
+          </a:bodyPr>
+          <a:lstStyle/>
+          <a:p>
+            <a:pPr>
+              <a:defRPr/>
+            </a:pPr>
+            <a:r>
+              <a:rPr lang="en-US" sz="4000" dirty="0">
+                <a:solidFill>
+                  <a:srgbClr val="CC0000"/>
+                </a:solidFill>
+                <a:latin typeface="Helvetica Light" panose="020B0403020202020204" pitchFamily="34" charset="0"/>
+                <a:cs typeface="Calibri" panose="020F0502020204030204" pitchFamily="34" charset="0"/>
+              </a:rPr>
+              <a:t>JUnit – Summary</a:t>
+            </a:r>
+          </a:p>
+        </p:txBody>
+      </p:sp>
+      <p:sp>
+        <p:nvSpPr>
+          <p:cNvPr id="11" name="Rectangle 10">
+            <a:extLst>
+              <a:ext uri="{FF2B5EF4-FFF2-40B4-BE49-F238E27FC236}">
+                <a16:creationId xmlns:a16="http://schemas.microsoft.com/office/drawing/2014/main" id="{A27E52B3-D6EA-9C42-8307-618876D7C008}"/>
+              </a:ext>
+            </a:extLst>
+          </p:cNvPr>
+          <p:cNvSpPr/>
+          <p:nvPr/>
+        </p:nvSpPr>
+        <p:spPr>
+          <a:xfrm>
+            <a:off x="381000" y="1419285"/>
+            <a:ext cx="8001000" cy="4524315"/>
+          </a:xfrm>
+          <a:prstGeom prst="rect">
+            <a:avLst/>
+          </a:prstGeom>
+        </p:spPr>
+        <p:txBody>
+          <a:bodyPr wrap="square">
+            <a:spAutoFit/>
+          </a:bodyPr>
+          <a:lstStyle/>
+          <a:p>
+            <a:pPr marL="342900" indent="-342900">
+              <a:lnSpc>
+                <a:spcPct val="150000"/>
+              </a:lnSpc>
+              <a:buFont typeface="Arial" panose="020B0604020202020204" pitchFamily="34" charset="0"/>
+              <a:buChar char="•"/>
+            </a:pPr>
+            <a:r>
+              <a:rPr lang="en-US" dirty="0">
+                <a:solidFill>
+                  <a:srgbClr val="4A452A"/>
+                </a:solidFill>
+                <a:latin typeface="Helvetica Light" panose="020B0403020202020204" pitchFamily="34" charset="0"/>
+                <a:cs typeface="Calibri" panose="020F0502020204030204" pitchFamily="34" charset="0"/>
+              </a:rPr>
+              <a:t>Tests need </a:t>
+            </a:r>
+            <a:r>
+              <a:rPr lang="en-US" dirty="0">
+                <a:solidFill>
+                  <a:srgbClr val="0070C0"/>
+                </a:solidFill>
+                <a:latin typeface="Helvetica Light" panose="020B0403020202020204" pitchFamily="34" charset="0"/>
+                <a:cs typeface="Calibri" panose="020F0502020204030204" pitchFamily="34" charset="0"/>
+              </a:rPr>
+              <a:t>failure atomicity </a:t>
+            </a:r>
+            <a:r>
+              <a:rPr lang="en-US" dirty="0">
+                <a:solidFill>
+                  <a:srgbClr val="4A452A"/>
+                </a:solidFill>
+                <a:latin typeface="Helvetica Light" panose="020B0403020202020204" pitchFamily="34" charset="0"/>
+                <a:cs typeface="Calibri" panose="020F0502020204030204" pitchFamily="34" charset="0"/>
+              </a:rPr>
+              <a:t>(ability to know exactly what failed)</a:t>
+            </a:r>
+          </a:p>
+          <a:p>
+            <a:pPr marL="342900" indent="-342900">
+              <a:lnSpc>
+                <a:spcPct val="150000"/>
+              </a:lnSpc>
+              <a:buFont typeface="Arial" panose="020B0604020202020204" pitchFamily="34" charset="0"/>
+              <a:buChar char="•"/>
+            </a:pPr>
+            <a:r>
+              <a:rPr lang="en-US" dirty="0">
+                <a:solidFill>
+                  <a:srgbClr val="4A452A"/>
+                </a:solidFill>
+                <a:latin typeface="Helvetica Light" panose="020B0403020202020204" pitchFamily="34" charset="0"/>
+                <a:cs typeface="Calibri" panose="020F0502020204030204" pitchFamily="34" charset="0"/>
+              </a:rPr>
+              <a:t>Each test should have a clear, long, descriptive name</a:t>
+            </a:r>
+          </a:p>
+          <a:p>
+            <a:pPr marL="800100" lvl="1" indent="-342900">
+              <a:lnSpc>
+                <a:spcPct val="150000"/>
+              </a:lnSpc>
+              <a:buFont typeface="Arial" panose="020B0604020202020204" pitchFamily="34" charset="0"/>
+              <a:buChar char="•"/>
+            </a:pPr>
+            <a:r>
+              <a:rPr lang="en-US" dirty="0">
+                <a:solidFill>
+                  <a:srgbClr val="4A452A"/>
+                </a:solidFill>
+                <a:latin typeface="Helvetica Light" panose="020B0403020202020204" pitchFamily="34" charset="0"/>
+                <a:cs typeface="Calibri" panose="020F0502020204030204" pitchFamily="34" charset="0"/>
+              </a:rPr>
+              <a:t>Assertions should always have clear messages to know what failed </a:t>
+            </a:r>
+          </a:p>
+          <a:p>
+            <a:pPr marL="800100" lvl="1" indent="-342900">
+              <a:lnSpc>
+                <a:spcPct val="150000"/>
+              </a:lnSpc>
+              <a:buFont typeface="Arial" panose="020B0604020202020204" pitchFamily="34" charset="0"/>
+              <a:buChar char="•"/>
+            </a:pPr>
+            <a:r>
+              <a:rPr lang="en-US" dirty="0">
+                <a:solidFill>
+                  <a:srgbClr val="4A452A"/>
+                </a:solidFill>
+                <a:latin typeface="Helvetica Light" panose="020B0403020202020204" pitchFamily="34" charset="0"/>
+                <a:cs typeface="Calibri" panose="020F0502020204030204" pitchFamily="34" charset="0"/>
+              </a:rPr>
+              <a:t>Write many small tests, not one big test</a:t>
+            </a:r>
+          </a:p>
+          <a:p>
+            <a:pPr marL="1257300" lvl="2" indent="-342900">
+              <a:lnSpc>
+                <a:spcPct val="150000"/>
+              </a:lnSpc>
+              <a:buFont typeface="Arial" panose="020B0604020202020204" pitchFamily="34" charset="0"/>
+              <a:buChar char="•"/>
+            </a:pPr>
+            <a:r>
+              <a:rPr lang="en-US" dirty="0">
+                <a:solidFill>
+                  <a:srgbClr val="4A452A"/>
+                </a:solidFill>
+                <a:latin typeface="Helvetica Light" panose="020B0403020202020204" pitchFamily="34" charset="0"/>
+                <a:cs typeface="Calibri" panose="020F0502020204030204" pitchFamily="34" charset="0"/>
+              </a:rPr>
+              <a:t>Each test should have roughly just 1 assertion at its end </a:t>
+            </a:r>
+          </a:p>
+          <a:p>
+            <a:pPr marL="342900" indent="-342900">
+              <a:lnSpc>
+                <a:spcPct val="150000"/>
+              </a:lnSpc>
+              <a:buFont typeface="Arial" panose="020B0604020202020204" pitchFamily="34" charset="0"/>
+              <a:buChar char="•"/>
+            </a:pPr>
+            <a:r>
+              <a:rPr lang="en-US" dirty="0">
+                <a:solidFill>
+                  <a:srgbClr val="4A452A"/>
+                </a:solidFill>
+                <a:latin typeface="Helvetica Light" panose="020B0403020202020204" pitchFamily="34" charset="0"/>
+                <a:cs typeface="Calibri" panose="020F0502020204030204" pitchFamily="34" charset="0"/>
+              </a:rPr>
+              <a:t>Test for expected errors / exception</a:t>
+            </a:r>
+          </a:p>
+          <a:p>
+            <a:pPr marL="342900" indent="-342900">
+              <a:lnSpc>
+                <a:spcPct val="150000"/>
+              </a:lnSpc>
+              <a:buFont typeface="Arial" panose="020B0604020202020204" pitchFamily="34" charset="0"/>
+              <a:buChar char="•"/>
+            </a:pPr>
+            <a:r>
+              <a:rPr lang="en-US" dirty="0">
+                <a:solidFill>
+                  <a:srgbClr val="4A452A"/>
+                </a:solidFill>
+                <a:latin typeface="Helvetica Light" panose="020B0403020202020204" pitchFamily="34" charset="0"/>
+                <a:cs typeface="Calibri" panose="020F0502020204030204" pitchFamily="34" charset="0"/>
+              </a:rPr>
+              <a:t>Choose a descriptive assert method, not always </a:t>
+            </a:r>
+            <a:r>
+              <a:rPr lang="en-US" dirty="0" err="1">
+                <a:solidFill>
+                  <a:srgbClr val="4A452A"/>
+                </a:solidFill>
+                <a:latin typeface="Courier New" panose="02070309020205020404" pitchFamily="49" charset="0"/>
+                <a:cs typeface="Courier New" panose="02070309020205020404" pitchFamily="49" charset="0"/>
+              </a:rPr>
+              <a:t>assertTrue</a:t>
+            </a:r>
+            <a:endParaRPr lang="en-US" dirty="0">
+              <a:solidFill>
+                <a:srgbClr val="4A452A"/>
+              </a:solidFill>
+              <a:latin typeface="Courier New" panose="02070309020205020404" pitchFamily="49" charset="0"/>
+              <a:cs typeface="Courier New" panose="02070309020205020404" pitchFamily="49" charset="0"/>
+            </a:endParaRPr>
+          </a:p>
+          <a:p>
+            <a:pPr marL="342900" indent="-342900">
+              <a:lnSpc>
+                <a:spcPct val="150000"/>
+              </a:lnSpc>
+              <a:buFont typeface="Arial" panose="020B0604020202020204" pitchFamily="34" charset="0"/>
+              <a:buChar char="•"/>
+            </a:pPr>
+            <a:r>
+              <a:rPr lang="en-US" dirty="0">
+                <a:solidFill>
+                  <a:srgbClr val="4A452A"/>
+                </a:solidFill>
+                <a:latin typeface="Helvetica Light" panose="020B0403020202020204" pitchFamily="34" charset="0"/>
+                <a:cs typeface="Calibri" panose="020F0502020204030204" pitchFamily="34" charset="0"/>
+              </a:rPr>
+              <a:t>Choose representative test cases from equivalent input classes</a:t>
+            </a:r>
+          </a:p>
+          <a:p>
+            <a:pPr marL="342900" indent="-342900">
+              <a:lnSpc>
+                <a:spcPct val="150000"/>
+              </a:lnSpc>
+              <a:buFont typeface="Arial" panose="020B0604020202020204" pitchFamily="34" charset="0"/>
+              <a:buChar char="•"/>
+            </a:pPr>
+            <a:r>
+              <a:rPr lang="en-US" dirty="0">
+                <a:solidFill>
+                  <a:srgbClr val="4A452A"/>
+                </a:solidFill>
+                <a:latin typeface="Helvetica Light" panose="020B0403020202020204" pitchFamily="34" charset="0"/>
+                <a:cs typeface="Calibri" panose="020F0502020204030204" pitchFamily="34" charset="0"/>
+              </a:rPr>
+              <a:t>Avoid complex logic in test methods if possible</a:t>
+            </a:r>
+          </a:p>
+          <a:p>
+            <a:pPr marL="342900" indent="-342900">
+              <a:lnSpc>
+                <a:spcPct val="150000"/>
+              </a:lnSpc>
+              <a:buFont typeface="Arial" panose="020B0604020202020204" pitchFamily="34" charset="0"/>
+              <a:buChar char="•"/>
+            </a:pPr>
+            <a:r>
+              <a:rPr lang="en-US" dirty="0">
+                <a:solidFill>
+                  <a:srgbClr val="4A452A"/>
+                </a:solidFill>
+                <a:latin typeface="Helvetica Light" panose="020B0403020202020204" pitchFamily="34" charset="0"/>
+                <a:cs typeface="Calibri" panose="020F0502020204030204" pitchFamily="34" charset="0"/>
+              </a:rPr>
+              <a:t>Use helpers, @Before to reduce redundancy between tests</a:t>
+            </a:r>
+          </a:p>
+          <a:p>
+            <a:pPr>
+              <a:buFont typeface="Arial" panose="020B0604020202020204" pitchFamily="34" charset="0"/>
+              <a:buChar char="•"/>
+            </a:pPr>
+            <a:endParaRPr lang="en-US" dirty="0">
+              <a:solidFill>
+                <a:srgbClr val="4A452A"/>
+              </a:solidFill>
+              <a:effectLst/>
+              <a:latin typeface="Helvetica Light" panose="020B0403020202020204" pitchFamily="34" charset="0"/>
+              <a:ea typeface="Helvetica Neue" panose="02000503000000020004" pitchFamily="2" charset="0"/>
+              <a:cs typeface="Calibri" panose="020F0502020204030204" pitchFamily="34" charset="0"/>
+            </a:endParaRPr>
+          </a:p>
+        </p:txBody>
+      </p:sp>
+    </p:spTree>
+    <p:extLst>
+      <p:ext uri="{BB962C8B-B14F-4D97-AF65-F5344CB8AC3E}">
+        <p14:creationId xmlns:p14="http://schemas.microsoft.com/office/powerpoint/2010/main" val="4086850969"/>
+      </p:ext>
+    </p:extLst>
+  </p:cSld>
+  <p:clrMapOvr>
+    <a:masterClrMapping/>
+  </p:clrMapOvr>
+  <p:timing>
+    <p:tnLst>
+      <p:par>
+        <p:cTn id="1" dur="indefinite" restart="never" nodeType="tmRoot">
+          <p:childTnLst>
+            <p:seq concurrent="1" nextAc="seek">
+              <p:cTn id="2" dur="indefinite" nodeType="mainSeq">
+                <p:childTnLst>
+                  <p:par>
+                    <p:cTn id="3" fill="hold">
+                      <p:stCondLst>
+                        <p:cond delay="indefinite"/>
+                      </p:stCondLst>
+                      <p:childTnLst>
+                        <p:par>
+                          <p:cTn id="4" fill="hold">
+                            <p:stCondLst>
+                              <p:cond delay="0"/>
+                            </p:stCondLst>
+                            <p:childTnLst>
+                              <p:par>
+                                <p:cTn id="5" presetID="1" presetClass="entr" presetSubtype="0" fill="hold" nodeType="clickEffect">
+                                  <p:stCondLst>
+                                    <p:cond delay="0"/>
+                                  </p:stCondLst>
+                                  <p:childTnLst>
+                                    <p:set>
+                                      <p:cBhvr>
+                                        <p:cTn id="6" dur="1" fill="hold">
+                                          <p:stCondLst>
+                                            <p:cond delay="0"/>
+                                          </p:stCondLst>
+                                        </p:cTn>
+                                        <p:tgtEl>
+                                          <p:spTgt spid="11">
+                                            <p:txEl>
+                                              <p:pRg st="1" end="1"/>
+                                            </p:txEl>
+                                          </p:spTgt>
+                                        </p:tgtEl>
+                                        <p:attrNameLst>
+                                          <p:attrName>style.visibility</p:attrName>
+                                        </p:attrNameLst>
+                                      </p:cBhvr>
+                                      <p:to>
+                                        <p:strVal val="visible"/>
+                                      </p:to>
+                                    </p:set>
+                                  </p:childTnLst>
+                                </p:cTn>
+                              </p:par>
+                              <p:par>
+                                <p:cTn id="7" presetID="1" presetClass="entr" presetSubtype="0" fill="hold" nodeType="withEffect">
+                                  <p:stCondLst>
+                                    <p:cond delay="0"/>
+                                  </p:stCondLst>
+                                  <p:childTnLst>
+                                    <p:set>
+                                      <p:cBhvr>
+                                        <p:cTn id="8" dur="1" fill="hold">
+                                          <p:stCondLst>
+                                            <p:cond delay="0"/>
+                                          </p:stCondLst>
+                                        </p:cTn>
+                                        <p:tgtEl>
+                                          <p:spTgt spid="11">
+                                            <p:txEl>
+                                              <p:pRg st="2" end="2"/>
+                                            </p:txEl>
+                                          </p:spTgt>
+                                        </p:tgtEl>
+                                        <p:attrNameLst>
+                                          <p:attrName>style.visibility</p:attrName>
+                                        </p:attrNameLst>
+                                      </p:cBhvr>
+                                      <p:to>
+                                        <p:strVal val="visible"/>
+                                      </p:to>
+                                    </p:set>
+                                  </p:childTnLst>
+                                </p:cTn>
+                              </p:par>
+                              <p:par>
+                                <p:cTn id="9" presetID="1" presetClass="entr" presetSubtype="0" fill="hold" nodeType="withEffect">
+                                  <p:stCondLst>
+                                    <p:cond delay="0"/>
+                                  </p:stCondLst>
+                                  <p:childTnLst>
+                                    <p:set>
+                                      <p:cBhvr>
+                                        <p:cTn id="10" dur="1" fill="hold">
+                                          <p:stCondLst>
+                                            <p:cond delay="0"/>
+                                          </p:stCondLst>
+                                        </p:cTn>
+                                        <p:tgtEl>
+                                          <p:spTgt spid="11">
+                                            <p:txEl>
+                                              <p:pRg st="3" end="3"/>
+                                            </p:txEl>
+                                          </p:spTgt>
+                                        </p:tgtEl>
+                                        <p:attrNameLst>
+                                          <p:attrName>style.visibility</p:attrName>
+                                        </p:attrNameLst>
+                                      </p:cBhvr>
+                                      <p:to>
+                                        <p:strVal val="visible"/>
+                                      </p:to>
+                                    </p:set>
+                                  </p:childTnLst>
+                                </p:cTn>
+                              </p:par>
+                              <p:par>
+                                <p:cTn id="11" presetID="1" presetClass="entr" presetSubtype="0" fill="hold" nodeType="withEffect">
+                                  <p:stCondLst>
+                                    <p:cond delay="0"/>
+                                  </p:stCondLst>
+                                  <p:childTnLst>
+                                    <p:set>
+                                      <p:cBhvr>
+                                        <p:cTn id="12" dur="1" fill="hold">
+                                          <p:stCondLst>
+                                            <p:cond delay="0"/>
+                                          </p:stCondLst>
+                                        </p:cTn>
+                                        <p:tgtEl>
+                                          <p:spTgt spid="11">
+                                            <p:txEl>
+                                              <p:pRg st="4" end="4"/>
+                                            </p:txEl>
+                                          </p:spTgt>
+                                        </p:tgtEl>
+                                        <p:attrNameLst>
+                                          <p:attrName>style.visibility</p:attrName>
+                                        </p:attrNameLst>
+                                      </p:cBhvr>
+                                      <p:to>
+                                        <p:strVal val="visible"/>
+                                      </p:to>
+                                    </p:set>
+                                  </p:childTnLst>
+                                </p:cTn>
+                              </p:par>
+                            </p:childTnLst>
+                          </p:cTn>
+                        </p:par>
+                      </p:childTnLst>
+                    </p:cTn>
+                  </p:par>
+                  <p:par>
+                    <p:cTn id="13" fill="hold">
+                      <p:stCondLst>
+                        <p:cond delay="indefinite"/>
+                      </p:stCondLst>
+                      <p:childTnLst>
+                        <p:par>
+                          <p:cTn id="14" fill="hold">
+                            <p:stCondLst>
+                              <p:cond delay="0"/>
+                            </p:stCondLst>
+                            <p:childTnLst>
+                              <p:par>
+                                <p:cTn id="15" presetID="1" presetClass="entr" presetSubtype="0" fill="hold" nodeType="clickEffect">
+                                  <p:stCondLst>
+                                    <p:cond delay="0"/>
+                                  </p:stCondLst>
+                                  <p:childTnLst>
+                                    <p:set>
+                                      <p:cBhvr>
+                                        <p:cTn id="16" dur="1" fill="hold">
+                                          <p:stCondLst>
+                                            <p:cond delay="0"/>
+                                          </p:stCondLst>
+                                        </p:cTn>
+                                        <p:tgtEl>
+                                          <p:spTgt spid="11">
+                                            <p:txEl>
+                                              <p:pRg st="5" end="5"/>
+                                            </p:txEl>
+                                          </p:spTgt>
+                                        </p:tgtEl>
+                                        <p:attrNameLst>
+                                          <p:attrName>style.visibility</p:attrName>
+                                        </p:attrNameLst>
+                                      </p:cBhvr>
+                                      <p:to>
+                                        <p:strVal val="visible"/>
+                                      </p:to>
+                                    </p:set>
+                                  </p:childTnLst>
+                                </p:cTn>
+                              </p:par>
+                            </p:childTnLst>
+                          </p:cTn>
+                        </p:par>
+                      </p:childTnLst>
+                    </p:cTn>
+                  </p:par>
+                  <p:par>
+                    <p:cTn id="17" fill="hold">
+                      <p:stCondLst>
+                        <p:cond delay="indefinite"/>
+                      </p:stCondLst>
+                      <p:childTnLst>
+                        <p:par>
+                          <p:cTn id="18" fill="hold">
+                            <p:stCondLst>
+                              <p:cond delay="0"/>
+                            </p:stCondLst>
+                            <p:childTnLst>
+                              <p:par>
+                                <p:cTn id="19" presetID="1" presetClass="entr" presetSubtype="0" fill="hold" nodeType="clickEffect">
+                                  <p:stCondLst>
+                                    <p:cond delay="0"/>
+                                  </p:stCondLst>
+                                  <p:childTnLst>
+                                    <p:set>
+                                      <p:cBhvr>
+                                        <p:cTn id="20" dur="1" fill="hold">
+                                          <p:stCondLst>
+                                            <p:cond delay="0"/>
+                                          </p:stCondLst>
+                                        </p:cTn>
+                                        <p:tgtEl>
+                                          <p:spTgt spid="11">
+                                            <p:txEl>
+                                              <p:pRg st="6" end="6"/>
+                                            </p:txEl>
+                                          </p:spTgt>
+                                        </p:tgtEl>
+                                        <p:attrNameLst>
+                                          <p:attrName>style.visibility</p:attrName>
+                                        </p:attrNameLst>
+                                      </p:cBhvr>
+                                      <p:to>
+                                        <p:strVal val="visible"/>
+                                      </p:to>
+                                    </p:set>
+                                  </p:childTnLst>
+                                </p:cTn>
+                              </p:par>
+                            </p:childTnLst>
+                          </p:cTn>
+                        </p:par>
+                      </p:childTnLst>
+                    </p:cTn>
+                  </p:par>
+                  <p:par>
+                    <p:cTn id="21" fill="hold">
+                      <p:stCondLst>
+                        <p:cond delay="indefinite"/>
+                      </p:stCondLst>
+                      <p:childTnLst>
+                        <p:par>
+                          <p:cTn id="22" fill="hold">
+                            <p:stCondLst>
+                              <p:cond delay="0"/>
+                            </p:stCondLst>
+                            <p:childTnLst>
+                              <p:par>
+                                <p:cTn id="23" presetID="1" presetClass="entr" presetSubtype="0" fill="hold" nodeType="clickEffect">
+                                  <p:stCondLst>
+                                    <p:cond delay="0"/>
+                                  </p:stCondLst>
+                                  <p:childTnLst>
+                                    <p:set>
+                                      <p:cBhvr>
+                                        <p:cTn id="24" dur="1" fill="hold">
+                                          <p:stCondLst>
+                                            <p:cond delay="0"/>
+                                          </p:stCondLst>
+                                        </p:cTn>
+                                        <p:tgtEl>
+                                          <p:spTgt spid="11">
+                                            <p:txEl>
+                                              <p:pRg st="7" end="7"/>
+                                            </p:txEl>
+                                          </p:spTgt>
+                                        </p:tgtEl>
+                                        <p:attrNameLst>
+                                          <p:attrName>style.visibility</p:attrName>
+                                        </p:attrNameLst>
+                                      </p:cBhvr>
+                                      <p:to>
+                                        <p:strVal val="visible"/>
+                                      </p:to>
+                                    </p:set>
+                                  </p:childTnLst>
+                                </p:cTn>
+                              </p:par>
+                            </p:childTnLst>
+                          </p:cTn>
+                        </p:par>
+                      </p:childTnLst>
+                    </p:cTn>
+                  </p:par>
+                  <p:par>
+                    <p:cTn id="25" fill="hold">
+                      <p:stCondLst>
+                        <p:cond delay="indefinite"/>
+                      </p:stCondLst>
+                      <p:childTnLst>
+                        <p:par>
+                          <p:cTn id="26" fill="hold">
+                            <p:stCondLst>
+                              <p:cond delay="0"/>
+                            </p:stCondLst>
+                            <p:childTnLst>
+                              <p:par>
+                                <p:cTn id="27" presetID="1" presetClass="entr" presetSubtype="0" fill="hold" nodeType="clickEffect">
+                                  <p:stCondLst>
+                                    <p:cond delay="0"/>
+                                  </p:stCondLst>
+                                  <p:childTnLst>
+                                    <p:set>
+                                      <p:cBhvr>
+                                        <p:cTn id="28" dur="1" fill="hold">
+                                          <p:stCondLst>
+                                            <p:cond delay="0"/>
+                                          </p:stCondLst>
+                                        </p:cTn>
+                                        <p:tgtEl>
+                                          <p:spTgt spid="11">
+                                            <p:txEl>
+                                              <p:pRg st="8" end="8"/>
+                                            </p:txEl>
+                                          </p:spTgt>
+                                        </p:tgtEl>
+                                        <p:attrNameLst>
+                                          <p:attrName>style.visibility</p:attrName>
+                                        </p:attrNameLst>
+                                      </p:cBhvr>
+                                      <p:to>
+                                        <p:strVal val="visible"/>
+                                      </p:to>
+                                    </p:set>
+                                  </p:childTnLst>
+                                </p:cTn>
+                              </p:par>
+                            </p:childTnLst>
+                          </p:cTn>
+                        </p:par>
+                      </p:childTnLst>
+                    </p:cTn>
+                  </p:par>
+                  <p:par>
+                    <p:cTn id="29" fill="hold">
+                      <p:stCondLst>
+                        <p:cond delay="indefinite"/>
+                      </p:stCondLst>
+                      <p:childTnLst>
+                        <p:par>
+                          <p:cTn id="30" fill="hold">
+                            <p:stCondLst>
+                              <p:cond delay="0"/>
+                            </p:stCondLst>
+                            <p:childTnLst>
+                              <p:par>
+                                <p:cTn id="31" presetID="1" presetClass="entr" presetSubtype="0" fill="hold" nodeType="clickEffect">
+                                  <p:stCondLst>
+                                    <p:cond delay="0"/>
+                                  </p:stCondLst>
+                                  <p:childTnLst>
+                                    <p:set>
+                                      <p:cBhvr>
+                                        <p:cTn id="32" dur="1" fill="hold">
+                                          <p:stCondLst>
+                                            <p:cond delay="0"/>
+                                          </p:stCondLst>
+                                        </p:cTn>
+                                        <p:tgtEl>
+                                          <p:spTgt spid="11">
+                                            <p:txEl>
+                                              <p:pRg st="9" end="9"/>
+                                            </p:txEl>
+                                          </p:spTgt>
+                                        </p:tgtEl>
+                                        <p:attrNameLst>
+                                          <p:attrName>style.visibility</p:attrName>
+                                        </p:attrNameLst>
+                                      </p:cBhvr>
+                                      <p:to>
+                                        <p:strVal val="visible"/>
+                                      </p:to>
+                                    </p:set>
+                                  </p:childTnLst>
+                                </p:cTn>
+                              </p:par>
+                            </p:childTnLst>
+                          </p:cTn>
+                        </p:par>
+                      </p:childTnLst>
+                    </p:cTn>
+                  </p:par>
+                </p:childTnLst>
+              </p:cTn>
+              <p:prevCondLst>
+                <p:cond evt="onPrev" delay="0">
+                  <p:tgtEl>
+                    <p:sldTgt/>
+                  </p:tgtEl>
+                </p:cond>
+              </p:prevCondLst>
+              <p:nextCondLst>
+                <p:cond evt="onNext" delay="0">
+                  <p:tgtEl>
+                    <p:sldTgt/>
+                  </p:tgtEl>
+                </p:cond>
+              </p:nextCondLst>
+            </p:seq>
+          </p:childTnLst>
+        </p:cTn>
+      </p:par>
+    </p:tnLst>
+  </p:timing>
+</p:sld>
+</file>
+
+<file path=ppt/slides/slide26.xml><?xml version="1.0" encoding="utf-8"?>
+<p:sld xmlns:a="http://schemas.openxmlformats.org/drawingml/2006/main" xmlns:r="http://schemas.openxmlformats.org/officeDocument/2006/relationships" xmlns:p="http://schemas.openxmlformats.org/presentationml/2006/main">
+  <p:cSld>
+    <p:spTree>
+      <p:nvGrpSpPr>
+        <p:cNvPr id="1" name=""/>
+        <p:cNvGrpSpPr/>
+        <p:nvPr/>
+      </p:nvGrpSpPr>
+      <p:grpSpPr>
+        <a:xfrm>
+          <a:off x="0" y="0"/>
+          <a:ext cx="0" cy="0"/>
+          <a:chOff x="0" y="0"/>
+          <a:chExt cx="0" cy="0"/>
+        </a:xfrm>
+      </p:grpSpPr>
+      <p:sp>
+        <p:nvSpPr>
+          <p:cNvPr id="2" name="Title 1">
+            <a:extLst>
+              <a:ext uri="{FF2B5EF4-FFF2-40B4-BE49-F238E27FC236}">
+                <a16:creationId xmlns:a16="http://schemas.microsoft.com/office/drawing/2014/main" id="{A440F130-5562-6CCC-F8E1-B49DFBE1D396}"/>
+              </a:ext>
+            </a:extLst>
+          </p:cNvPr>
+          <p:cNvSpPr>
+            <a:spLocks noGrp="1"/>
+          </p:cNvSpPr>
+          <p:nvPr>
+            <p:ph type="title"/>
+          </p:nvPr>
+        </p:nvSpPr>
+        <p:spPr/>
+        <p:txBody>
+          <a:bodyPr/>
+          <a:lstStyle/>
+          <a:p>
+            <a:r>
+              <a:rPr lang="en-US" dirty="0"/>
+              <a:t>Questions about Lab 1?</a:t>
+            </a:r>
+          </a:p>
+        </p:txBody>
+      </p:sp>
+    </p:spTree>
+    <p:extLst>
+      <p:ext uri="{BB962C8B-B14F-4D97-AF65-F5344CB8AC3E}">
+        <p14:creationId xmlns:p14="http://schemas.microsoft.com/office/powerpoint/2010/main" val="1700682506"/>
+      </p:ext>
+    </p:extLst>
+  </p:cSld>
+  <p:clrMapOvr>
+    <a:masterClrMapping/>
+  </p:clrMapOvr>
+</p:sld>
+</file>
+
+<file path=ppt/slides/slide27.xml><?xml version="1.0" encoding="utf-8"?>
+<p:sld xmlns:a="http://schemas.openxmlformats.org/drawingml/2006/main" xmlns:r="http://schemas.openxmlformats.org/officeDocument/2006/relationships" xmlns:p="http://schemas.openxmlformats.org/presentationml/2006/main">
+  <p:cSld>
+    <p:spTree>
+      <p:nvGrpSpPr>
+        <p:cNvPr id="1" name=""/>
+        <p:cNvGrpSpPr/>
+        <p:nvPr/>
+      </p:nvGrpSpPr>
+      <p:grpSpPr>
+        <a:xfrm>
+          <a:off x="0" y="0"/>
+          <a:ext cx="0" cy="0"/>
+          <a:chOff x="0" y="0"/>
+          <a:chExt cx="0" cy="0"/>
+        </a:xfrm>
+      </p:grpSpPr>
+      <p:sp>
+        <p:nvSpPr>
+          <p:cNvPr id="2" name="Title 1">
+            <a:extLst>
+              <a:ext uri="{FF2B5EF4-FFF2-40B4-BE49-F238E27FC236}">
+                <a16:creationId xmlns:a16="http://schemas.microsoft.com/office/drawing/2014/main" id="{ACFDE51E-37FE-A37B-FCF5-13C79BFB96D0}"/>
+              </a:ext>
+            </a:extLst>
+          </p:cNvPr>
+          <p:cNvSpPr>
+            <a:spLocks noGrp="1"/>
+          </p:cNvSpPr>
+          <p:nvPr>
+            <p:ph type="ctrTitle"/>
+          </p:nvPr>
+        </p:nvSpPr>
+        <p:spPr/>
+        <p:txBody>
+          <a:bodyPr/>
+          <a:lstStyle/>
+          <a:p>
+            <a:r>
+              <a:rPr lang="en-US" dirty="0">
+                <a:solidFill>
+                  <a:schemeClr val="tx1"/>
+                </a:solidFill>
+              </a:rPr>
+              <a:t>Documentation</a:t>
+            </a:r>
+          </a:p>
+        </p:txBody>
+      </p:sp>
+      <p:sp>
+        <p:nvSpPr>
+          <p:cNvPr id="3" name="Subtitle 2">
+            <a:extLst>
+              <a:ext uri="{FF2B5EF4-FFF2-40B4-BE49-F238E27FC236}">
+                <a16:creationId xmlns:a16="http://schemas.microsoft.com/office/drawing/2014/main" id="{A72E97F7-23BD-9155-2BFE-36858D24BCCF}"/>
+              </a:ext>
+            </a:extLst>
+          </p:cNvPr>
+          <p:cNvSpPr>
+            <a:spLocks noGrp="1"/>
+          </p:cNvSpPr>
+          <p:nvPr>
+            <p:ph type="subTitle" idx="1"/>
+          </p:nvPr>
+        </p:nvSpPr>
+        <p:spPr/>
+        <p:txBody>
+          <a:bodyPr/>
+          <a:lstStyle/>
+          <a:p>
+            <a:endParaRPr lang="en-US"/>
+          </a:p>
+        </p:txBody>
+      </p:sp>
+    </p:spTree>
+    <p:extLst>
+      <p:ext uri="{BB962C8B-B14F-4D97-AF65-F5344CB8AC3E}">
+        <p14:creationId xmlns:p14="http://schemas.microsoft.com/office/powerpoint/2010/main" val="492788506"/>
+      </p:ext>
+    </p:extLst>
+  </p:cSld>
+  <p:clrMapOvr>
+    <a:masterClrMapping/>
+  </p:clrMapOvr>
+</p:sld>
+</file>
+
+<file path=ppt/slides/slide28.xml><?xml version="1.0" encoding="utf-8"?>
+<p:sld xmlns:a="http://schemas.openxmlformats.org/drawingml/2006/main" xmlns:r="http://schemas.openxmlformats.org/officeDocument/2006/relationships" xmlns:p="http://schemas.openxmlformats.org/presentationml/2006/main">
+  <p:cSld>
+    <p:spTree>
+      <p:nvGrpSpPr>
+        <p:cNvPr id="1" name=""/>
+        <p:cNvGrpSpPr/>
+        <p:nvPr/>
+      </p:nvGrpSpPr>
+      <p:grpSpPr>
+        <a:xfrm>
+          <a:off x="0" y="0"/>
+          <a:ext cx="0" cy="0"/>
+          <a:chOff x="0" y="0"/>
+          <a:chExt cx="0" cy="0"/>
+        </a:xfrm>
+      </p:grpSpPr>
+      <p:sp>
+        <p:nvSpPr>
+          <p:cNvPr id="2" name="Title 1">
+            <a:extLst>
+              <a:ext uri="{FF2B5EF4-FFF2-40B4-BE49-F238E27FC236}">
+                <a16:creationId xmlns:a16="http://schemas.microsoft.com/office/drawing/2014/main" id="{87CCBAE8-CD3C-EC72-E88B-CD29EEEBBE31}"/>
+              </a:ext>
+            </a:extLst>
+          </p:cNvPr>
+          <p:cNvSpPr>
+            <a:spLocks noGrp="1"/>
+          </p:cNvSpPr>
+          <p:nvPr>
+            <p:ph type="title"/>
+          </p:nvPr>
+        </p:nvSpPr>
+        <p:spPr/>
+        <p:txBody>
+          <a:bodyPr/>
+          <a:lstStyle/>
+          <a:p>
+            <a:r>
+              <a:rPr lang="en-US" dirty="0"/>
+              <a:t>Javadoc style comments</a:t>
+            </a:r>
+          </a:p>
+        </p:txBody>
+      </p:sp>
+      <p:pic>
+        <p:nvPicPr>
+          <p:cNvPr id="5" name="Picture 4">
+            <a:extLst>
+              <a:ext uri="{FF2B5EF4-FFF2-40B4-BE49-F238E27FC236}">
+                <a16:creationId xmlns:a16="http://schemas.microsoft.com/office/drawing/2014/main" id="{3952D31C-968D-0B2B-792D-A0FF0AA4CEE2}"/>
+              </a:ext>
+            </a:extLst>
+          </p:cNvPr>
+          <p:cNvPicPr>
+            <a:picLocks noChangeAspect="1"/>
+          </p:cNvPicPr>
+          <p:nvPr/>
+        </p:nvPicPr>
+        <p:blipFill>
+          <a:blip r:embed="rId2"/>
+          <a:stretch>
+            <a:fillRect/>
+          </a:stretch>
+        </p:blipFill>
+        <p:spPr>
+          <a:xfrm>
+            <a:off x="450954" y="2072259"/>
+            <a:ext cx="7772400" cy="1856231"/>
+          </a:xfrm>
+          <a:prstGeom prst="rect">
+            <a:avLst/>
+          </a:prstGeom>
+        </p:spPr>
+      </p:pic>
+      <p:pic>
+        <p:nvPicPr>
+          <p:cNvPr id="6" name="Picture 5">
+            <a:extLst>
+              <a:ext uri="{FF2B5EF4-FFF2-40B4-BE49-F238E27FC236}">
+                <a16:creationId xmlns:a16="http://schemas.microsoft.com/office/drawing/2014/main" id="{086FCE3A-379B-B054-AE06-C683B54298E9}"/>
+              </a:ext>
+            </a:extLst>
+          </p:cNvPr>
+          <p:cNvPicPr>
+            <a:picLocks noChangeAspect="1"/>
+          </p:cNvPicPr>
+          <p:nvPr/>
+        </p:nvPicPr>
+        <p:blipFill>
+          <a:blip r:embed="rId3"/>
+          <a:stretch>
+            <a:fillRect/>
+          </a:stretch>
+        </p:blipFill>
+        <p:spPr>
+          <a:xfrm>
+            <a:off x="450954" y="4800600"/>
+            <a:ext cx="7213600" cy="1460500"/>
+          </a:xfrm>
+          <a:prstGeom prst="rect">
+            <a:avLst/>
+          </a:prstGeom>
+        </p:spPr>
+      </p:pic>
+      <p:sp>
+        <p:nvSpPr>
+          <p:cNvPr id="7" name="TextBox 6">
+            <a:extLst>
+              <a:ext uri="{FF2B5EF4-FFF2-40B4-BE49-F238E27FC236}">
+                <a16:creationId xmlns:a16="http://schemas.microsoft.com/office/drawing/2014/main" id="{BE5192AB-A9DE-586E-FF11-863A511D8E4A}"/>
+              </a:ext>
+            </a:extLst>
+          </p:cNvPr>
+          <p:cNvSpPr txBox="1"/>
+          <p:nvPr/>
+        </p:nvSpPr>
+        <p:spPr>
+          <a:xfrm>
+            <a:off x="609600" y="1752600"/>
+            <a:ext cx="5381601" cy="369332"/>
+          </a:xfrm>
+          <a:prstGeom prst="rect">
+            <a:avLst/>
+          </a:prstGeom>
+          <a:noFill/>
+        </p:spPr>
+        <p:txBody>
+          <a:bodyPr wrap="none" rtlCol="0">
+            <a:spAutoFit/>
+          </a:bodyPr>
+          <a:lstStyle/>
+          <a:p>
+            <a:r>
+              <a:rPr lang="en-US" dirty="0"/>
+              <a:t>Constructor comments with @param for parameter</a:t>
+            </a:r>
+          </a:p>
+        </p:txBody>
+      </p:sp>
+      <p:sp>
+        <p:nvSpPr>
+          <p:cNvPr id="8" name="TextBox 7">
+            <a:extLst>
+              <a:ext uri="{FF2B5EF4-FFF2-40B4-BE49-F238E27FC236}">
+                <a16:creationId xmlns:a16="http://schemas.microsoft.com/office/drawing/2014/main" id="{A162F487-E631-6ED8-AA0B-D8CE5B64AE08}"/>
+              </a:ext>
+            </a:extLst>
+          </p:cNvPr>
+          <p:cNvSpPr txBox="1"/>
+          <p:nvPr/>
+        </p:nvSpPr>
+        <p:spPr>
+          <a:xfrm>
+            <a:off x="609600" y="4449793"/>
+            <a:ext cx="4958409" cy="369332"/>
+          </a:xfrm>
+          <a:prstGeom prst="rect">
+            <a:avLst/>
+          </a:prstGeom>
+          <a:noFill/>
+        </p:spPr>
+        <p:txBody>
+          <a:bodyPr wrap="none" rtlCol="0">
+            <a:spAutoFit/>
+          </a:bodyPr>
+          <a:lstStyle/>
+          <a:p>
+            <a:r>
+              <a:rPr lang="en-US" dirty="0"/>
+              <a:t>Method comment with @return for return value</a:t>
+            </a:r>
+          </a:p>
+        </p:txBody>
+      </p:sp>
+    </p:spTree>
+    <p:extLst>
+      <p:ext uri="{BB962C8B-B14F-4D97-AF65-F5344CB8AC3E}">
+        <p14:creationId xmlns:p14="http://schemas.microsoft.com/office/powerpoint/2010/main" val="2207681562"/>
+      </p:ext>
+    </p:extLst>
+  </p:cSld>
+  <p:clrMapOvr>
+    <a:masterClrMapping/>
+  </p:clrMapOvr>
+</p:sld>
+</file>
+
+<file path=ppt/slides/slide29.xml><?xml version="1.0" encoding="utf-8"?>
+<p:sld xmlns:a="http://schemas.openxmlformats.org/drawingml/2006/main" xmlns:r="http://schemas.openxmlformats.org/officeDocument/2006/relationships" xmlns:p="http://schemas.openxmlformats.org/presentationml/2006/main">
+  <p:cSld>
+    <p:spTree>
+      <p:nvGrpSpPr>
+        <p:cNvPr id="1" name=""/>
+        <p:cNvGrpSpPr/>
+        <p:nvPr/>
+      </p:nvGrpSpPr>
+      <p:grpSpPr>
+        <a:xfrm>
+          <a:off x="0" y="0"/>
+          <a:ext cx="0" cy="0"/>
+          <a:chOff x="0" y="0"/>
+          <a:chExt cx="0" cy="0"/>
+        </a:xfrm>
+      </p:grpSpPr>
+      <p:sp>
+        <p:nvSpPr>
+          <p:cNvPr id="2" name="Title 1">
+            <a:extLst>
+              <a:ext uri="{FF2B5EF4-FFF2-40B4-BE49-F238E27FC236}">
+                <a16:creationId xmlns:a16="http://schemas.microsoft.com/office/drawing/2014/main" id="{9D449C9D-6BE7-4E6C-8F20-7ECBA09CF193}"/>
+              </a:ext>
+            </a:extLst>
+          </p:cNvPr>
+          <p:cNvSpPr>
+            <a:spLocks noGrp="1"/>
+          </p:cNvSpPr>
+          <p:nvPr>
+            <p:ph type="title"/>
+          </p:nvPr>
+        </p:nvSpPr>
+        <p:spPr/>
+        <p:txBody>
+          <a:bodyPr/>
+          <a:lstStyle/>
+          <a:p>
+            <a:r>
+              <a:rPr lang="en-US" dirty="0"/>
+              <a:t>Assignment 1</a:t>
+            </a:r>
+          </a:p>
+        </p:txBody>
+      </p:sp>
+      <p:sp>
+        <p:nvSpPr>
+          <p:cNvPr id="3" name="Content Placeholder 2">
+            <a:extLst>
+              <a:ext uri="{FF2B5EF4-FFF2-40B4-BE49-F238E27FC236}">
+                <a16:creationId xmlns:a16="http://schemas.microsoft.com/office/drawing/2014/main" id="{1627FBA9-F34B-6889-FFB1-696393F7DA6A}"/>
+              </a:ext>
+            </a:extLst>
+          </p:cNvPr>
+          <p:cNvSpPr>
+            <a:spLocks noGrp="1"/>
+          </p:cNvSpPr>
+          <p:nvPr>
+            <p:ph idx="1"/>
+          </p:nvPr>
+        </p:nvSpPr>
+        <p:spPr/>
+        <p:txBody>
+          <a:bodyPr/>
+          <a:lstStyle/>
+          <a:p>
+            <a:r>
+              <a:rPr lang="en-US" dirty="0"/>
+              <a:t>Making a new package and a new class</a:t>
+            </a:r>
+          </a:p>
+          <a:p>
+            <a:r>
+              <a:rPr lang="en-US" dirty="0"/>
+              <a:t>General Design Rubric</a:t>
+            </a:r>
+          </a:p>
+          <a:p>
+            <a:pPr lvl="1"/>
+            <a:r>
+              <a:rPr lang="en-US" dirty="0"/>
+              <a:t>Code documentation</a:t>
+            </a:r>
+          </a:p>
+          <a:p>
+            <a:pPr lvl="1"/>
+            <a:r>
+              <a:rPr lang="en-US" dirty="0"/>
+              <a:t>Gradle-built</a:t>
+            </a:r>
+          </a:p>
+          <a:p>
+            <a:pPr lvl="1"/>
+            <a:r>
+              <a:rPr lang="en-US" dirty="0"/>
+              <a:t>Testing: </a:t>
+            </a:r>
+            <a:r>
+              <a:rPr lang="en-US" dirty="0" err="1"/>
+              <a:t>Jacoco</a:t>
+            </a:r>
+            <a:r>
+              <a:rPr lang="en-US" dirty="0"/>
+              <a:t> code coverage</a:t>
+            </a:r>
+          </a:p>
+          <a:p>
+            <a:pPr lvl="1"/>
+            <a:r>
+              <a:rPr lang="en-US" dirty="0"/>
+              <a:t>Constants</a:t>
+            </a:r>
+          </a:p>
+          <a:p>
+            <a:pPr lvl="2"/>
+            <a:r>
+              <a:rPr lang="en-US" dirty="0"/>
+              <a:t>private final static type CONSTANTNAME = …;</a:t>
+            </a:r>
+          </a:p>
+        </p:txBody>
+      </p:sp>
+    </p:spTree>
+    <p:extLst>
+      <p:ext uri="{BB962C8B-B14F-4D97-AF65-F5344CB8AC3E}">
+        <p14:creationId xmlns:p14="http://schemas.microsoft.com/office/powerpoint/2010/main" val="167725219"/>
+      </p:ext>
+    </p:extLst>
+  </p:cSld>
+  <p:clrMapOvr>
+    <a:masterClrMapping/>
+  </p:clrMapOvr>
+</p:sld>
+</file>
+
+<file path=ppt/slides/slide3.xml><?xml version="1.0" encoding="utf-8"?>
+<p:sld xmlns:a="http://schemas.openxmlformats.org/drawingml/2006/main" xmlns:r="http://schemas.openxmlformats.org/officeDocument/2006/relationships" xmlns:p="http://schemas.openxmlformats.org/presentationml/2006/main">
+  <p:cSld>
+    <p:spTree>
+      <p:nvGrpSpPr>
+        <p:cNvPr id="1" name=""/>
+        <p:cNvGrpSpPr/>
+        <p:nvPr/>
+      </p:nvGrpSpPr>
+      <p:grpSpPr>
+        <a:xfrm>
+          <a:off x="0" y="0"/>
+          <a:ext cx="0" cy="0"/>
+          <a:chOff x="0" y="0"/>
+          <a:chExt cx="0" cy="0"/>
+        </a:xfrm>
+      </p:grpSpPr>
+      <p:sp>
+        <p:nvSpPr>
+          <p:cNvPr id="2" name="Title 1">
+            <a:extLst>
+              <a:ext uri="{FF2B5EF4-FFF2-40B4-BE49-F238E27FC236}">
+                <a16:creationId xmlns:a16="http://schemas.microsoft.com/office/drawing/2014/main" id="{A013CD85-6912-87F1-7474-968B81D526AF}"/>
+              </a:ext>
+            </a:extLst>
+          </p:cNvPr>
+          <p:cNvSpPr>
+            <a:spLocks noGrp="1"/>
+          </p:cNvSpPr>
+          <p:nvPr>
+            <p:ph type="title"/>
+          </p:nvPr>
+        </p:nvSpPr>
+        <p:spPr/>
+        <p:txBody>
+          <a:bodyPr/>
+          <a:lstStyle/>
+          <a:p>
+            <a:r>
+              <a:rPr lang="en-US" dirty="0"/>
+              <a:t>Note on submissions</a:t>
+            </a:r>
+          </a:p>
+        </p:txBody>
+      </p:sp>
+      <p:sp>
+        <p:nvSpPr>
+          <p:cNvPr id="3" name="Content Placeholder 2">
+            <a:extLst>
+              <a:ext uri="{FF2B5EF4-FFF2-40B4-BE49-F238E27FC236}">
+                <a16:creationId xmlns:a16="http://schemas.microsoft.com/office/drawing/2014/main" id="{98E1C805-E02E-2311-171E-3572AF5463C7}"/>
+              </a:ext>
+            </a:extLst>
+          </p:cNvPr>
+          <p:cNvSpPr>
+            <a:spLocks noGrp="1"/>
+          </p:cNvSpPr>
+          <p:nvPr>
+            <p:ph idx="1"/>
+          </p:nvPr>
+        </p:nvSpPr>
+        <p:spPr/>
+        <p:txBody>
+          <a:bodyPr/>
+          <a:lstStyle/>
+          <a:p>
+            <a:r>
+              <a:rPr lang="en-US" dirty="0"/>
+              <a:t>Labs: Canvas</a:t>
+            </a:r>
+          </a:p>
+          <a:p>
+            <a:r>
+              <a:rPr lang="en-US" dirty="0" err="1"/>
+              <a:t>Homeworks</a:t>
+            </a:r>
+            <a:r>
+              <a:rPr lang="en-US" dirty="0"/>
+              <a:t>: </a:t>
+            </a:r>
+            <a:r>
+              <a:rPr lang="en-US"/>
+              <a:t>Gradescope</a:t>
+            </a:r>
+          </a:p>
+        </p:txBody>
+      </p:sp>
+    </p:spTree>
+    <p:extLst>
+      <p:ext uri="{BB962C8B-B14F-4D97-AF65-F5344CB8AC3E}">
+        <p14:creationId xmlns:p14="http://schemas.microsoft.com/office/powerpoint/2010/main" val="4262362773"/>
+      </p:ext>
+    </p:extLst>
+  </p:cSld>
+  <p:clrMapOvr>
+    <a:masterClrMapping/>
+  </p:clrMapOvr>
+</p:sld>
+</file>
+
+<file path=ppt/slides/slide30.xml><?xml version="1.0" encoding="utf-8"?>
+<p:sld xmlns:a="http://schemas.openxmlformats.org/drawingml/2006/main" xmlns:r="http://schemas.openxmlformats.org/officeDocument/2006/relationships" xmlns:p="http://schemas.openxmlformats.org/presentationml/2006/main">
+  <p:cSld>
+    <p:spTree>
+      <p:nvGrpSpPr>
+        <p:cNvPr id="1" name=""/>
+        <p:cNvGrpSpPr/>
+        <p:nvPr/>
+      </p:nvGrpSpPr>
+      <p:grpSpPr>
+        <a:xfrm>
+          <a:off x="0" y="0"/>
+          <a:ext cx="0" cy="0"/>
+          <a:chOff x="0" y="0"/>
+          <a:chExt cx="0" cy="0"/>
+        </a:xfrm>
+      </p:grpSpPr>
+      <p:sp>
+        <p:nvSpPr>
+          <p:cNvPr id="2" name="Title 1">
+            <a:extLst>
+              <a:ext uri="{FF2B5EF4-FFF2-40B4-BE49-F238E27FC236}">
+                <a16:creationId xmlns:a16="http://schemas.microsoft.com/office/drawing/2014/main" id="{DB3D22C8-4EB0-C0A5-0CEB-5E4F159D9D30}"/>
+              </a:ext>
+            </a:extLst>
+          </p:cNvPr>
+          <p:cNvSpPr>
+            <a:spLocks noGrp="1"/>
+          </p:cNvSpPr>
+          <p:nvPr>
+            <p:ph type="title"/>
+          </p:nvPr>
+        </p:nvSpPr>
+        <p:spPr/>
+        <p:txBody>
+          <a:bodyPr/>
+          <a:lstStyle/>
+          <a:p>
+            <a:r>
+              <a:rPr lang="en-US" dirty="0"/>
+              <a:t>Equals and Comparisons</a:t>
+            </a:r>
+          </a:p>
+        </p:txBody>
+      </p:sp>
+      <p:sp>
+        <p:nvSpPr>
+          <p:cNvPr id="3" name="Content Placeholder 2">
+            <a:extLst>
+              <a:ext uri="{FF2B5EF4-FFF2-40B4-BE49-F238E27FC236}">
+                <a16:creationId xmlns:a16="http://schemas.microsoft.com/office/drawing/2014/main" id="{60B86F10-AB3C-F567-30FF-F70A01E2DC79}"/>
+              </a:ext>
+            </a:extLst>
+          </p:cNvPr>
+          <p:cNvSpPr>
+            <a:spLocks noGrp="1"/>
+          </p:cNvSpPr>
+          <p:nvPr>
+            <p:ph idx="1"/>
+          </p:nvPr>
+        </p:nvSpPr>
+        <p:spPr/>
+        <p:txBody>
+          <a:bodyPr/>
+          <a:lstStyle/>
+          <a:p>
+            <a:r>
+              <a:rPr lang="en-US" dirty="0"/>
+              <a:t>Problem 2 in Assignment</a:t>
+            </a:r>
+          </a:p>
+          <a:p>
+            <a:r>
+              <a:rPr lang="en-US" dirty="0" err="1"/>
+              <a:t>AssertEquals</a:t>
+            </a:r>
+            <a:r>
+              <a:rPr lang="en-US" dirty="0"/>
+              <a:t>(object1, object1) will return False even if values are the same</a:t>
+            </a:r>
+          </a:p>
+          <a:p>
+            <a:pPr lvl="1"/>
+            <a:r>
+              <a:rPr lang="en-US" dirty="0"/>
+              <a:t>B/c pointing to two different locations</a:t>
+            </a:r>
+          </a:p>
+          <a:p>
+            <a:pPr lvl="1"/>
+            <a:endParaRPr lang="en-US" dirty="0"/>
+          </a:p>
+          <a:p>
+            <a:r>
+              <a:rPr lang="en-US" dirty="0"/>
+              <a:t>Compare primitive data types</a:t>
+            </a:r>
+          </a:p>
+        </p:txBody>
+      </p:sp>
+    </p:spTree>
+    <p:extLst>
+      <p:ext uri="{BB962C8B-B14F-4D97-AF65-F5344CB8AC3E}">
+        <p14:creationId xmlns:p14="http://schemas.microsoft.com/office/powerpoint/2010/main" val="1269134147"/>
+      </p:ext>
+    </p:extLst>
+  </p:cSld>
+  <p:clrMapOvr>
+    <a:masterClrMapping/>
+  </p:clrMapOvr>
+</p:sld>
+</file>
+
+<file path=ppt/slides/slide4.xml><?xml version="1.0" encoding="utf-8"?>
+<p:sld xmlns:a="http://schemas.openxmlformats.org/drawingml/2006/main" xmlns:r="http://schemas.openxmlformats.org/officeDocument/2006/relationships" xmlns:p="http://schemas.openxmlformats.org/presentationml/2006/main">
+  <p:cSld>
+    <p:spTree>
+      <p:nvGrpSpPr>
+        <p:cNvPr id="1" name=""/>
+        <p:cNvGrpSpPr/>
+        <p:nvPr/>
+      </p:nvGrpSpPr>
+      <p:grpSpPr>
+        <a:xfrm>
+          <a:off x="0" y="0"/>
+          <a:ext cx="0" cy="0"/>
+          <a:chOff x="0" y="0"/>
+          <a:chExt cx="0" cy="0"/>
+        </a:xfrm>
+      </p:grpSpPr>
+      <p:sp>
+        <p:nvSpPr>
+          <p:cNvPr id="2" name="Title 1"/>
+          <p:cNvSpPr>
+            <a:spLocks noGrp="1"/>
+          </p:cNvSpPr>
+          <p:nvPr>
+            <p:ph type="title"/>
+          </p:nvPr>
+        </p:nvSpPr>
+        <p:spPr/>
+        <p:txBody>
+          <a:bodyPr/>
+          <a:lstStyle/>
+          <a:p>
+            <a:r>
+              <a:rPr lang="en-US" sz="3600" b="0" dirty="0">
+                <a:solidFill>
+                  <a:srgbClr val="4A452A"/>
+                </a:solidFill>
+                <a:latin typeface="Helvetica Light" panose="020B0403020202020204" pitchFamily="34" charset="0"/>
+                <a:cs typeface="Calibri" panose="020F0502020204030204" pitchFamily="34" charset="0"/>
+              </a:rPr>
+              <a:t>Introduction TO GIT</a:t>
+            </a:r>
+          </a:p>
+        </p:txBody>
+      </p:sp>
+      <p:sp>
+        <p:nvSpPr>
+          <p:cNvPr id="3" name="Text Placeholder 2"/>
+          <p:cNvSpPr>
+            <a:spLocks noGrp="1"/>
+          </p:cNvSpPr>
+          <p:nvPr>
+            <p:ph type="body" idx="1"/>
+          </p:nvPr>
+        </p:nvSpPr>
+        <p:spPr/>
+        <p:txBody>
+          <a:bodyPr/>
+          <a:lstStyle/>
+          <a:p>
+            <a:endParaRPr lang="en-US" sz="3000" dirty="0">
+              <a:latin typeface="Helvetica Light" panose="020B0403020202020204" pitchFamily="34" charset="0"/>
+              <a:cs typeface="Calibri" panose="020F0502020204030204" pitchFamily="34" charset="0"/>
+            </a:endParaRPr>
+          </a:p>
+        </p:txBody>
+      </p:sp>
+    </p:spTree>
+    <p:extLst>
+      <p:ext uri="{BB962C8B-B14F-4D97-AF65-F5344CB8AC3E}">
+        <p14:creationId xmlns:p14="http://schemas.microsoft.com/office/powerpoint/2010/main" val="4181877587"/>
+      </p:ext>
+    </p:extLst>
+  </p:cSld>
+  <p:clrMapOvr>
+    <a:masterClrMapping/>
+  </p:clrMapOvr>
+</p:sld>
+</file>
+
+<file path=ppt/slides/slide5.xml><?xml version="1.0" encoding="utf-8"?>
+<p:sld xmlns:a="http://schemas.openxmlformats.org/drawingml/2006/main" xmlns:r="http://schemas.openxmlformats.org/officeDocument/2006/relationships" xmlns:p="http://schemas.openxmlformats.org/presentationml/2006/main">
+  <p:cSld>
+    <p:spTree>
+      <p:nvGrpSpPr>
+        <p:cNvPr id="1" name=""/>
+        <p:cNvGrpSpPr/>
+        <p:nvPr/>
+      </p:nvGrpSpPr>
+      <p:grpSpPr>
+        <a:xfrm>
+          <a:off x="0" y="0"/>
+          <a:ext cx="0" cy="0"/>
+          <a:chOff x="0" y="0"/>
+          <a:chExt cx="0" cy="0"/>
+        </a:xfrm>
+      </p:grpSpPr>
+      <p:sp>
+        <p:nvSpPr>
+          <p:cNvPr id="2" name="Title 1"/>
+          <p:cNvSpPr>
+            <a:spLocks noGrp="1"/>
+          </p:cNvSpPr>
+          <p:nvPr>
+            <p:ph type="title"/>
+          </p:nvPr>
+        </p:nvSpPr>
+        <p:spPr/>
+        <p:txBody>
+          <a:bodyPr>
+            <a:normAutofit/>
+          </a:bodyPr>
+          <a:lstStyle/>
+          <a:p>
+            <a:r>
+              <a:rPr lang="en-US" dirty="0">
+                <a:solidFill>
+                  <a:srgbClr val="C00000"/>
+                </a:solidFill>
+                <a:latin typeface="Helvetica Light" panose="020B0403020202020204" pitchFamily="34" charset="0"/>
+              </a:rPr>
+              <a:t>Introduction to Git</a:t>
+            </a:r>
+          </a:p>
+        </p:txBody>
+      </p:sp>
+      <p:sp>
+        <p:nvSpPr>
+          <p:cNvPr id="3" name="Content Placeholder 2"/>
+          <p:cNvSpPr>
+            <a:spLocks noGrp="1"/>
+          </p:cNvSpPr>
+          <p:nvPr>
+            <p:ph idx="1"/>
+          </p:nvPr>
+        </p:nvSpPr>
+        <p:spPr/>
+        <p:txBody>
+          <a:bodyPr>
+            <a:normAutofit fontScale="77500" lnSpcReduction="20000"/>
+          </a:bodyPr>
+          <a:lstStyle/>
+          <a:p>
+            <a:r>
+              <a:rPr lang="en-US" dirty="0">
+                <a:solidFill>
+                  <a:srgbClr val="4A452A"/>
+                </a:solidFill>
+                <a:latin typeface="Helvetica Light" panose="020B0403020202020204" pitchFamily="34" charset="0"/>
+              </a:rPr>
+              <a:t>Git is a </a:t>
+            </a:r>
+            <a:r>
+              <a:rPr lang="en-US" dirty="0">
+                <a:solidFill>
+                  <a:srgbClr val="0070C0"/>
+                </a:solidFill>
+                <a:latin typeface="Helvetica Light" panose="020B0403020202020204" pitchFamily="34" charset="0"/>
+              </a:rPr>
+              <a:t>distributed version-control system</a:t>
+            </a:r>
+          </a:p>
+          <a:p>
+            <a:pPr lvl="1"/>
+            <a:r>
+              <a:rPr lang="en-US" dirty="0">
+                <a:solidFill>
+                  <a:srgbClr val="4A452A"/>
+                </a:solidFill>
+                <a:latin typeface="Helvetica Light" panose="020B0403020202020204" pitchFamily="34" charset="0"/>
+              </a:rPr>
+              <a:t>Allows project collaboration</a:t>
+            </a:r>
+          </a:p>
+          <a:p>
+            <a:pPr lvl="1"/>
+            <a:r>
+              <a:rPr lang="en-US" dirty="0">
+                <a:solidFill>
+                  <a:srgbClr val="4A452A"/>
+                </a:solidFill>
+                <a:latin typeface="Helvetica Light" panose="020B0403020202020204" pitchFamily="34" charset="0"/>
+              </a:rPr>
+              <a:t>Enables creation of backup version of the code</a:t>
+            </a:r>
+          </a:p>
+          <a:p>
+            <a:pPr lvl="1"/>
+            <a:endParaRPr lang="en-US" dirty="0">
+              <a:solidFill>
+                <a:srgbClr val="4A452A"/>
+              </a:solidFill>
+              <a:latin typeface="Helvetica Light" panose="020B0403020202020204" pitchFamily="34" charset="0"/>
+            </a:endParaRPr>
+          </a:p>
+          <a:p>
+            <a:r>
+              <a:rPr lang="en-US" dirty="0">
+                <a:solidFill>
+                  <a:srgbClr val="4A452A"/>
+                </a:solidFill>
+                <a:latin typeface="Helvetica Light" panose="020B0403020202020204" pitchFamily="34" charset="0"/>
+              </a:rPr>
+              <a:t>How git works:</a:t>
+            </a:r>
+          </a:p>
+          <a:p>
+            <a:pPr marL="914400" lvl="1" indent="-514350">
+              <a:buFont typeface="+mj-lt"/>
+              <a:buAutoNum type="arabicPeriod"/>
+            </a:pPr>
+            <a:r>
+              <a:rPr lang="en-US" dirty="0">
+                <a:solidFill>
+                  <a:srgbClr val="4A452A"/>
+                </a:solidFill>
+                <a:latin typeface="Helvetica Light" panose="020B0403020202020204" pitchFamily="34" charset="0"/>
+              </a:rPr>
+              <a:t>You keep your files in a repository on your local machine.</a:t>
+            </a:r>
+          </a:p>
+          <a:p>
+            <a:pPr marL="914400" lvl="1" indent="-514350">
+              <a:buFont typeface="+mj-lt"/>
+              <a:buAutoNum type="arabicPeriod"/>
+            </a:pPr>
+            <a:r>
+              <a:rPr lang="en-US" dirty="0">
+                <a:solidFill>
+                  <a:srgbClr val="4A452A"/>
+                </a:solidFill>
+                <a:latin typeface="Helvetica Light" panose="020B0403020202020204" pitchFamily="34" charset="0"/>
+              </a:rPr>
+              <a:t>You synchronize your repository with a repository on a server.</a:t>
+            </a:r>
+          </a:p>
+          <a:p>
+            <a:pPr marL="914400" lvl="1" indent="-514350">
+              <a:buFont typeface="+mj-lt"/>
+              <a:buAutoNum type="arabicPeriod"/>
+            </a:pPr>
+            <a:r>
+              <a:rPr lang="en-US" dirty="0">
+                <a:solidFill>
+                  <a:srgbClr val="4A452A"/>
+                </a:solidFill>
+                <a:latin typeface="Helvetica Light" panose="020B0403020202020204" pitchFamily="34" charset="0"/>
+              </a:rPr>
+              <a:t>If you move from one machine to another, you can pick up the changes by synchronizing with the server.</a:t>
+            </a:r>
+          </a:p>
+          <a:p>
+            <a:pPr marL="914400" lvl="1" indent="-514350">
+              <a:buFont typeface="+mj-lt"/>
+              <a:buAutoNum type="arabicPeriod"/>
+            </a:pPr>
+            <a:r>
+              <a:rPr lang="en-US" dirty="0">
+                <a:solidFill>
+                  <a:srgbClr val="4A452A"/>
+                </a:solidFill>
+                <a:latin typeface="Helvetica Light" panose="020B0403020202020204" pitchFamily="34" charset="0"/>
+              </a:rPr>
+              <a:t>If your partner uploads some changes to your files, you can pick those up by synchronizing with the server.</a:t>
+            </a:r>
+          </a:p>
+        </p:txBody>
+      </p:sp>
+    </p:spTree>
+    <p:extLst>
+      <p:ext uri="{BB962C8B-B14F-4D97-AF65-F5344CB8AC3E}">
+        <p14:creationId xmlns:p14="http://schemas.microsoft.com/office/powerpoint/2010/main" val="584373226"/>
+      </p:ext>
+    </p:extLst>
+  </p:cSld>
+  <p:clrMapOvr>
+    <a:masterClrMapping/>
+  </p:clrMapOvr>
+</p:sld>
+</file>
+
+<file path=ppt/slides/slide6.xml><?xml version="1.0" encoding="utf-8"?>
+<p:sld xmlns:a="http://schemas.openxmlformats.org/drawingml/2006/main" xmlns:r="http://schemas.openxmlformats.org/officeDocument/2006/relationships" xmlns:p="http://schemas.openxmlformats.org/presentationml/2006/main" show="0">
+  <p:cSld>
+    <p:spTree>
+      <p:nvGrpSpPr>
+        <p:cNvPr id="1" name=""/>
+        <p:cNvGrpSpPr/>
+        <p:nvPr/>
+      </p:nvGrpSpPr>
+      <p:grpSpPr>
+        <a:xfrm>
+          <a:off x="0" y="0"/>
+          <a:ext cx="0" cy="0"/>
+          <a:chOff x="0" y="0"/>
+          <a:chExt cx="0" cy="0"/>
+        </a:xfrm>
+      </p:grpSpPr>
+      <p:sp>
+        <p:nvSpPr>
+          <p:cNvPr id="2" name="Title 1"/>
+          <p:cNvSpPr>
+            <a:spLocks noGrp="1"/>
+          </p:cNvSpPr>
+          <p:nvPr>
+            <p:ph type="title"/>
+          </p:nvPr>
+        </p:nvSpPr>
+        <p:spPr/>
+        <p:txBody>
+          <a:bodyPr>
+            <a:normAutofit/>
+          </a:bodyPr>
+          <a:lstStyle/>
+          <a:p>
+            <a:r>
+              <a:rPr lang="en-US" dirty="0">
+                <a:solidFill>
+                  <a:srgbClr val="C00000"/>
+                </a:solidFill>
+                <a:latin typeface="Helvetica Light" panose="020B0403020202020204" pitchFamily="34" charset="0"/>
+              </a:rPr>
+              <a:t>How Does Git Work?</a:t>
+            </a:r>
+          </a:p>
+        </p:txBody>
+      </p:sp>
+      <p:sp>
+        <p:nvSpPr>
+          <p:cNvPr id="3" name="Content Placeholder 2"/>
+          <p:cNvSpPr>
+            <a:spLocks noGrp="1"/>
+          </p:cNvSpPr>
+          <p:nvPr>
+            <p:ph idx="1"/>
+          </p:nvPr>
+        </p:nvSpPr>
+        <p:spPr/>
+        <p:txBody>
+          <a:bodyPr/>
+          <a:lstStyle/>
+          <a:p>
+            <a:r>
+              <a:rPr lang="en-US" dirty="0">
+                <a:solidFill>
+                  <a:srgbClr val="4A452A"/>
+                </a:solidFill>
+                <a:latin typeface="Helvetica Light" panose="020B0403020202020204" pitchFamily="34" charset="0"/>
+              </a:rPr>
+              <a:t>Git represents history in a </a:t>
+            </a:r>
+            <a:r>
+              <a:rPr lang="en-US" dirty="0">
+                <a:solidFill>
+                  <a:srgbClr val="0070C0"/>
+                </a:solidFill>
+                <a:latin typeface="Helvetica Light" panose="020B0403020202020204" pitchFamily="34" charset="0"/>
+              </a:rPr>
+              <a:t>Directed Acyclic Graph (DAG)</a:t>
+            </a:r>
+          </a:p>
+          <a:p>
+            <a:r>
+              <a:rPr lang="en-US" dirty="0">
+                <a:solidFill>
+                  <a:srgbClr val="4A452A"/>
+                </a:solidFill>
+                <a:latin typeface="Helvetica Light" panose="020B0403020202020204" pitchFamily="34" charset="0"/>
+              </a:rPr>
+              <a:t>Each node in the graph is a hashed git command</a:t>
+            </a:r>
+          </a:p>
+          <a:p>
+            <a:r>
+              <a:rPr lang="en-US" dirty="0">
+                <a:solidFill>
+                  <a:srgbClr val="4A452A"/>
+                </a:solidFill>
+                <a:latin typeface="Helvetica Light" panose="020B0403020202020204" pitchFamily="34" charset="0"/>
+              </a:rPr>
+              <a:t>Since the backing data structures is a DAG, we are guaranteed that nodes representing later commits (in terms of time) will be organized after earlier commits</a:t>
+            </a:r>
+          </a:p>
+        </p:txBody>
+      </p:sp>
+      <p:sp>
+        <p:nvSpPr>
+          <p:cNvPr id="4" name="Slide Number Placeholder 3"/>
+          <p:cNvSpPr>
+            <a:spLocks noGrp="1"/>
+          </p:cNvSpPr>
+          <p:nvPr>
+            <p:ph type="sldNum" sz="quarter" idx="4294967295"/>
+          </p:nvPr>
+        </p:nvSpPr>
+        <p:spPr>
+          <a:xfrm>
+            <a:off x="6629400" y="6356350"/>
+            <a:ext cx="2133600" cy="365125"/>
+          </a:xfrm>
+          <a:prstGeom prst="rect">
+            <a:avLst/>
+          </a:prstGeom>
+        </p:spPr>
+        <p:txBody>
+          <a:bodyPr/>
+          <a:lstStyle/>
+          <a:p>
+            <a:fld id="{B6F15528-21DE-4FAA-801E-634DDDAF4B2B}" type="slidenum">
+              <a:rPr lang="en-US" smtClean="0">
+                <a:solidFill>
+                  <a:srgbClr val="4A452A"/>
+                </a:solidFill>
+                <a:latin typeface="Helvetica Light" panose="020B0403020202020204" pitchFamily="34" charset="0"/>
+              </a:rPr>
+              <a:pPr/>
+              <a:t>6</a:t>
+            </a:fld>
+            <a:endParaRPr lang="en-US">
+              <a:solidFill>
+                <a:srgbClr val="4A452A"/>
+              </a:solidFill>
+              <a:latin typeface="Helvetica Light" panose="020B0403020202020204" pitchFamily="34" charset="0"/>
+            </a:endParaRPr>
+          </a:p>
+        </p:txBody>
+      </p:sp>
+      <p:sp>
+        <p:nvSpPr>
+          <p:cNvPr id="7" name="Date Placeholder 6">
+            <a:extLst>
+              <a:ext uri="{FF2B5EF4-FFF2-40B4-BE49-F238E27FC236}">
+                <a16:creationId xmlns:a16="http://schemas.microsoft.com/office/drawing/2014/main" id="{8D958A1C-8926-AE40-AE17-3BE1BB9237FB}"/>
+              </a:ext>
+            </a:extLst>
+          </p:cNvPr>
+          <p:cNvSpPr>
+            <a:spLocks noGrp="1"/>
+          </p:cNvSpPr>
+          <p:nvPr>
+            <p:ph type="dt" sz="half" idx="4294967295"/>
+          </p:nvPr>
+        </p:nvSpPr>
+        <p:spPr>
+          <a:xfrm>
+            <a:off x="457200" y="6356350"/>
+            <a:ext cx="2133600" cy="365125"/>
+          </a:xfrm>
+          <a:prstGeom prst="rect">
+            <a:avLst/>
+          </a:prstGeom>
+        </p:spPr>
+        <p:txBody>
+          <a:bodyPr/>
+          <a:lstStyle/>
+          <a:p>
+            <a:pPr>
+              <a:defRPr/>
+            </a:pPr>
+            <a:r>
+              <a:rPr lang="en-US"/>
+              <a:t>1/25/2022</a:t>
+            </a:r>
+          </a:p>
+        </p:txBody>
+      </p:sp>
+      <p:sp>
+        <p:nvSpPr>
+          <p:cNvPr id="8" name="Footer Placeholder 7">
+            <a:extLst>
+              <a:ext uri="{FF2B5EF4-FFF2-40B4-BE49-F238E27FC236}">
+                <a16:creationId xmlns:a16="http://schemas.microsoft.com/office/drawing/2014/main" id="{D6CECB73-C8DB-CE43-9CC9-0316A9F8D629}"/>
+              </a:ext>
+            </a:extLst>
+          </p:cNvPr>
+          <p:cNvSpPr>
+            <a:spLocks noGrp="1"/>
+          </p:cNvSpPr>
+          <p:nvPr>
+            <p:ph type="ftr" sz="quarter" idx="4294967295"/>
+          </p:nvPr>
+        </p:nvSpPr>
+        <p:spPr>
+          <a:xfrm>
+            <a:off x="3065463" y="6356350"/>
+            <a:ext cx="3335337" cy="365125"/>
+          </a:xfrm>
+          <a:prstGeom prst="rect">
+            <a:avLst/>
+          </a:prstGeom>
+        </p:spPr>
+        <p:txBody>
+          <a:bodyPr/>
+          <a:lstStyle/>
+          <a:p>
+            <a:pPr>
+              <a:defRPr/>
+            </a:pPr>
+            <a:r>
+              <a:rPr lang="en-US"/>
+              <a:t>CS 5004, Spring 2022 - Lab 1</a:t>
+            </a:r>
+          </a:p>
+        </p:txBody>
+      </p:sp>
+    </p:spTree>
+    <p:extLst>
+      <p:ext uri="{BB962C8B-B14F-4D97-AF65-F5344CB8AC3E}">
+        <p14:creationId xmlns:p14="http://schemas.microsoft.com/office/powerpoint/2010/main" val="1535048966"/>
+      </p:ext>
+    </p:extLst>
+  </p:cSld>
+  <p:clrMapOvr>
+    <a:masterClrMapping/>
+  </p:clrMapOvr>
+</p:sld>
+</file>
+
+<file path=ppt/slides/slide7.xml><?xml version="1.0" encoding="utf-8"?>
+<p:sld xmlns:a="http://schemas.openxmlformats.org/drawingml/2006/main" xmlns:r="http://schemas.openxmlformats.org/officeDocument/2006/relationships" xmlns:p="http://schemas.openxmlformats.org/presentationml/2006/main">
+  <p:cSld>
+    <p:spTree>
+      <p:nvGrpSpPr>
+        <p:cNvPr id="1" name=""/>
+        <p:cNvGrpSpPr/>
+        <p:nvPr/>
+      </p:nvGrpSpPr>
+      <p:grpSpPr>
+        <a:xfrm>
+          <a:off x="0" y="0"/>
+          <a:ext cx="0" cy="0"/>
+          <a:chOff x="0" y="0"/>
+          <a:chExt cx="0" cy="0"/>
+        </a:xfrm>
+      </p:grpSpPr>
+      <p:sp>
+        <p:nvSpPr>
+          <p:cNvPr id="2" name="Title 1"/>
+          <p:cNvSpPr>
+            <a:spLocks noGrp="1"/>
+          </p:cNvSpPr>
+          <p:nvPr>
+            <p:ph type="title"/>
+          </p:nvPr>
+        </p:nvSpPr>
+        <p:spPr/>
+        <p:txBody>
+          <a:bodyPr/>
+          <a:lstStyle/>
+          <a:p>
+            <a:r>
+              <a:rPr lang="en-US" dirty="0">
+                <a:solidFill>
+                  <a:srgbClr val="C00000"/>
+                </a:solidFill>
+                <a:latin typeface="Helvetica Light" panose="020B0403020202020204" pitchFamily="34" charset="0"/>
+              </a:rPr>
+              <a:t>Simple Model of Git: Your Files</a:t>
+            </a:r>
+          </a:p>
+        </p:txBody>
+      </p:sp>
+      <p:graphicFrame>
+        <p:nvGraphicFramePr>
+          <p:cNvPr id="4" name="Diagram 3"/>
+          <p:cNvGraphicFramePr/>
+          <p:nvPr>
+            <p:extLst>
+              <p:ext uri="{D42A27DB-BD31-4B8C-83A1-F6EECF244321}">
+                <p14:modId xmlns:p14="http://schemas.microsoft.com/office/powerpoint/2010/main" val="2633886277"/>
+              </p:ext>
+            </p:extLst>
+          </p:nvPr>
+        </p:nvGraphicFramePr>
+        <p:xfrm>
+          <a:off x="1524000" y="685800"/>
+          <a:ext cx="2209800" cy="4038600"/>
+        </p:xfrm>
+        <a:graphic>
+          <a:graphicData uri="http://schemas.openxmlformats.org/drawingml/2006/diagram">
+            <dgm:relIds xmlns:dgm="http://schemas.openxmlformats.org/drawingml/2006/diagram" xmlns:r="http://schemas.openxmlformats.org/officeDocument/2006/relationships" r:dm="rId2" r:lo="rId3" r:qs="rId4" r:cs="rId5"/>
+          </a:graphicData>
+        </a:graphic>
+      </p:graphicFrame>
+      <p:sp>
+        <p:nvSpPr>
+          <p:cNvPr id="8" name="Rectangle 7"/>
+          <p:cNvSpPr/>
+          <p:nvPr/>
+        </p:nvSpPr>
+        <p:spPr>
+          <a:xfrm>
+            <a:off x="1447800" y="4191000"/>
+            <a:ext cx="2590800" cy="914400"/>
+          </a:xfrm>
+          <a:prstGeom prst="rect">
+            <a:avLst/>
+          </a:prstGeom>
+          <a:solidFill>
+            <a:schemeClr val="accent3">
+              <a:lumMod val="40000"/>
+              <a:lumOff val="60000"/>
+            </a:schemeClr>
+          </a:solidFill>
+        </p:spPr>
+        <p:style>
+          <a:lnRef idx="2">
+            <a:schemeClr val="accent1"/>
+          </a:lnRef>
+          <a:fillRef idx="1">
+            <a:schemeClr val="lt1"/>
+          </a:fillRef>
+          <a:effectRef idx="0">
+            <a:schemeClr val="accent1"/>
+          </a:effectRef>
+          <a:fontRef idx="minor">
+            <a:schemeClr val="dk1"/>
+          </a:fontRef>
+        </p:style>
+        <p:txBody>
+          <a:bodyPr rtlCol="0" anchor="ctr"/>
+          <a:lstStyle/>
+          <a:p>
+            <a:pPr algn="ctr"/>
+            <a:r>
+              <a:rPr lang="en-US" dirty="0">
+                <a:latin typeface="Helvetica Light" panose="020B0403020202020204" pitchFamily="34" charset="0"/>
+              </a:rPr>
+              <a:t>Here are your files, sitting in a directory called my-project</a:t>
+            </a:r>
+          </a:p>
+        </p:txBody>
+      </p:sp>
+    </p:spTree>
+    <p:extLst>
+      <p:ext uri="{BB962C8B-B14F-4D97-AF65-F5344CB8AC3E}">
+        <p14:creationId xmlns:p14="http://schemas.microsoft.com/office/powerpoint/2010/main" val="182717293"/>
+      </p:ext>
+    </p:extLst>
+  </p:cSld>
+  <p:clrMapOvr>
+    <a:masterClrMapping/>
+  </p:clrMapOvr>
+</p:sld>
+</file>
+
+<file path=ppt/slides/slide8.xml><?xml version="1.0" encoding="utf-8"?>
+<p:sld xmlns:a="http://schemas.openxmlformats.org/drawingml/2006/main" xmlns:r="http://schemas.openxmlformats.org/officeDocument/2006/relationships" xmlns:p="http://schemas.openxmlformats.org/presentationml/2006/main">
+  <p:cSld>
+    <p:spTree>
+      <p:nvGrpSpPr>
+        <p:cNvPr id="1" name=""/>
+        <p:cNvGrpSpPr/>
+        <p:nvPr/>
+      </p:nvGrpSpPr>
+      <p:grpSpPr>
+        <a:xfrm>
+          <a:off x="0" y="0"/>
+          <a:ext cx="0" cy="0"/>
+          <a:chOff x="0" y="0"/>
+          <a:chExt cx="0" cy="0"/>
+        </a:xfrm>
+      </p:grpSpPr>
+      <p:sp>
+        <p:nvSpPr>
+          <p:cNvPr id="2" name="Title 1"/>
+          <p:cNvSpPr>
+            <a:spLocks noGrp="1"/>
+          </p:cNvSpPr>
+          <p:nvPr>
+            <p:ph type="title"/>
+          </p:nvPr>
+        </p:nvSpPr>
+        <p:spPr>
+          <a:xfrm>
+            <a:off x="381000" y="152400"/>
+            <a:ext cx="8415338" cy="914400"/>
+          </a:xfrm>
+        </p:spPr>
+        <p:txBody>
+          <a:bodyPr/>
+          <a:lstStyle/>
+          <a:p>
+            <a:r>
+              <a:rPr lang="en-US" dirty="0">
+                <a:solidFill>
+                  <a:srgbClr val="C00000"/>
+                </a:solidFill>
+                <a:latin typeface="Helvetica Light" panose="020B0403020202020204" pitchFamily="34" charset="0"/>
+              </a:rPr>
+              <a:t>Your Files in Your git Repository</a:t>
+            </a:r>
+          </a:p>
+        </p:txBody>
+      </p:sp>
+      <p:graphicFrame>
+        <p:nvGraphicFramePr>
+          <p:cNvPr id="4" name="Diagram 3"/>
+          <p:cNvGraphicFramePr/>
+          <p:nvPr>
+            <p:extLst>
+              <p:ext uri="{D42A27DB-BD31-4B8C-83A1-F6EECF244321}">
+                <p14:modId xmlns:p14="http://schemas.microsoft.com/office/powerpoint/2010/main" val="3805266167"/>
+              </p:ext>
+            </p:extLst>
+          </p:nvPr>
+        </p:nvGraphicFramePr>
+        <p:xfrm>
+          <a:off x="1371600" y="1143000"/>
+          <a:ext cx="2209800" cy="4038600"/>
+        </p:xfrm>
+        <a:graphic>
+          <a:graphicData uri="http://schemas.openxmlformats.org/drawingml/2006/diagram">
+            <dgm:relIds xmlns:dgm="http://schemas.openxmlformats.org/drawingml/2006/diagram" xmlns:r="http://schemas.openxmlformats.org/officeDocument/2006/relationships" r:dm="rId2" r:lo="rId3" r:qs="rId4" r:cs="rId5"/>
+          </a:graphicData>
+        </a:graphic>
+      </p:graphicFrame>
+      <p:sp>
+        <p:nvSpPr>
+          <p:cNvPr id="9" name="Rounded Rectangle 8"/>
+          <p:cNvSpPr/>
+          <p:nvPr/>
+        </p:nvSpPr>
+        <p:spPr>
+          <a:xfrm>
+            <a:off x="2514600" y="1524000"/>
+            <a:ext cx="1052373" cy="602386"/>
+          </a:xfrm>
+          <a:prstGeom prst="roundRect">
+            <a:avLst>
+              <a:gd name="adj" fmla="val 10000"/>
+            </a:avLst>
+          </a:prstGeom>
+        </p:spPr>
+        <p:style>
+          <a:lnRef idx="2">
+            <a:schemeClr val="lt1">
+              <a:hueOff val="0"/>
+              <a:satOff val="0"/>
+              <a:lumOff val="0"/>
+              <a:alphaOff val="0"/>
+            </a:schemeClr>
+          </a:lnRef>
+          <a:fillRef idx="1">
+            <a:schemeClr val="accent1">
+              <a:hueOff val="0"/>
+              <a:satOff val="0"/>
+              <a:lumOff val="0"/>
+              <a:alphaOff val="0"/>
+            </a:schemeClr>
+          </a:fillRef>
+          <a:effectRef idx="0">
+            <a:schemeClr val="accent1">
+              <a:hueOff val="0"/>
+              <a:satOff val="0"/>
+              <a:lumOff val="0"/>
+              <a:alphaOff val="0"/>
+            </a:schemeClr>
+          </a:effectRef>
+          <a:fontRef idx="minor">
+            <a:schemeClr val="lt1"/>
+          </a:fontRef>
+        </p:style>
+        <p:txBody>
+          <a:bodyPr anchor="ctr"/>
+          <a:lstStyle/>
+          <a:p>
+            <a:pPr algn="ctr"/>
+            <a:r>
+              <a:rPr lang="en-US" dirty="0">
+                <a:latin typeface="Helvetica Light" panose="020B0403020202020204" pitchFamily="34" charset="0"/>
+              </a:rPr>
+              <a:t>.</a:t>
+            </a:r>
+            <a:r>
+              <a:rPr lang="en-US" dirty="0" err="1">
+                <a:latin typeface="Helvetica Light" panose="020B0403020202020204" pitchFamily="34" charset="0"/>
+              </a:rPr>
+              <a:t>git</a:t>
+            </a:r>
+            <a:endParaRPr lang="en-US" dirty="0">
+              <a:latin typeface="Helvetica Light" panose="020B0403020202020204" pitchFamily="34" charset="0"/>
+            </a:endParaRPr>
+          </a:p>
+        </p:txBody>
+      </p:sp>
+      <p:sp>
+        <p:nvSpPr>
+          <p:cNvPr id="12" name="Flowchart: Magnetic Disk 11"/>
+          <p:cNvSpPr/>
+          <p:nvPr/>
+        </p:nvSpPr>
+        <p:spPr>
+          <a:xfrm>
+            <a:off x="4114800" y="1250086"/>
+            <a:ext cx="914400" cy="1150214"/>
+          </a:xfrm>
+          <a:prstGeom prst="flowChartMagneticDisk">
+            <a:avLst/>
+          </a:prstGeom>
+          <a:solidFill>
+            <a:schemeClr val="tx2">
+              <a:lumMod val="20000"/>
+              <a:lumOff val="80000"/>
+            </a:schemeClr>
+          </a:solidFill>
+        </p:spPr>
+        <p:style>
+          <a:lnRef idx="2">
+            <a:schemeClr val="accent1">
+              <a:shade val="50000"/>
+            </a:schemeClr>
+          </a:lnRef>
+          <a:fillRef idx="1">
+            <a:schemeClr val="accent1"/>
+          </a:fillRef>
+          <a:effectRef idx="0">
+            <a:schemeClr val="accent1"/>
+          </a:effectRef>
+          <a:fontRef idx="minor">
+            <a:schemeClr val="lt1"/>
+          </a:fontRef>
+        </p:style>
+        <p:txBody>
+          <a:bodyPr rtlCol="0" anchor="ctr"/>
+          <a:lstStyle/>
+          <a:p>
+            <a:pPr algn="ctr"/>
+            <a:endParaRPr lang="en-US">
+              <a:latin typeface="Helvetica Light" panose="020B0403020202020204" pitchFamily="34" charset="0"/>
+            </a:endParaRPr>
+          </a:p>
+        </p:txBody>
+      </p:sp>
+      <p:cxnSp>
+        <p:nvCxnSpPr>
+          <p:cNvPr id="14" name="Straight Arrow Connector 13"/>
+          <p:cNvCxnSpPr>
+            <a:stCxn id="9" idx="3"/>
+            <a:endCxn id="12" idx="2"/>
+          </p:cNvCxnSpPr>
+          <p:nvPr/>
+        </p:nvCxnSpPr>
+        <p:spPr>
+          <a:xfrm>
+            <a:off x="3566973" y="1825193"/>
+            <a:ext cx="547827" cy="0"/>
+          </a:xfrm>
+          <a:prstGeom prst="straightConnector1">
+            <a:avLst/>
+          </a:prstGeom>
+          <a:ln>
+            <a:tailEnd type="arrow"/>
+          </a:ln>
+        </p:spPr>
+        <p:style>
+          <a:lnRef idx="1">
+            <a:schemeClr val="accent1"/>
+          </a:lnRef>
+          <a:fillRef idx="0">
+            <a:schemeClr val="accent1"/>
+          </a:fillRef>
+          <a:effectRef idx="0">
+            <a:schemeClr val="accent1"/>
+          </a:effectRef>
+          <a:fontRef idx="minor">
+            <a:schemeClr val="tx1"/>
+          </a:fontRef>
+        </p:style>
+      </p:cxnSp>
+      <p:cxnSp>
+        <p:nvCxnSpPr>
+          <p:cNvPr id="16" name="Straight Arrow Connector 15"/>
+          <p:cNvCxnSpPr>
+            <a:endCxn id="9" idx="1"/>
+          </p:cNvCxnSpPr>
+          <p:nvPr/>
+        </p:nvCxnSpPr>
+        <p:spPr>
+          <a:xfrm flipV="1">
+            <a:off x="1905000" y="1825193"/>
+            <a:ext cx="609600" cy="689407"/>
+          </a:xfrm>
+          <a:prstGeom prst="straightConnector1">
+            <a:avLst/>
+          </a:prstGeom>
+          <a:ln>
+            <a:tailEnd type="arrow"/>
+          </a:ln>
+        </p:spPr>
+        <p:style>
+          <a:lnRef idx="1">
+            <a:schemeClr val="accent1"/>
+          </a:lnRef>
+          <a:fillRef idx="0">
+            <a:schemeClr val="accent1"/>
+          </a:fillRef>
+          <a:effectRef idx="0">
+            <a:schemeClr val="accent1"/>
+          </a:effectRef>
+          <a:fontRef idx="minor">
+            <a:schemeClr val="tx1"/>
+          </a:fontRef>
+        </p:style>
+      </p:cxnSp>
+      <p:sp>
+        <p:nvSpPr>
+          <p:cNvPr id="17" name="TextBox 16"/>
+          <p:cNvSpPr txBox="1"/>
+          <p:nvPr/>
+        </p:nvSpPr>
+        <p:spPr>
+          <a:xfrm>
+            <a:off x="3840886" y="2743200"/>
+            <a:ext cx="4288561" cy="2585323"/>
+          </a:xfrm>
+          <a:prstGeom prst="rect">
+            <a:avLst/>
+          </a:prstGeom>
+          <a:noFill/>
+        </p:spPr>
+        <p:txBody>
+          <a:bodyPr wrap="square" rtlCol="0">
+            <a:spAutoFit/>
+          </a:bodyPr>
+          <a:lstStyle/>
+          <a:p>
+            <a:r>
+              <a:rPr lang="en-US" dirty="0">
+                <a:solidFill>
+                  <a:srgbClr val="4A452A"/>
+                </a:solidFill>
+                <a:latin typeface="Helvetica Light" panose="020B0403020202020204" pitchFamily="34" charset="0"/>
+              </a:rPr>
+              <a:t>When you have a </a:t>
+            </a:r>
+            <a:r>
+              <a:rPr lang="en-US" dirty="0" err="1">
+                <a:solidFill>
+                  <a:srgbClr val="4A452A"/>
+                </a:solidFill>
+                <a:latin typeface="Helvetica Light" panose="020B0403020202020204" pitchFamily="34" charset="0"/>
+              </a:rPr>
+              <a:t>git</a:t>
+            </a:r>
+            <a:r>
+              <a:rPr lang="en-US" dirty="0">
+                <a:solidFill>
+                  <a:srgbClr val="4A452A"/>
+                </a:solidFill>
+                <a:latin typeface="Helvetica Light" panose="020B0403020202020204" pitchFamily="34" charset="0"/>
+              </a:rPr>
+              <a:t> repository, you have an additional directory called .</a:t>
+            </a:r>
+            <a:r>
+              <a:rPr lang="en-US" dirty="0" err="1">
+                <a:solidFill>
+                  <a:srgbClr val="4A452A"/>
+                </a:solidFill>
+                <a:latin typeface="Helvetica Light" panose="020B0403020202020204" pitchFamily="34" charset="0"/>
+              </a:rPr>
+              <a:t>git</a:t>
+            </a:r>
+            <a:r>
+              <a:rPr lang="en-US" dirty="0">
+                <a:solidFill>
+                  <a:srgbClr val="4A452A"/>
+                </a:solidFill>
+                <a:latin typeface="Helvetica Light" panose="020B0403020202020204" pitchFamily="34" charset="0"/>
+              </a:rPr>
+              <a:t>, which points at a mini-</a:t>
+            </a:r>
+            <a:r>
+              <a:rPr lang="en-US" dirty="0" err="1">
+                <a:solidFill>
+                  <a:srgbClr val="4A452A"/>
+                </a:solidFill>
+                <a:latin typeface="Helvetica Light" panose="020B0403020202020204" pitchFamily="34" charset="0"/>
+              </a:rPr>
+              <a:t>filesystem</a:t>
+            </a:r>
+            <a:r>
+              <a:rPr lang="en-US" dirty="0">
+                <a:solidFill>
+                  <a:srgbClr val="4A452A"/>
+                </a:solidFill>
+                <a:latin typeface="Helvetica Light" panose="020B0403020202020204" pitchFamily="34" charset="0"/>
+              </a:rPr>
+              <a:t>.   </a:t>
+            </a:r>
+          </a:p>
+          <a:p>
+            <a:endParaRPr lang="en-US" dirty="0">
+              <a:solidFill>
+                <a:srgbClr val="4A452A"/>
+              </a:solidFill>
+              <a:latin typeface="Helvetica Light" panose="020B0403020202020204" pitchFamily="34" charset="0"/>
+            </a:endParaRPr>
+          </a:p>
+          <a:p>
+            <a:r>
+              <a:rPr lang="en-US" dirty="0">
+                <a:solidFill>
+                  <a:srgbClr val="4A452A"/>
+                </a:solidFill>
+                <a:latin typeface="Helvetica Light" panose="020B0403020202020204" pitchFamily="34" charset="0"/>
+              </a:rPr>
+              <a:t>This file system keeps all your data, plus the bells and whistles that </a:t>
+            </a:r>
+            <a:r>
+              <a:rPr lang="en-US" dirty="0" err="1">
+                <a:solidFill>
+                  <a:srgbClr val="4A452A"/>
+                </a:solidFill>
+                <a:latin typeface="Helvetica Light" panose="020B0403020202020204" pitchFamily="34" charset="0"/>
+              </a:rPr>
+              <a:t>git</a:t>
+            </a:r>
+            <a:r>
+              <a:rPr lang="en-US" dirty="0">
+                <a:solidFill>
+                  <a:srgbClr val="4A452A"/>
+                </a:solidFill>
+                <a:latin typeface="Helvetica Light" panose="020B0403020202020204" pitchFamily="34" charset="0"/>
+              </a:rPr>
+              <a:t> needs to do its job.  </a:t>
+            </a:r>
+          </a:p>
+          <a:p>
+            <a:endParaRPr lang="en-US" dirty="0">
+              <a:solidFill>
+                <a:srgbClr val="4A452A"/>
+              </a:solidFill>
+              <a:latin typeface="Helvetica Light" panose="020B0403020202020204" pitchFamily="34" charset="0"/>
+            </a:endParaRPr>
+          </a:p>
+          <a:p>
+            <a:r>
+              <a:rPr lang="en-US" dirty="0">
+                <a:solidFill>
+                  <a:srgbClr val="4A452A"/>
+                </a:solidFill>
+                <a:latin typeface="Helvetica Light" panose="020B0403020202020204" pitchFamily="34" charset="0"/>
+              </a:rPr>
+              <a:t>All this sits on your local machine.</a:t>
+            </a:r>
+          </a:p>
+        </p:txBody>
+      </p:sp>
+    </p:spTree>
+    <p:extLst>
+      <p:ext uri="{BB962C8B-B14F-4D97-AF65-F5344CB8AC3E}">
+        <p14:creationId xmlns:p14="http://schemas.microsoft.com/office/powerpoint/2010/main" val="1100472739"/>
+      </p:ext>
+    </p:extLst>
+  </p:cSld>
+  <p:clrMapOvr>
+    <a:masterClrMapping/>
+  </p:clrMapOvr>
+</p:sld>
+</file>
+
+<file path=ppt/slides/slide9.xml><?xml version="1.0" encoding="utf-8"?>
+<p:sld xmlns:a="http://schemas.openxmlformats.org/drawingml/2006/main" xmlns:r="http://schemas.openxmlformats.org/officeDocument/2006/relationships" xmlns:p="http://schemas.openxmlformats.org/presentationml/2006/main">
+  <p:cSld>
+    <p:spTree>
+      <p:nvGrpSpPr>
+        <p:cNvPr id="1" name=""/>
+        <p:cNvGrpSpPr/>
+        <p:nvPr/>
+      </p:nvGrpSpPr>
+      <p:grpSpPr>
+        <a:xfrm>
+          <a:off x="0" y="0"/>
+          <a:ext cx="0" cy="0"/>
+          <a:chOff x="0" y="0"/>
+          <a:chExt cx="0" cy="0"/>
+        </a:xfrm>
+      </p:grpSpPr>
+      <p:sp>
+        <p:nvSpPr>
+          <p:cNvPr id="2" name="Title 1"/>
+          <p:cNvSpPr>
+            <a:spLocks noGrp="1"/>
+          </p:cNvSpPr>
+          <p:nvPr>
+            <p:ph type="title"/>
+          </p:nvPr>
+        </p:nvSpPr>
+        <p:spPr/>
+        <p:txBody>
+          <a:bodyPr/>
+          <a:lstStyle/>
+          <a:p>
+            <a:r>
+              <a:rPr lang="en-US" dirty="0">
+                <a:solidFill>
+                  <a:srgbClr val="C00000"/>
+                </a:solidFill>
+                <a:latin typeface="Helvetica Light" panose="020B0403020202020204" pitchFamily="34" charset="0"/>
+              </a:rPr>
+              <a:t>The git Client</a:t>
+            </a:r>
+          </a:p>
+        </p:txBody>
+      </p:sp>
+      <p:grpSp>
+        <p:nvGrpSpPr>
+          <p:cNvPr id="5" name="Group 4"/>
+          <p:cNvGrpSpPr/>
+          <p:nvPr/>
+        </p:nvGrpSpPr>
+        <p:grpSpPr>
+          <a:xfrm>
+            <a:off x="1371600" y="2286000"/>
+            <a:ext cx="3657600" cy="4038600"/>
+            <a:chOff x="1371600" y="1143000"/>
+            <a:chExt cx="3657600" cy="4038600"/>
+          </a:xfrm>
+        </p:grpSpPr>
+        <p:graphicFrame>
+          <p:nvGraphicFramePr>
+            <p:cNvPr id="4" name="Diagram 3"/>
+            <p:cNvGraphicFramePr/>
+            <p:nvPr/>
+          </p:nvGraphicFramePr>
+          <p:xfrm>
+            <a:off x="1371600" y="1143000"/>
+            <a:ext cx="2209800" cy="4038600"/>
+          </p:xfrm>
+          <a:graphic>
+            <a:graphicData uri="http://schemas.openxmlformats.org/drawingml/2006/diagram">
+              <dgm:relIds xmlns:dgm="http://schemas.openxmlformats.org/drawingml/2006/diagram" xmlns:r="http://schemas.openxmlformats.org/officeDocument/2006/relationships" r:dm="rId2" r:lo="rId3" r:qs="rId4" r:cs="rId5"/>
+            </a:graphicData>
+          </a:graphic>
+        </p:graphicFrame>
+        <p:sp>
+          <p:nvSpPr>
+            <p:cNvPr id="9" name="Rounded Rectangle 8"/>
+            <p:cNvSpPr/>
+            <p:nvPr/>
+          </p:nvSpPr>
+          <p:spPr>
+            <a:xfrm>
+              <a:off x="2514600" y="1524000"/>
+              <a:ext cx="1052373" cy="602386"/>
+            </a:xfrm>
+            <a:prstGeom prst="roundRect">
+              <a:avLst>
+                <a:gd name="adj" fmla="val 10000"/>
+              </a:avLst>
+            </a:prstGeom>
+          </p:spPr>
+          <p:style>
+            <a:lnRef idx="2">
+              <a:schemeClr val="lt1">
+                <a:hueOff val="0"/>
+                <a:satOff val="0"/>
+                <a:lumOff val="0"/>
+                <a:alphaOff val="0"/>
+              </a:schemeClr>
+            </a:lnRef>
+            <a:fillRef idx="1">
+              <a:schemeClr val="accent1">
+                <a:hueOff val="0"/>
+                <a:satOff val="0"/>
+                <a:lumOff val="0"/>
+                <a:alphaOff val="0"/>
+              </a:schemeClr>
+            </a:fillRef>
+            <a:effectRef idx="0">
+              <a:schemeClr val="accent1">
+                <a:hueOff val="0"/>
+                <a:satOff val="0"/>
+                <a:lumOff val="0"/>
+                <a:alphaOff val="0"/>
+              </a:schemeClr>
+            </a:effectRef>
+            <a:fontRef idx="minor">
+              <a:schemeClr val="lt1"/>
+            </a:fontRef>
+          </p:style>
+          <p:txBody>
+            <a:bodyPr anchor="ctr"/>
+            <a:lstStyle/>
+            <a:p>
+              <a:pPr algn="ctr"/>
+              <a:r>
+                <a:rPr lang="en-US" dirty="0">
+                  <a:latin typeface="Helvetica Light" panose="020B0403020202020204" pitchFamily="34" charset="0"/>
+                </a:rPr>
+                <a:t>.</a:t>
+              </a:r>
+              <a:r>
+                <a:rPr lang="en-US" dirty="0" err="1">
+                  <a:latin typeface="Helvetica Light" panose="020B0403020202020204" pitchFamily="34" charset="0"/>
+                </a:rPr>
+                <a:t>git</a:t>
+              </a:r>
+              <a:endParaRPr lang="en-US" dirty="0">
+                <a:latin typeface="Helvetica Light" panose="020B0403020202020204" pitchFamily="34" charset="0"/>
+              </a:endParaRPr>
+            </a:p>
+          </p:txBody>
+        </p:sp>
+        <p:sp>
+          <p:nvSpPr>
+            <p:cNvPr id="12" name="Flowchart: Magnetic Disk 11"/>
+            <p:cNvSpPr/>
+            <p:nvPr/>
+          </p:nvSpPr>
+          <p:spPr>
+            <a:xfrm>
+              <a:off x="4114800" y="1250086"/>
+              <a:ext cx="914400" cy="1150214"/>
+            </a:xfrm>
+            <a:prstGeom prst="flowChartMagneticDisk">
+              <a:avLst/>
+            </a:prstGeom>
+            <a:solidFill>
+              <a:schemeClr val="tx2">
+                <a:lumMod val="20000"/>
+                <a:lumOff val="80000"/>
+              </a:schemeClr>
+            </a:solidFill>
+          </p:spPr>
+          <p:style>
+            <a:lnRef idx="2">
+              <a:schemeClr val="accent1">
+                <a:shade val="50000"/>
+              </a:schemeClr>
+            </a:lnRef>
+            <a:fillRef idx="1">
+              <a:schemeClr val="accent1"/>
+            </a:fillRef>
+            <a:effectRef idx="0">
+              <a:schemeClr val="accent1"/>
+            </a:effectRef>
+            <a:fontRef idx="minor">
+              <a:schemeClr val="lt1"/>
+            </a:fontRef>
+          </p:style>
+          <p:txBody>
+            <a:bodyPr rtlCol="0" anchor="ctr"/>
+            <a:lstStyle/>
+            <a:p>
+              <a:pPr algn="ctr"/>
+              <a:endParaRPr lang="en-US">
+                <a:latin typeface="Helvetica Light" panose="020B0403020202020204" pitchFamily="34" charset="0"/>
+              </a:endParaRPr>
+            </a:p>
+          </p:txBody>
+        </p:sp>
+        <p:cxnSp>
+          <p:nvCxnSpPr>
+            <p:cNvPr id="14" name="Straight Arrow Connector 13"/>
+            <p:cNvCxnSpPr>
+              <a:stCxn id="9" idx="3"/>
+              <a:endCxn id="12" idx="2"/>
+            </p:cNvCxnSpPr>
+            <p:nvPr/>
+          </p:nvCxnSpPr>
+          <p:spPr>
+            <a:xfrm>
+              <a:off x="3566973" y="1825193"/>
+              <a:ext cx="547827" cy="0"/>
+            </a:xfrm>
+            <a:prstGeom prst="straightConnector1">
+              <a:avLst/>
+            </a:prstGeom>
+            <a:ln>
+              <a:tailEnd type="arrow"/>
+            </a:ln>
+          </p:spPr>
+          <p:style>
+            <a:lnRef idx="1">
+              <a:schemeClr val="accent1"/>
+            </a:lnRef>
+            <a:fillRef idx="0">
+              <a:schemeClr val="accent1"/>
+            </a:fillRef>
+            <a:effectRef idx="0">
+              <a:schemeClr val="accent1"/>
+            </a:effectRef>
+            <a:fontRef idx="minor">
+              <a:schemeClr val="tx1"/>
+            </a:fontRef>
+          </p:style>
+        </p:cxnSp>
+        <p:cxnSp>
+          <p:nvCxnSpPr>
+            <p:cNvPr id="16" name="Straight Arrow Connector 15"/>
+            <p:cNvCxnSpPr>
+              <a:endCxn id="9" idx="1"/>
+            </p:cNvCxnSpPr>
+            <p:nvPr/>
+          </p:nvCxnSpPr>
+          <p:spPr>
+            <a:xfrm flipV="1">
+              <a:off x="1905000" y="1825193"/>
+              <a:ext cx="609600" cy="689407"/>
+            </a:xfrm>
+            <a:prstGeom prst="straightConnector1">
+              <a:avLst/>
+            </a:prstGeom>
+            <a:ln>
+              <a:tailEnd type="arrow"/>
+            </a:ln>
+          </p:spPr>
+          <p:style>
+            <a:lnRef idx="1">
+              <a:schemeClr val="accent1"/>
+            </a:lnRef>
+            <a:fillRef idx="0">
+              <a:schemeClr val="accent1"/>
+            </a:fillRef>
+            <a:effectRef idx="0">
+              <a:schemeClr val="accent1"/>
+            </a:effectRef>
+            <a:fontRef idx="minor">
+              <a:schemeClr val="tx1"/>
+            </a:fontRef>
+          </p:style>
+        </p:cxnSp>
+      </p:grpSp>
+      <p:sp>
+        <p:nvSpPr>
+          <p:cNvPr id="17" name="TextBox 16"/>
+          <p:cNvSpPr txBox="1"/>
+          <p:nvPr/>
+        </p:nvSpPr>
+        <p:spPr>
+          <a:xfrm>
+            <a:off x="4572000" y="3825089"/>
+            <a:ext cx="4288561" cy="2308324"/>
+          </a:xfrm>
+          <a:prstGeom prst="rect">
+            <a:avLst/>
+          </a:prstGeom>
+          <a:noFill/>
+        </p:spPr>
+        <p:txBody>
+          <a:bodyPr wrap="square" rtlCol="0">
+            <a:spAutoFit/>
+          </a:bodyPr>
+          <a:lstStyle/>
+          <a:p>
+            <a:r>
+              <a:rPr lang="en-US" dirty="0">
+                <a:solidFill>
+                  <a:srgbClr val="4A452A"/>
+                </a:solidFill>
+                <a:latin typeface="Helvetica Light" panose="020B0403020202020204" pitchFamily="34" charset="0"/>
+              </a:rPr>
+              <a:t>This mini-</a:t>
+            </a:r>
+            <a:r>
+              <a:rPr lang="en-US" dirty="0" err="1">
+                <a:solidFill>
+                  <a:srgbClr val="4A452A"/>
+                </a:solidFill>
+                <a:latin typeface="Helvetica Light" panose="020B0403020202020204" pitchFamily="34" charset="0"/>
+              </a:rPr>
+              <a:t>filesystem</a:t>
+            </a:r>
+            <a:r>
+              <a:rPr lang="en-US" dirty="0">
+                <a:solidFill>
+                  <a:srgbClr val="4A452A"/>
+                </a:solidFill>
+                <a:latin typeface="Helvetica Light" panose="020B0403020202020204" pitchFamily="34" charset="0"/>
+              </a:rPr>
+              <a:t> is highly optimized and very complicated.  Don’t try to read it directly.</a:t>
+            </a:r>
+          </a:p>
+          <a:p>
+            <a:endParaRPr lang="en-US" dirty="0">
+              <a:solidFill>
+                <a:srgbClr val="4A452A"/>
+              </a:solidFill>
+              <a:latin typeface="Helvetica Light" panose="020B0403020202020204" pitchFamily="34" charset="0"/>
+            </a:endParaRPr>
+          </a:p>
+          <a:p>
+            <a:r>
+              <a:rPr lang="en-US" dirty="0">
+                <a:solidFill>
+                  <a:srgbClr val="4A452A"/>
+                </a:solidFill>
+                <a:latin typeface="Helvetica Light" panose="020B0403020202020204" pitchFamily="34" charset="0"/>
+              </a:rPr>
+              <a:t>The job of the </a:t>
+            </a:r>
+            <a:r>
+              <a:rPr lang="en-US" dirty="0" err="1">
+                <a:solidFill>
+                  <a:srgbClr val="4A452A"/>
+                </a:solidFill>
+                <a:latin typeface="Helvetica Light" panose="020B0403020202020204" pitchFamily="34" charset="0"/>
+              </a:rPr>
+              <a:t>git</a:t>
+            </a:r>
+            <a:r>
+              <a:rPr lang="en-US" dirty="0">
+                <a:solidFill>
+                  <a:srgbClr val="4A452A"/>
+                </a:solidFill>
+                <a:latin typeface="Helvetica Light" panose="020B0403020202020204" pitchFamily="34" charset="0"/>
+              </a:rPr>
+              <a:t> client (either </a:t>
+            </a:r>
+            <a:r>
+              <a:rPr lang="en-US" dirty="0" err="1">
+                <a:solidFill>
+                  <a:srgbClr val="4A452A"/>
+                </a:solidFill>
+                <a:latin typeface="Helvetica Light" panose="020B0403020202020204" pitchFamily="34" charset="0"/>
+              </a:rPr>
+              <a:t>Github</a:t>
+            </a:r>
+            <a:r>
+              <a:rPr lang="en-US" dirty="0">
+                <a:solidFill>
+                  <a:srgbClr val="4A452A"/>
+                </a:solidFill>
+                <a:latin typeface="Helvetica Light" panose="020B0403020202020204" pitchFamily="34" charset="0"/>
+              </a:rPr>
+              <a:t> for Windows, </a:t>
+            </a:r>
+            <a:r>
+              <a:rPr lang="en-US" dirty="0" err="1">
+                <a:solidFill>
+                  <a:srgbClr val="4A452A"/>
+                </a:solidFill>
+                <a:latin typeface="Helvetica Light" panose="020B0403020202020204" pitchFamily="34" charset="0"/>
+              </a:rPr>
+              <a:t>Github</a:t>
+            </a:r>
+            <a:r>
+              <a:rPr lang="en-US" dirty="0">
+                <a:solidFill>
+                  <a:srgbClr val="4A452A"/>
+                </a:solidFill>
+                <a:latin typeface="Helvetica Light" panose="020B0403020202020204" pitchFamily="34" charset="0"/>
+              </a:rPr>
+              <a:t> for Mac, or a suite of command-line utilities) is to manage this for you.</a:t>
+            </a:r>
+          </a:p>
+        </p:txBody>
+      </p:sp>
+    </p:spTree>
+    <p:extLst>
+      <p:ext uri="{BB962C8B-B14F-4D97-AF65-F5344CB8AC3E}">
+        <p14:creationId xmlns:p14="http://schemas.microsoft.com/office/powerpoint/2010/main" val="1011232846"/>
       </p:ext>
     </p:extLst>
   </p:cSld>

--- a/Lab1/CS_5004_Lab1.pptx
+++ b/Lab1/CS_5004_Lab1.pptx
@@ -14,29 +14,29 @@
     <p:sldId id="349" r:id="rId2"/>
     <p:sldId id="722" r:id="rId3"/>
     <p:sldId id="734" r:id="rId4"/>
-    <p:sldId id="695" r:id="rId5"/>
-    <p:sldId id="257" r:id="rId6"/>
-    <p:sldId id="258" r:id="rId7"/>
-    <p:sldId id="260" r:id="rId8"/>
-    <p:sldId id="261" r:id="rId9"/>
-    <p:sldId id="262" r:id="rId10"/>
-    <p:sldId id="723" r:id="rId11"/>
-    <p:sldId id="263" r:id="rId12"/>
-    <p:sldId id="264" r:id="rId13"/>
-    <p:sldId id="265" r:id="rId14"/>
-    <p:sldId id="266" r:id="rId15"/>
-    <p:sldId id="267" r:id="rId16"/>
-    <p:sldId id="269" r:id="rId17"/>
-    <p:sldId id="268" r:id="rId18"/>
-    <p:sldId id="733" r:id="rId19"/>
-    <p:sldId id="720" r:id="rId20"/>
-    <p:sldId id="712" r:id="rId21"/>
-    <p:sldId id="713" r:id="rId22"/>
-    <p:sldId id="724" r:id="rId23"/>
-    <p:sldId id="727" r:id="rId24"/>
-    <p:sldId id="726" r:id="rId25"/>
-    <p:sldId id="719" r:id="rId26"/>
-    <p:sldId id="731" r:id="rId27"/>
+    <p:sldId id="731" r:id="rId5"/>
+    <p:sldId id="735" r:id="rId6"/>
+    <p:sldId id="695" r:id="rId7"/>
+    <p:sldId id="257" r:id="rId8"/>
+    <p:sldId id="258" r:id="rId9"/>
+    <p:sldId id="260" r:id="rId10"/>
+    <p:sldId id="261" r:id="rId11"/>
+    <p:sldId id="262" r:id="rId12"/>
+    <p:sldId id="723" r:id="rId13"/>
+    <p:sldId id="263" r:id="rId14"/>
+    <p:sldId id="264" r:id="rId15"/>
+    <p:sldId id="265" r:id="rId16"/>
+    <p:sldId id="266" r:id="rId17"/>
+    <p:sldId id="267" r:id="rId18"/>
+    <p:sldId id="269" r:id="rId19"/>
+    <p:sldId id="268" r:id="rId20"/>
+    <p:sldId id="720" r:id="rId21"/>
+    <p:sldId id="712" r:id="rId22"/>
+    <p:sldId id="713" r:id="rId23"/>
+    <p:sldId id="724" r:id="rId24"/>
+    <p:sldId id="727" r:id="rId25"/>
+    <p:sldId id="726" r:id="rId26"/>
+    <p:sldId id="719" r:id="rId27"/>
     <p:sldId id="729" r:id="rId28"/>
     <p:sldId id="728" r:id="rId29"/>
     <p:sldId id="730" r:id="rId30"/>
@@ -39883,7 +39883,7 @@
               <a:pPr>
                 <a:defRPr/>
               </a:pPr>
-              <a:t>1/8/25</a:t>
+              <a:t>1/9/25</a:t>
             </a:fld>
             <a:endParaRPr lang="en-US"/>
           </a:p>
@@ -40067,7 +40067,7 @@
               <a:pPr>
                 <a:defRPr/>
               </a:pPr>
-              <a:t>1/8/25</a:t>
+              <a:t>1/9/25</a:t>
             </a:fld>
             <a:endParaRPr lang="en-US"/>
           </a:p>
@@ -40813,7 +40813,7 @@
               <a:pPr>
                 <a:defRPr/>
               </a:pPr>
-              <a:t>13</a:t>
+              <a:t>15</a:t>
             </a:fld>
             <a:endParaRPr lang="en-US"/>
           </a:p>
@@ -40897,7 +40897,7 @@
           <a:p>
             <a:fld id="{072F33FE-8B1E-4C5B-8D9A-3EE999E9590B}" type="slidenum">
               <a:rPr lang="en-US" smtClean="0"/>
-              <a:t>16</a:t>
+              <a:t>18</a:t>
             </a:fld>
             <a:endParaRPr lang="en-US"/>
           </a:p>
@@ -40999,7 +40999,7 @@
               <a:pPr>
                 <a:defRPr/>
               </a:pPr>
-              <a:t>20</a:t>
+              <a:t>21</a:t>
             </a:fld>
             <a:endParaRPr lang="en-US"/>
           </a:p>
@@ -41101,7 +41101,7 @@
               <a:pPr>
                 <a:defRPr/>
               </a:pPr>
-              <a:t>21</a:t>
+              <a:t>22</a:t>
             </a:fld>
             <a:endParaRPr lang="en-US"/>
           </a:p>
@@ -41203,7 +41203,7 @@
               <a:pPr>
                 <a:defRPr/>
               </a:pPr>
-              <a:t>25</a:t>
+              <a:t>26</a:t>
             </a:fld>
             <a:endParaRPr lang="en-US"/>
           </a:p>
@@ -42878,6 +42878,823 @@
       </p:grpSpPr>
       <p:sp>
         <p:nvSpPr>
+          <p:cNvPr id="2" name="Title 1"/>
+          <p:cNvSpPr>
+            <a:spLocks noGrp="1"/>
+          </p:cNvSpPr>
+          <p:nvPr>
+            <p:ph type="title"/>
+          </p:nvPr>
+        </p:nvSpPr>
+        <p:spPr>
+          <a:xfrm>
+            <a:off x="381000" y="152400"/>
+            <a:ext cx="8415338" cy="914400"/>
+          </a:xfrm>
+        </p:spPr>
+        <p:txBody>
+          <a:bodyPr/>
+          <a:lstStyle/>
+          <a:p>
+            <a:r>
+              <a:rPr lang="en-US" dirty="0">
+                <a:solidFill>
+                  <a:srgbClr val="C00000"/>
+                </a:solidFill>
+                <a:latin typeface="Helvetica Light" panose="020B0403020202020204" pitchFamily="34" charset="0"/>
+              </a:rPr>
+              <a:t>Your Files in Your git Repository</a:t>
+            </a:r>
+          </a:p>
+        </p:txBody>
+      </p:sp>
+      <p:graphicFrame>
+        <p:nvGraphicFramePr>
+          <p:cNvPr id="4" name="Diagram 3"/>
+          <p:cNvGraphicFramePr/>
+          <p:nvPr>
+            <p:extLst>
+              <p:ext uri="{D42A27DB-BD31-4B8C-83A1-F6EECF244321}">
+                <p14:modId xmlns:p14="http://schemas.microsoft.com/office/powerpoint/2010/main" val="3805266167"/>
+              </p:ext>
+            </p:extLst>
+          </p:nvPr>
+        </p:nvGraphicFramePr>
+        <p:xfrm>
+          <a:off x="1371600" y="1143000"/>
+          <a:ext cx="2209800" cy="4038600"/>
+        </p:xfrm>
+        <a:graphic>
+          <a:graphicData uri="http://schemas.openxmlformats.org/drawingml/2006/diagram">
+            <dgm:relIds xmlns:dgm="http://schemas.openxmlformats.org/drawingml/2006/diagram" xmlns:r="http://schemas.openxmlformats.org/officeDocument/2006/relationships" r:dm="rId2" r:lo="rId3" r:qs="rId4" r:cs="rId5"/>
+          </a:graphicData>
+        </a:graphic>
+      </p:graphicFrame>
+      <p:sp>
+        <p:nvSpPr>
+          <p:cNvPr id="9" name="Rounded Rectangle 8"/>
+          <p:cNvSpPr/>
+          <p:nvPr/>
+        </p:nvSpPr>
+        <p:spPr>
+          <a:xfrm>
+            <a:off x="2514600" y="1524000"/>
+            <a:ext cx="1052373" cy="602386"/>
+          </a:xfrm>
+          <a:prstGeom prst="roundRect">
+            <a:avLst>
+              <a:gd name="adj" fmla="val 10000"/>
+            </a:avLst>
+          </a:prstGeom>
+        </p:spPr>
+        <p:style>
+          <a:lnRef idx="2">
+            <a:schemeClr val="lt1">
+              <a:hueOff val="0"/>
+              <a:satOff val="0"/>
+              <a:lumOff val="0"/>
+              <a:alphaOff val="0"/>
+            </a:schemeClr>
+          </a:lnRef>
+          <a:fillRef idx="1">
+            <a:schemeClr val="accent1">
+              <a:hueOff val="0"/>
+              <a:satOff val="0"/>
+              <a:lumOff val="0"/>
+              <a:alphaOff val="0"/>
+            </a:schemeClr>
+          </a:fillRef>
+          <a:effectRef idx="0">
+            <a:schemeClr val="accent1">
+              <a:hueOff val="0"/>
+              <a:satOff val="0"/>
+              <a:lumOff val="0"/>
+              <a:alphaOff val="0"/>
+            </a:schemeClr>
+          </a:effectRef>
+          <a:fontRef idx="minor">
+            <a:schemeClr val="lt1"/>
+          </a:fontRef>
+        </p:style>
+        <p:txBody>
+          <a:bodyPr anchor="ctr"/>
+          <a:lstStyle/>
+          <a:p>
+            <a:pPr algn="ctr"/>
+            <a:r>
+              <a:rPr lang="en-US" dirty="0">
+                <a:latin typeface="Helvetica Light" panose="020B0403020202020204" pitchFamily="34" charset="0"/>
+              </a:rPr>
+              <a:t>.</a:t>
+            </a:r>
+            <a:r>
+              <a:rPr lang="en-US" dirty="0" err="1">
+                <a:latin typeface="Helvetica Light" panose="020B0403020202020204" pitchFamily="34" charset="0"/>
+              </a:rPr>
+              <a:t>git</a:t>
+            </a:r>
+            <a:endParaRPr lang="en-US" dirty="0">
+              <a:latin typeface="Helvetica Light" panose="020B0403020202020204" pitchFamily="34" charset="0"/>
+            </a:endParaRPr>
+          </a:p>
+        </p:txBody>
+      </p:sp>
+      <p:sp>
+        <p:nvSpPr>
+          <p:cNvPr id="12" name="Flowchart: Magnetic Disk 11"/>
+          <p:cNvSpPr/>
+          <p:nvPr/>
+        </p:nvSpPr>
+        <p:spPr>
+          <a:xfrm>
+            <a:off x="4114800" y="1250086"/>
+            <a:ext cx="914400" cy="1150214"/>
+          </a:xfrm>
+          <a:prstGeom prst="flowChartMagneticDisk">
+            <a:avLst/>
+          </a:prstGeom>
+          <a:solidFill>
+            <a:schemeClr val="tx2">
+              <a:lumMod val="20000"/>
+              <a:lumOff val="80000"/>
+            </a:schemeClr>
+          </a:solidFill>
+        </p:spPr>
+        <p:style>
+          <a:lnRef idx="2">
+            <a:schemeClr val="accent1">
+              <a:shade val="50000"/>
+            </a:schemeClr>
+          </a:lnRef>
+          <a:fillRef idx="1">
+            <a:schemeClr val="accent1"/>
+          </a:fillRef>
+          <a:effectRef idx="0">
+            <a:schemeClr val="accent1"/>
+          </a:effectRef>
+          <a:fontRef idx="minor">
+            <a:schemeClr val="lt1"/>
+          </a:fontRef>
+        </p:style>
+        <p:txBody>
+          <a:bodyPr rtlCol="0" anchor="ctr"/>
+          <a:lstStyle/>
+          <a:p>
+            <a:pPr algn="ctr"/>
+            <a:endParaRPr lang="en-US">
+              <a:latin typeface="Helvetica Light" panose="020B0403020202020204" pitchFamily="34" charset="0"/>
+            </a:endParaRPr>
+          </a:p>
+        </p:txBody>
+      </p:sp>
+      <p:cxnSp>
+        <p:nvCxnSpPr>
+          <p:cNvPr id="14" name="Straight Arrow Connector 13"/>
+          <p:cNvCxnSpPr>
+            <a:stCxn id="9" idx="3"/>
+            <a:endCxn id="12" idx="2"/>
+          </p:cNvCxnSpPr>
+          <p:nvPr/>
+        </p:nvCxnSpPr>
+        <p:spPr>
+          <a:xfrm>
+            <a:off x="3566973" y="1825193"/>
+            <a:ext cx="547827" cy="0"/>
+          </a:xfrm>
+          <a:prstGeom prst="straightConnector1">
+            <a:avLst/>
+          </a:prstGeom>
+          <a:ln>
+            <a:tailEnd type="arrow"/>
+          </a:ln>
+        </p:spPr>
+        <p:style>
+          <a:lnRef idx="1">
+            <a:schemeClr val="accent1"/>
+          </a:lnRef>
+          <a:fillRef idx="0">
+            <a:schemeClr val="accent1"/>
+          </a:fillRef>
+          <a:effectRef idx="0">
+            <a:schemeClr val="accent1"/>
+          </a:effectRef>
+          <a:fontRef idx="minor">
+            <a:schemeClr val="tx1"/>
+          </a:fontRef>
+        </p:style>
+      </p:cxnSp>
+      <p:cxnSp>
+        <p:nvCxnSpPr>
+          <p:cNvPr id="16" name="Straight Arrow Connector 15"/>
+          <p:cNvCxnSpPr>
+            <a:endCxn id="9" idx="1"/>
+          </p:cNvCxnSpPr>
+          <p:nvPr/>
+        </p:nvCxnSpPr>
+        <p:spPr>
+          <a:xfrm flipV="1">
+            <a:off x="1905000" y="1825193"/>
+            <a:ext cx="609600" cy="689407"/>
+          </a:xfrm>
+          <a:prstGeom prst="straightConnector1">
+            <a:avLst/>
+          </a:prstGeom>
+          <a:ln>
+            <a:tailEnd type="arrow"/>
+          </a:ln>
+        </p:spPr>
+        <p:style>
+          <a:lnRef idx="1">
+            <a:schemeClr val="accent1"/>
+          </a:lnRef>
+          <a:fillRef idx="0">
+            <a:schemeClr val="accent1"/>
+          </a:fillRef>
+          <a:effectRef idx="0">
+            <a:schemeClr val="accent1"/>
+          </a:effectRef>
+          <a:fontRef idx="minor">
+            <a:schemeClr val="tx1"/>
+          </a:fontRef>
+        </p:style>
+      </p:cxnSp>
+      <p:sp>
+        <p:nvSpPr>
+          <p:cNvPr id="17" name="TextBox 16"/>
+          <p:cNvSpPr txBox="1"/>
+          <p:nvPr/>
+        </p:nvSpPr>
+        <p:spPr>
+          <a:xfrm>
+            <a:off x="3840886" y="2743200"/>
+            <a:ext cx="4288561" cy="2585323"/>
+          </a:xfrm>
+          <a:prstGeom prst="rect">
+            <a:avLst/>
+          </a:prstGeom>
+          <a:noFill/>
+        </p:spPr>
+        <p:txBody>
+          <a:bodyPr wrap="square" rtlCol="0">
+            <a:spAutoFit/>
+          </a:bodyPr>
+          <a:lstStyle/>
+          <a:p>
+            <a:r>
+              <a:rPr lang="en-US" dirty="0">
+                <a:solidFill>
+                  <a:srgbClr val="4A452A"/>
+                </a:solidFill>
+                <a:latin typeface="Helvetica Light" panose="020B0403020202020204" pitchFamily="34" charset="0"/>
+              </a:rPr>
+              <a:t>When you have a </a:t>
+            </a:r>
+            <a:r>
+              <a:rPr lang="en-US" dirty="0" err="1">
+                <a:solidFill>
+                  <a:srgbClr val="4A452A"/>
+                </a:solidFill>
+                <a:latin typeface="Helvetica Light" panose="020B0403020202020204" pitchFamily="34" charset="0"/>
+              </a:rPr>
+              <a:t>git</a:t>
+            </a:r>
+            <a:r>
+              <a:rPr lang="en-US" dirty="0">
+                <a:solidFill>
+                  <a:srgbClr val="4A452A"/>
+                </a:solidFill>
+                <a:latin typeface="Helvetica Light" panose="020B0403020202020204" pitchFamily="34" charset="0"/>
+              </a:rPr>
+              <a:t> repository, you have an additional directory called .</a:t>
+            </a:r>
+            <a:r>
+              <a:rPr lang="en-US" dirty="0" err="1">
+                <a:solidFill>
+                  <a:srgbClr val="4A452A"/>
+                </a:solidFill>
+                <a:latin typeface="Helvetica Light" panose="020B0403020202020204" pitchFamily="34" charset="0"/>
+              </a:rPr>
+              <a:t>git</a:t>
+            </a:r>
+            <a:r>
+              <a:rPr lang="en-US" dirty="0">
+                <a:solidFill>
+                  <a:srgbClr val="4A452A"/>
+                </a:solidFill>
+                <a:latin typeface="Helvetica Light" panose="020B0403020202020204" pitchFamily="34" charset="0"/>
+              </a:rPr>
+              <a:t>, which points at a mini-</a:t>
+            </a:r>
+            <a:r>
+              <a:rPr lang="en-US" dirty="0" err="1">
+                <a:solidFill>
+                  <a:srgbClr val="4A452A"/>
+                </a:solidFill>
+                <a:latin typeface="Helvetica Light" panose="020B0403020202020204" pitchFamily="34" charset="0"/>
+              </a:rPr>
+              <a:t>filesystem</a:t>
+            </a:r>
+            <a:r>
+              <a:rPr lang="en-US" dirty="0">
+                <a:solidFill>
+                  <a:srgbClr val="4A452A"/>
+                </a:solidFill>
+                <a:latin typeface="Helvetica Light" panose="020B0403020202020204" pitchFamily="34" charset="0"/>
+              </a:rPr>
+              <a:t>.   </a:t>
+            </a:r>
+          </a:p>
+          <a:p>
+            <a:endParaRPr lang="en-US" dirty="0">
+              <a:solidFill>
+                <a:srgbClr val="4A452A"/>
+              </a:solidFill>
+              <a:latin typeface="Helvetica Light" panose="020B0403020202020204" pitchFamily="34" charset="0"/>
+            </a:endParaRPr>
+          </a:p>
+          <a:p>
+            <a:r>
+              <a:rPr lang="en-US" dirty="0">
+                <a:solidFill>
+                  <a:srgbClr val="4A452A"/>
+                </a:solidFill>
+                <a:latin typeface="Helvetica Light" panose="020B0403020202020204" pitchFamily="34" charset="0"/>
+              </a:rPr>
+              <a:t>This file system keeps all your data, plus the bells and whistles that </a:t>
+            </a:r>
+            <a:r>
+              <a:rPr lang="en-US" dirty="0" err="1">
+                <a:solidFill>
+                  <a:srgbClr val="4A452A"/>
+                </a:solidFill>
+                <a:latin typeface="Helvetica Light" panose="020B0403020202020204" pitchFamily="34" charset="0"/>
+              </a:rPr>
+              <a:t>git</a:t>
+            </a:r>
+            <a:r>
+              <a:rPr lang="en-US" dirty="0">
+                <a:solidFill>
+                  <a:srgbClr val="4A452A"/>
+                </a:solidFill>
+                <a:latin typeface="Helvetica Light" panose="020B0403020202020204" pitchFamily="34" charset="0"/>
+              </a:rPr>
+              <a:t> needs to do its job.  </a:t>
+            </a:r>
+          </a:p>
+          <a:p>
+            <a:endParaRPr lang="en-US" dirty="0">
+              <a:solidFill>
+                <a:srgbClr val="4A452A"/>
+              </a:solidFill>
+              <a:latin typeface="Helvetica Light" panose="020B0403020202020204" pitchFamily="34" charset="0"/>
+            </a:endParaRPr>
+          </a:p>
+          <a:p>
+            <a:r>
+              <a:rPr lang="en-US" dirty="0">
+                <a:solidFill>
+                  <a:srgbClr val="4A452A"/>
+                </a:solidFill>
+                <a:latin typeface="Helvetica Light" panose="020B0403020202020204" pitchFamily="34" charset="0"/>
+              </a:rPr>
+              <a:t>All this sits on your local machine.</a:t>
+            </a:r>
+          </a:p>
+        </p:txBody>
+      </p:sp>
+    </p:spTree>
+    <p:extLst>
+      <p:ext uri="{BB962C8B-B14F-4D97-AF65-F5344CB8AC3E}">
+        <p14:creationId xmlns:p14="http://schemas.microsoft.com/office/powerpoint/2010/main" val="1100472739"/>
+      </p:ext>
+    </p:extLst>
+  </p:cSld>
+  <p:clrMapOvr>
+    <a:masterClrMapping/>
+  </p:clrMapOvr>
+</p:sld>
+</file>
+
+<file path=ppt/slides/slide11.xml><?xml version="1.0" encoding="utf-8"?>
+<p:sld xmlns:a="http://schemas.openxmlformats.org/drawingml/2006/main" xmlns:r="http://schemas.openxmlformats.org/officeDocument/2006/relationships" xmlns:p="http://schemas.openxmlformats.org/presentationml/2006/main">
+  <p:cSld>
+    <p:spTree>
+      <p:nvGrpSpPr>
+        <p:cNvPr id="1" name=""/>
+        <p:cNvGrpSpPr/>
+        <p:nvPr/>
+      </p:nvGrpSpPr>
+      <p:grpSpPr>
+        <a:xfrm>
+          <a:off x="0" y="0"/>
+          <a:ext cx="0" cy="0"/>
+          <a:chOff x="0" y="0"/>
+          <a:chExt cx="0" cy="0"/>
+        </a:xfrm>
+      </p:grpSpPr>
+      <p:sp>
+        <p:nvSpPr>
+          <p:cNvPr id="2" name="Title 1"/>
+          <p:cNvSpPr>
+            <a:spLocks noGrp="1"/>
+          </p:cNvSpPr>
+          <p:nvPr>
+            <p:ph type="title"/>
+          </p:nvPr>
+        </p:nvSpPr>
+        <p:spPr/>
+        <p:txBody>
+          <a:bodyPr/>
+          <a:lstStyle/>
+          <a:p>
+            <a:r>
+              <a:rPr lang="en-US" dirty="0">
+                <a:solidFill>
+                  <a:srgbClr val="C00000"/>
+                </a:solidFill>
+                <a:latin typeface="Helvetica Light" panose="020B0403020202020204" pitchFamily="34" charset="0"/>
+              </a:rPr>
+              <a:t>The git Client</a:t>
+            </a:r>
+          </a:p>
+        </p:txBody>
+      </p:sp>
+      <p:grpSp>
+        <p:nvGrpSpPr>
+          <p:cNvPr id="5" name="Group 4"/>
+          <p:cNvGrpSpPr/>
+          <p:nvPr/>
+        </p:nvGrpSpPr>
+        <p:grpSpPr>
+          <a:xfrm>
+            <a:off x="1371600" y="2286000"/>
+            <a:ext cx="3657600" cy="4038600"/>
+            <a:chOff x="1371600" y="1143000"/>
+            <a:chExt cx="3657600" cy="4038600"/>
+          </a:xfrm>
+        </p:grpSpPr>
+        <p:graphicFrame>
+          <p:nvGraphicFramePr>
+            <p:cNvPr id="4" name="Diagram 3"/>
+            <p:cNvGraphicFramePr/>
+            <p:nvPr/>
+          </p:nvGraphicFramePr>
+          <p:xfrm>
+            <a:off x="1371600" y="1143000"/>
+            <a:ext cx="2209800" cy="4038600"/>
+          </p:xfrm>
+          <a:graphic>
+            <a:graphicData uri="http://schemas.openxmlformats.org/drawingml/2006/diagram">
+              <dgm:relIds xmlns:dgm="http://schemas.openxmlformats.org/drawingml/2006/diagram" xmlns:r="http://schemas.openxmlformats.org/officeDocument/2006/relationships" r:dm="rId2" r:lo="rId3" r:qs="rId4" r:cs="rId5"/>
+            </a:graphicData>
+          </a:graphic>
+        </p:graphicFrame>
+        <p:sp>
+          <p:nvSpPr>
+            <p:cNvPr id="9" name="Rounded Rectangle 8"/>
+            <p:cNvSpPr/>
+            <p:nvPr/>
+          </p:nvSpPr>
+          <p:spPr>
+            <a:xfrm>
+              <a:off x="2514600" y="1524000"/>
+              <a:ext cx="1052373" cy="602386"/>
+            </a:xfrm>
+            <a:prstGeom prst="roundRect">
+              <a:avLst>
+                <a:gd name="adj" fmla="val 10000"/>
+              </a:avLst>
+            </a:prstGeom>
+          </p:spPr>
+          <p:style>
+            <a:lnRef idx="2">
+              <a:schemeClr val="lt1">
+                <a:hueOff val="0"/>
+                <a:satOff val="0"/>
+                <a:lumOff val="0"/>
+                <a:alphaOff val="0"/>
+              </a:schemeClr>
+            </a:lnRef>
+            <a:fillRef idx="1">
+              <a:schemeClr val="accent1">
+                <a:hueOff val="0"/>
+                <a:satOff val="0"/>
+                <a:lumOff val="0"/>
+                <a:alphaOff val="0"/>
+              </a:schemeClr>
+            </a:fillRef>
+            <a:effectRef idx="0">
+              <a:schemeClr val="accent1">
+                <a:hueOff val="0"/>
+                <a:satOff val="0"/>
+                <a:lumOff val="0"/>
+                <a:alphaOff val="0"/>
+              </a:schemeClr>
+            </a:effectRef>
+            <a:fontRef idx="minor">
+              <a:schemeClr val="lt1"/>
+            </a:fontRef>
+          </p:style>
+          <p:txBody>
+            <a:bodyPr anchor="ctr"/>
+            <a:lstStyle/>
+            <a:p>
+              <a:pPr algn="ctr"/>
+              <a:r>
+                <a:rPr lang="en-US" dirty="0">
+                  <a:latin typeface="Helvetica Light" panose="020B0403020202020204" pitchFamily="34" charset="0"/>
+                </a:rPr>
+                <a:t>.</a:t>
+              </a:r>
+              <a:r>
+                <a:rPr lang="en-US" dirty="0" err="1">
+                  <a:latin typeface="Helvetica Light" panose="020B0403020202020204" pitchFamily="34" charset="0"/>
+                </a:rPr>
+                <a:t>git</a:t>
+              </a:r>
+              <a:endParaRPr lang="en-US" dirty="0">
+                <a:latin typeface="Helvetica Light" panose="020B0403020202020204" pitchFamily="34" charset="0"/>
+              </a:endParaRPr>
+            </a:p>
+          </p:txBody>
+        </p:sp>
+        <p:sp>
+          <p:nvSpPr>
+            <p:cNvPr id="12" name="Flowchart: Magnetic Disk 11"/>
+            <p:cNvSpPr/>
+            <p:nvPr/>
+          </p:nvSpPr>
+          <p:spPr>
+            <a:xfrm>
+              <a:off x="4114800" y="1250086"/>
+              <a:ext cx="914400" cy="1150214"/>
+            </a:xfrm>
+            <a:prstGeom prst="flowChartMagneticDisk">
+              <a:avLst/>
+            </a:prstGeom>
+            <a:solidFill>
+              <a:schemeClr val="tx2">
+                <a:lumMod val="20000"/>
+                <a:lumOff val="80000"/>
+              </a:schemeClr>
+            </a:solidFill>
+          </p:spPr>
+          <p:style>
+            <a:lnRef idx="2">
+              <a:schemeClr val="accent1">
+                <a:shade val="50000"/>
+              </a:schemeClr>
+            </a:lnRef>
+            <a:fillRef idx="1">
+              <a:schemeClr val="accent1"/>
+            </a:fillRef>
+            <a:effectRef idx="0">
+              <a:schemeClr val="accent1"/>
+            </a:effectRef>
+            <a:fontRef idx="minor">
+              <a:schemeClr val="lt1"/>
+            </a:fontRef>
+          </p:style>
+          <p:txBody>
+            <a:bodyPr rtlCol="0" anchor="ctr"/>
+            <a:lstStyle/>
+            <a:p>
+              <a:pPr algn="ctr"/>
+              <a:endParaRPr lang="en-US">
+                <a:latin typeface="Helvetica Light" panose="020B0403020202020204" pitchFamily="34" charset="0"/>
+              </a:endParaRPr>
+            </a:p>
+          </p:txBody>
+        </p:sp>
+        <p:cxnSp>
+          <p:nvCxnSpPr>
+            <p:cNvPr id="14" name="Straight Arrow Connector 13"/>
+            <p:cNvCxnSpPr>
+              <a:stCxn id="9" idx="3"/>
+              <a:endCxn id="12" idx="2"/>
+            </p:cNvCxnSpPr>
+            <p:nvPr/>
+          </p:nvCxnSpPr>
+          <p:spPr>
+            <a:xfrm>
+              <a:off x="3566973" y="1825193"/>
+              <a:ext cx="547827" cy="0"/>
+            </a:xfrm>
+            <a:prstGeom prst="straightConnector1">
+              <a:avLst/>
+            </a:prstGeom>
+            <a:ln>
+              <a:tailEnd type="arrow"/>
+            </a:ln>
+          </p:spPr>
+          <p:style>
+            <a:lnRef idx="1">
+              <a:schemeClr val="accent1"/>
+            </a:lnRef>
+            <a:fillRef idx="0">
+              <a:schemeClr val="accent1"/>
+            </a:fillRef>
+            <a:effectRef idx="0">
+              <a:schemeClr val="accent1"/>
+            </a:effectRef>
+            <a:fontRef idx="minor">
+              <a:schemeClr val="tx1"/>
+            </a:fontRef>
+          </p:style>
+        </p:cxnSp>
+        <p:cxnSp>
+          <p:nvCxnSpPr>
+            <p:cNvPr id="16" name="Straight Arrow Connector 15"/>
+            <p:cNvCxnSpPr>
+              <a:endCxn id="9" idx="1"/>
+            </p:cNvCxnSpPr>
+            <p:nvPr/>
+          </p:nvCxnSpPr>
+          <p:spPr>
+            <a:xfrm flipV="1">
+              <a:off x="1905000" y="1825193"/>
+              <a:ext cx="609600" cy="689407"/>
+            </a:xfrm>
+            <a:prstGeom prst="straightConnector1">
+              <a:avLst/>
+            </a:prstGeom>
+            <a:ln>
+              <a:tailEnd type="arrow"/>
+            </a:ln>
+          </p:spPr>
+          <p:style>
+            <a:lnRef idx="1">
+              <a:schemeClr val="accent1"/>
+            </a:lnRef>
+            <a:fillRef idx="0">
+              <a:schemeClr val="accent1"/>
+            </a:fillRef>
+            <a:effectRef idx="0">
+              <a:schemeClr val="accent1"/>
+            </a:effectRef>
+            <a:fontRef idx="minor">
+              <a:schemeClr val="tx1"/>
+            </a:fontRef>
+          </p:style>
+        </p:cxnSp>
+      </p:grpSp>
+      <p:sp>
+        <p:nvSpPr>
+          <p:cNvPr id="17" name="TextBox 16"/>
+          <p:cNvSpPr txBox="1"/>
+          <p:nvPr/>
+        </p:nvSpPr>
+        <p:spPr>
+          <a:xfrm>
+            <a:off x="4572000" y="3825089"/>
+            <a:ext cx="4288561" cy="2308324"/>
+          </a:xfrm>
+          <a:prstGeom prst="rect">
+            <a:avLst/>
+          </a:prstGeom>
+          <a:noFill/>
+        </p:spPr>
+        <p:txBody>
+          <a:bodyPr wrap="square" rtlCol="0">
+            <a:spAutoFit/>
+          </a:bodyPr>
+          <a:lstStyle/>
+          <a:p>
+            <a:r>
+              <a:rPr lang="en-US" dirty="0">
+                <a:solidFill>
+                  <a:srgbClr val="4A452A"/>
+                </a:solidFill>
+                <a:latin typeface="Helvetica Light" panose="020B0403020202020204" pitchFamily="34" charset="0"/>
+              </a:rPr>
+              <a:t>This mini-</a:t>
+            </a:r>
+            <a:r>
+              <a:rPr lang="en-US" dirty="0" err="1">
+                <a:solidFill>
+                  <a:srgbClr val="4A452A"/>
+                </a:solidFill>
+                <a:latin typeface="Helvetica Light" panose="020B0403020202020204" pitchFamily="34" charset="0"/>
+              </a:rPr>
+              <a:t>filesystem</a:t>
+            </a:r>
+            <a:r>
+              <a:rPr lang="en-US" dirty="0">
+                <a:solidFill>
+                  <a:srgbClr val="4A452A"/>
+                </a:solidFill>
+                <a:latin typeface="Helvetica Light" panose="020B0403020202020204" pitchFamily="34" charset="0"/>
+              </a:rPr>
+              <a:t> is highly optimized and very complicated.  Don’t try to read it directly.</a:t>
+            </a:r>
+          </a:p>
+          <a:p>
+            <a:endParaRPr lang="en-US" dirty="0">
+              <a:solidFill>
+                <a:srgbClr val="4A452A"/>
+              </a:solidFill>
+              <a:latin typeface="Helvetica Light" panose="020B0403020202020204" pitchFamily="34" charset="0"/>
+            </a:endParaRPr>
+          </a:p>
+          <a:p>
+            <a:r>
+              <a:rPr lang="en-US" dirty="0">
+                <a:solidFill>
+                  <a:srgbClr val="4A452A"/>
+                </a:solidFill>
+                <a:latin typeface="Helvetica Light" panose="020B0403020202020204" pitchFamily="34" charset="0"/>
+              </a:rPr>
+              <a:t>The job of the </a:t>
+            </a:r>
+            <a:r>
+              <a:rPr lang="en-US" dirty="0" err="1">
+                <a:solidFill>
+                  <a:srgbClr val="4A452A"/>
+                </a:solidFill>
+                <a:latin typeface="Helvetica Light" panose="020B0403020202020204" pitchFamily="34" charset="0"/>
+              </a:rPr>
+              <a:t>git</a:t>
+            </a:r>
+            <a:r>
+              <a:rPr lang="en-US" dirty="0">
+                <a:solidFill>
+                  <a:srgbClr val="4A452A"/>
+                </a:solidFill>
+                <a:latin typeface="Helvetica Light" panose="020B0403020202020204" pitchFamily="34" charset="0"/>
+              </a:rPr>
+              <a:t> client (either </a:t>
+            </a:r>
+            <a:r>
+              <a:rPr lang="en-US" dirty="0" err="1">
+                <a:solidFill>
+                  <a:srgbClr val="4A452A"/>
+                </a:solidFill>
+                <a:latin typeface="Helvetica Light" panose="020B0403020202020204" pitchFamily="34" charset="0"/>
+              </a:rPr>
+              <a:t>Github</a:t>
+            </a:r>
+            <a:r>
+              <a:rPr lang="en-US" dirty="0">
+                <a:solidFill>
+                  <a:srgbClr val="4A452A"/>
+                </a:solidFill>
+                <a:latin typeface="Helvetica Light" panose="020B0403020202020204" pitchFamily="34" charset="0"/>
+              </a:rPr>
+              <a:t> for Windows, </a:t>
+            </a:r>
+            <a:r>
+              <a:rPr lang="en-US" dirty="0" err="1">
+                <a:solidFill>
+                  <a:srgbClr val="4A452A"/>
+                </a:solidFill>
+                <a:latin typeface="Helvetica Light" panose="020B0403020202020204" pitchFamily="34" charset="0"/>
+              </a:rPr>
+              <a:t>Github</a:t>
+            </a:r>
+            <a:r>
+              <a:rPr lang="en-US" dirty="0">
+                <a:solidFill>
+                  <a:srgbClr val="4A452A"/>
+                </a:solidFill>
+                <a:latin typeface="Helvetica Light" panose="020B0403020202020204" pitchFamily="34" charset="0"/>
+              </a:rPr>
+              <a:t> for Mac, or a suite of command-line utilities) is to manage this for you.</a:t>
+            </a:r>
+          </a:p>
+        </p:txBody>
+      </p:sp>
+    </p:spTree>
+    <p:extLst>
+      <p:ext uri="{BB962C8B-B14F-4D97-AF65-F5344CB8AC3E}">
+        <p14:creationId xmlns:p14="http://schemas.microsoft.com/office/powerpoint/2010/main" val="1011232846"/>
+      </p:ext>
+    </p:extLst>
+  </p:cSld>
+  <p:clrMapOvr>
+    <a:masterClrMapping/>
+  </p:clrMapOvr>
+</p:sld>
+</file>
+
+<file path=ppt/slides/slide12.xml><?xml version="1.0" encoding="utf-8"?>
+<p:sld xmlns:a="http://schemas.openxmlformats.org/drawingml/2006/main" xmlns:r="http://schemas.openxmlformats.org/officeDocument/2006/relationships" xmlns:p="http://schemas.openxmlformats.org/presentationml/2006/main">
+  <p:cSld>
+    <p:spTree>
+      <p:nvGrpSpPr>
+        <p:cNvPr id="1" name=""/>
+        <p:cNvGrpSpPr/>
+        <p:nvPr/>
+      </p:nvGrpSpPr>
+      <p:grpSpPr>
+        <a:xfrm>
+          <a:off x="0" y="0"/>
+          <a:ext cx="0" cy="0"/>
+          <a:chOff x="0" y="0"/>
+          <a:chExt cx="0" cy="0"/>
+        </a:xfrm>
+      </p:grpSpPr>
+      <p:sp>
+        <p:nvSpPr>
           <p:cNvPr id="2" name="Title 1">
             <a:extLst>
               <a:ext uri="{FF2B5EF4-FFF2-40B4-BE49-F238E27FC236}">
@@ -43323,7 +44140,7 @@
 </p:sld>
 </file>
 
-<file path=ppt/slides/slide11.xml><?xml version="1.0" encoding="utf-8"?>
+<file path=ppt/slides/slide13.xml><?xml version="1.0" encoding="utf-8"?>
 <p:sld xmlns:a="http://schemas.openxmlformats.org/drawingml/2006/main" xmlns:r="http://schemas.openxmlformats.org/officeDocument/2006/relationships" xmlns:p="http://schemas.openxmlformats.org/presentationml/2006/main">
   <p:cSld>
     <p:spTree>
@@ -43441,7 +44258,7 @@
 </p:sld>
 </file>
 
-<file path=ppt/slides/slide12.xml><?xml version="1.0" encoding="utf-8"?>
+<file path=ppt/slides/slide14.xml><?xml version="1.0" encoding="utf-8"?>
 <p:sld xmlns:a="http://schemas.openxmlformats.org/drawingml/2006/main" xmlns:r="http://schemas.openxmlformats.org/officeDocument/2006/relationships" xmlns:p="http://schemas.openxmlformats.org/presentationml/2006/main">
   <p:cSld>
     <p:spTree>
@@ -43846,7 +44663,7 @@
 </p:sld>
 </file>
 
-<file path=ppt/slides/slide13.xml><?xml version="1.0" encoding="utf-8"?>
+<file path=ppt/slides/slide15.xml><?xml version="1.0" encoding="utf-8"?>
 <p:sld xmlns:a="http://schemas.openxmlformats.org/drawingml/2006/main" xmlns:r="http://schemas.openxmlformats.org/officeDocument/2006/relationships" xmlns:p="http://schemas.openxmlformats.org/presentationml/2006/main">
   <p:cSld>
     <p:spTree>
@@ -44412,7 +45229,7 @@
 </p:sld>
 </file>
 
-<file path=ppt/slides/slide14.xml><?xml version="1.0" encoding="utf-8"?>
+<file path=ppt/slides/slide16.xml><?xml version="1.0" encoding="utf-8"?>
 <p:sld xmlns:a="http://schemas.openxmlformats.org/drawingml/2006/main" xmlns:r="http://schemas.openxmlformats.org/officeDocument/2006/relationships" xmlns:p="http://schemas.openxmlformats.org/presentationml/2006/main">
   <p:cSld>
     <p:spTree>
@@ -45020,7 +45837,7 @@
 </p:sld>
 </file>
 
-<file path=ppt/slides/slide15.xml><?xml version="1.0" encoding="utf-8"?>
+<file path=ppt/slides/slide17.xml><?xml version="1.0" encoding="utf-8"?>
 <p:sld xmlns:a="http://schemas.openxmlformats.org/drawingml/2006/main" xmlns:r="http://schemas.openxmlformats.org/officeDocument/2006/relationships" xmlns:p="http://schemas.openxmlformats.org/presentationml/2006/main">
   <p:cSld>
     <p:spTree>
@@ -45651,7 +46468,7 @@
 </p:sld>
 </file>
 
-<file path=ppt/slides/slide16.xml><?xml version="1.0" encoding="utf-8"?>
+<file path=ppt/slides/slide18.xml><?xml version="1.0" encoding="utf-8"?>
 <p:sld xmlns:a="http://schemas.openxmlformats.org/drawingml/2006/main" xmlns:r="http://schemas.openxmlformats.org/officeDocument/2006/relationships" xmlns:p="http://schemas.openxmlformats.org/presentationml/2006/main">
   <p:cSld>
     <p:spTree>
@@ -46298,7 +47115,7 @@
 </p:sld>
 </file>
 
-<file path=ppt/slides/slide17.xml><?xml version="1.0" encoding="utf-8"?>
+<file path=ppt/slides/slide19.xml><?xml version="1.0" encoding="utf-8"?>
 <p:sld xmlns:a="http://schemas.openxmlformats.org/drawingml/2006/main" xmlns:r="http://schemas.openxmlformats.org/officeDocument/2006/relationships" xmlns:p="http://schemas.openxmlformats.org/presentationml/2006/main">
   <p:cSld>
     <p:spTree>
@@ -47044,178 +47861,6 @@
 </p:sld>
 </file>
 
-<file path=ppt/slides/slide18.xml><?xml version="1.0" encoding="utf-8"?>
-<p:sld xmlns:a="http://schemas.openxmlformats.org/drawingml/2006/main" xmlns:r="http://schemas.openxmlformats.org/officeDocument/2006/relationships" xmlns:p="http://schemas.openxmlformats.org/presentationml/2006/main">
-  <p:cSld>
-    <p:spTree>
-      <p:nvGrpSpPr>
-        <p:cNvPr id="1" name=""/>
-        <p:cNvGrpSpPr/>
-        <p:nvPr/>
-      </p:nvGrpSpPr>
-      <p:grpSpPr>
-        <a:xfrm>
-          <a:off x="0" y="0"/>
-          <a:ext cx="0" cy="0"/>
-          <a:chOff x="0" y="0"/>
-          <a:chExt cx="0" cy="0"/>
-        </a:xfrm>
-      </p:grpSpPr>
-      <p:sp>
-        <p:nvSpPr>
-          <p:cNvPr id="2" name="Title 1">
-            <a:extLst>
-              <a:ext uri="{FF2B5EF4-FFF2-40B4-BE49-F238E27FC236}">
-                <a16:creationId xmlns:a16="http://schemas.microsoft.com/office/drawing/2014/main" id="{335C5DEF-6349-CD8A-9667-E04A14491BA0}"/>
-              </a:ext>
-            </a:extLst>
-          </p:cNvPr>
-          <p:cNvSpPr>
-            <a:spLocks noGrp="1"/>
-          </p:cNvSpPr>
-          <p:nvPr>
-            <p:ph type="title"/>
-          </p:nvPr>
-        </p:nvSpPr>
-        <p:spPr/>
-        <p:txBody>
-          <a:bodyPr/>
-          <a:lstStyle/>
-          <a:p>
-            <a:r>
-              <a:rPr lang="en-US" dirty="0"/>
-              <a:t>Announcement</a:t>
-            </a:r>
-          </a:p>
-        </p:txBody>
-      </p:sp>
-      <p:sp>
-        <p:nvSpPr>
-          <p:cNvPr id="3" name="Content Placeholder 2">
-            <a:extLst>
-              <a:ext uri="{FF2B5EF4-FFF2-40B4-BE49-F238E27FC236}">
-                <a16:creationId xmlns:a16="http://schemas.microsoft.com/office/drawing/2014/main" id="{E9C49DBC-C97C-1009-4E9C-B5EE642921CF}"/>
-              </a:ext>
-            </a:extLst>
-          </p:cNvPr>
-          <p:cNvSpPr>
-            <a:spLocks noGrp="1"/>
-          </p:cNvSpPr>
-          <p:nvPr>
-            <p:ph idx="1"/>
-          </p:nvPr>
-        </p:nvSpPr>
-        <p:spPr/>
-        <p:txBody>
-          <a:bodyPr/>
-          <a:lstStyle/>
-          <a:p>
-            <a:r>
-              <a:rPr lang="en-US" dirty="0"/>
-              <a:t>Assignments now due Tuesday 12:00PM</a:t>
-            </a:r>
-          </a:p>
-          <a:p>
-            <a:r>
-              <a:rPr lang="en-US" dirty="0"/>
-              <a:t>Xinyi’s OH: Tuesday 9-10AM</a:t>
-            </a:r>
-          </a:p>
-        </p:txBody>
-      </p:sp>
-    </p:spTree>
-    <p:extLst>
-      <p:ext uri="{BB962C8B-B14F-4D97-AF65-F5344CB8AC3E}">
-        <p14:creationId xmlns:p14="http://schemas.microsoft.com/office/powerpoint/2010/main" val="1071165817"/>
-      </p:ext>
-    </p:extLst>
-  </p:cSld>
-  <p:clrMapOvr>
-    <a:masterClrMapping/>
-  </p:clrMapOvr>
-</p:sld>
-</file>
-
-<file path=ppt/slides/slide19.xml><?xml version="1.0" encoding="utf-8"?>
-<p:sld xmlns:a="http://schemas.openxmlformats.org/drawingml/2006/main" xmlns:r="http://schemas.openxmlformats.org/officeDocument/2006/relationships" xmlns:p="http://schemas.openxmlformats.org/presentationml/2006/main">
-  <p:cSld>
-    <p:spTree>
-      <p:nvGrpSpPr>
-        <p:cNvPr id="1" name=""/>
-        <p:cNvGrpSpPr/>
-        <p:nvPr/>
-      </p:nvGrpSpPr>
-      <p:grpSpPr>
-        <a:xfrm>
-          <a:off x="0" y="0"/>
-          <a:ext cx="0" cy="0"/>
-          <a:chOff x="0" y="0"/>
-          <a:chExt cx="0" cy="0"/>
-        </a:xfrm>
-      </p:grpSpPr>
-      <p:sp>
-        <p:nvSpPr>
-          <p:cNvPr id="2" name="Title 1"/>
-          <p:cNvSpPr>
-            <a:spLocks noGrp="1"/>
-          </p:cNvSpPr>
-          <p:nvPr>
-            <p:ph type="title"/>
-          </p:nvPr>
-        </p:nvSpPr>
-        <p:spPr/>
-        <p:txBody>
-          <a:bodyPr/>
-          <a:lstStyle/>
-          <a:p>
-            <a:r>
-              <a:rPr lang="en-US" sz="3600" b="0" dirty="0">
-                <a:solidFill>
-                  <a:srgbClr val="4A452A"/>
-                </a:solidFill>
-                <a:latin typeface="Helvetica Light" panose="020B0403020202020204" pitchFamily="34" charset="0"/>
-                <a:cs typeface="Calibri" panose="020F0502020204030204" pitchFamily="34" charset="0"/>
-              </a:rPr>
-              <a:t>Introduction TO UNIT TESTING and JUNIT 5</a:t>
-            </a:r>
-          </a:p>
-        </p:txBody>
-      </p:sp>
-      <p:sp>
-        <p:nvSpPr>
-          <p:cNvPr id="3" name="Text Placeholder 2"/>
-          <p:cNvSpPr>
-            <a:spLocks noGrp="1"/>
-          </p:cNvSpPr>
-          <p:nvPr>
-            <p:ph type="body" idx="1"/>
-          </p:nvPr>
-        </p:nvSpPr>
-        <p:spPr/>
-        <p:txBody>
-          <a:bodyPr/>
-          <a:lstStyle/>
-          <a:p>
-            <a:endParaRPr lang="en-US" sz="3000" dirty="0">
-              <a:latin typeface="Helvetica Light" panose="020B0403020202020204" pitchFamily="34" charset="0"/>
-              <a:cs typeface="Calibri" panose="020F0502020204030204" pitchFamily="34" charset="0"/>
-            </a:endParaRPr>
-          </a:p>
-        </p:txBody>
-      </p:sp>
-    </p:spTree>
-    <p:extLst>
-      <p:ext uri="{BB962C8B-B14F-4D97-AF65-F5344CB8AC3E}">
-        <p14:creationId xmlns:p14="http://schemas.microsoft.com/office/powerpoint/2010/main" val="2141416265"/>
-      </p:ext>
-    </p:extLst>
-  </p:cSld>
-  <p:clrMapOvr>
-    <a:masterClrMapping/>
-  </p:clrMapOvr>
-</p:sld>
-</file>
-
 <file path=ppt/slides/slide2.xml><?xml version="1.0" encoding="utf-8"?>
 <p:sld xmlns:a="http://schemas.openxmlformats.org/drawingml/2006/main" xmlns:r="http://schemas.openxmlformats.org/officeDocument/2006/relationships" xmlns:p="http://schemas.openxmlformats.org/presentationml/2006/main">
   <p:cSld>
@@ -47522,6 +48167,86 @@
 </file>
 
 <file path=ppt/slides/slide20.xml><?xml version="1.0" encoding="utf-8"?>
+<p:sld xmlns:a="http://schemas.openxmlformats.org/drawingml/2006/main" xmlns:r="http://schemas.openxmlformats.org/officeDocument/2006/relationships" xmlns:p="http://schemas.openxmlformats.org/presentationml/2006/main">
+  <p:cSld>
+    <p:spTree>
+      <p:nvGrpSpPr>
+        <p:cNvPr id="1" name=""/>
+        <p:cNvGrpSpPr/>
+        <p:nvPr/>
+      </p:nvGrpSpPr>
+      <p:grpSpPr>
+        <a:xfrm>
+          <a:off x="0" y="0"/>
+          <a:ext cx="0" cy="0"/>
+          <a:chOff x="0" y="0"/>
+          <a:chExt cx="0" cy="0"/>
+        </a:xfrm>
+      </p:grpSpPr>
+      <p:sp>
+        <p:nvSpPr>
+          <p:cNvPr id="2" name="Title 1"/>
+          <p:cNvSpPr>
+            <a:spLocks noGrp="1"/>
+          </p:cNvSpPr>
+          <p:nvPr>
+            <p:ph type="title"/>
+          </p:nvPr>
+        </p:nvSpPr>
+        <p:spPr/>
+        <p:txBody>
+          <a:bodyPr/>
+          <a:lstStyle/>
+          <a:p>
+            <a:r>
+              <a:rPr lang="en-US" sz="3600" b="0" dirty="0">
+                <a:solidFill>
+                  <a:srgbClr val="4A452A"/>
+                </a:solidFill>
+                <a:latin typeface="Helvetica Light" panose="020B0403020202020204" pitchFamily="34" charset="0"/>
+                <a:cs typeface="Calibri" panose="020F0502020204030204" pitchFamily="34" charset="0"/>
+              </a:rPr>
+              <a:t>Introduction TO UNIT TESTING and JUNIT 5</a:t>
+            </a:r>
+          </a:p>
+        </p:txBody>
+      </p:sp>
+      <p:sp>
+        <p:nvSpPr>
+          <p:cNvPr id="3" name="Text Placeholder 2"/>
+          <p:cNvSpPr>
+            <a:spLocks noGrp="1"/>
+          </p:cNvSpPr>
+          <p:nvPr>
+            <p:ph type="body" idx="1"/>
+          </p:nvPr>
+        </p:nvSpPr>
+        <p:spPr/>
+        <p:txBody>
+          <a:bodyPr/>
+          <a:lstStyle/>
+          <a:p>
+            <a:endParaRPr lang="en-US" sz="3000" dirty="0">
+              <a:latin typeface="Helvetica Light" panose="020B0403020202020204" pitchFamily="34" charset="0"/>
+              <a:cs typeface="Calibri" panose="020F0502020204030204" pitchFamily="34" charset="0"/>
+            </a:endParaRPr>
+          </a:p>
+        </p:txBody>
+      </p:sp>
+    </p:spTree>
+    <p:extLst>
+      <p:ext uri="{BB962C8B-B14F-4D97-AF65-F5344CB8AC3E}">
+        <p14:creationId xmlns:p14="http://schemas.microsoft.com/office/powerpoint/2010/main" val="2141416265"/>
+      </p:ext>
+    </p:extLst>
+  </p:cSld>
+  <p:clrMapOvr>
+    <a:masterClrMapping/>
+  </p:clrMapOvr>
+</p:sld>
+</file>
+
+<file path=ppt/slides/slide21.xml><?xml version="1.0" encoding="utf-8"?>
 <p:sld xmlns:a="http://schemas.openxmlformats.org/drawingml/2006/main" xmlns:r="http://schemas.openxmlformats.org/officeDocument/2006/relationships" xmlns:p="http://schemas.openxmlformats.org/presentationml/2006/main">
   <p:cSld>
     <p:spTree>
@@ -48134,7 +48859,7 @@
 </p:sld>
 </file>
 
-<file path=ppt/slides/slide21.xml><?xml version="1.0" encoding="utf-8"?>
+<file path=ppt/slides/slide22.xml><?xml version="1.0" encoding="utf-8"?>
 <p:sld xmlns:a="http://schemas.openxmlformats.org/drawingml/2006/main" xmlns:r="http://schemas.openxmlformats.org/officeDocument/2006/relationships" xmlns:p="http://schemas.openxmlformats.org/presentationml/2006/main">
   <p:cSld>
     <p:spTree>
@@ -48240,7 +48965,7 @@
 </p:sld>
 </file>
 
-<file path=ppt/slides/slide22.xml><?xml version="1.0" encoding="utf-8"?>
+<file path=ppt/slides/slide23.xml><?xml version="1.0" encoding="utf-8"?>
 <p:sld xmlns:a="http://schemas.openxmlformats.org/drawingml/2006/main" xmlns:r="http://schemas.openxmlformats.org/officeDocument/2006/relationships" xmlns:p="http://schemas.openxmlformats.org/presentationml/2006/main">
   <p:cSld>
     <p:spTree>
@@ -48366,7 +49091,7 @@
 </p:sld>
 </file>
 
-<file path=ppt/slides/slide23.xml><?xml version="1.0" encoding="utf-8"?>
+<file path=ppt/slides/slide24.xml><?xml version="1.0" encoding="utf-8"?>
 <p:sld xmlns:a="http://schemas.openxmlformats.org/drawingml/2006/main" xmlns:r="http://schemas.openxmlformats.org/officeDocument/2006/relationships" xmlns:p="http://schemas.openxmlformats.org/presentationml/2006/main">
   <p:cSld>
     <p:spTree>
@@ -48497,7 +49222,7 @@
 </p:sld>
 </file>
 
-<file path=ppt/slides/slide24.xml><?xml version="1.0" encoding="utf-8"?>
+<file path=ppt/slides/slide25.xml><?xml version="1.0" encoding="utf-8"?>
 <p:sld xmlns:a="http://schemas.openxmlformats.org/drawingml/2006/main" xmlns:r="http://schemas.openxmlformats.org/officeDocument/2006/relationships" xmlns:p="http://schemas.openxmlformats.org/presentationml/2006/main">
   <p:cSld>
     <p:spTree>
@@ -48620,7 +49345,7 @@
 </p:sld>
 </file>
 
-<file path=ppt/slides/slide25.xml><?xml version="1.0" encoding="utf-8"?>
+<file path=ppt/slides/slide26.xml><?xml version="1.0" encoding="utf-8"?>
 <p:sld xmlns:a="http://schemas.openxmlformats.org/drawingml/2006/main" xmlns:r="http://schemas.openxmlformats.org/officeDocument/2006/relationships" xmlns:p="http://schemas.openxmlformats.org/presentationml/2006/main" show="0">
   <p:cSld>
     <p:spTree>
@@ -49375,64 +50100,6 @@
 </p:sld>
 </file>
 
-<file path=ppt/slides/slide26.xml><?xml version="1.0" encoding="utf-8"?>
-<p:sld xmlns:a="http://schemas.openxmlformats.org/drawingml/2006/main" xmlns:r="http://schemas.openxmlformats.org/officeDocument/2006/relationships" xmlns:p="http://schemas.openxmlformats.org/presentationml/2006/main">
-  <p:cSld>
-    <p:spTree>
-      <p:nvGrpSpPr>
-        <p:cNvPr id="1" name=""/>
-        <p:cNvGrpSpPr/>
-        <p:nvPr/>
-      </p:nvGrpSpPr>
-      <p:grpSpPr>
-        <a:xfrm>
-          <a:off x="0" y="0"/>
-          <a:ext cx="0" cy="0"/>
-          <a:chOff x="0" y="0"/>
-          <a:chExt cx="0" cy="0"/>
-        </a:xfrm>
-      </p:grpSpPr>
-      <p:sp>
-        <p:nvSpPr>
-          <p:cNvPr id="2" name="Title 1">
-            <a:extLst>
-              <a:ext uri="{FF2B5EF4-FFF2-40B4-BE49-F238E27FC236}">
-                <a16:creationId xmlns:a16="http://schemas.microsoft.com/office/drawing/2014/main" id="{A440F130-5562-6CCC-F8E1-B49DFBE1D396}"/>
-              </a:ext>
-            </a:extLst>
-          </p:cNvPr>
-          <p:cNvSpPr>
-            <a:spLocks noGrp="1"/>
-          </p:cNvSpPr>
-          <p:nvPr>
-            <p:ph type="title"/>
-          </p:nvPr>
-        </p:nvSpPr>
-        <p:spPr/>
-        <p:txBody>
-          <a:bodyPr/>
-          <a:lstStyle/>
-          <a:p>
-            <a:r>
-              <a:rPr lang="en-US" dirty="0"/>
-              <a:t>Questions about Lab 1?</a:t>
-            </a:r>
-          </a:p>
-        </p:txBody>
-      </p:sp>
-    </p:spTree>
-    <p:extLst>
-      <p:ext uri="{BB962C8B-B14F-4D97-AF65-F5344CB8AC3E}">
-        <p14:creationId xmlns:p14="http://schemas.microsoft.com/office/powerpoint/2010/main" val="1700682506"/>
-      </p:ext>
-    </p:extLst>
-  </p:cSld>
-  <p:clrMapOvr>
-    <a:masterClrMapping/>
-  </p:clrMapOvr>
-</p:sld>
-</file>
-
 <file path=ppt/slides/slide27.xml><?xml version="1.0" encoding="utf-8"?>
 <p:sld xmlns:a="http://schemas.openxmlformats.org/drawingml/2006/main" xmlns:r="http://schemas.openxmlformats.org/officeDocument/2006/relationships" xmlns:p="http://schemas.openxmlformats.org/presentationml/2006/main">
   <p:cSld>
@@ -49521,7 +50188,7 @@
 </file>
 
 <file path=ppt/slides/slide28.xml><?xml version="1.0" encoding="utf-8"?>
-<p:sld xmlns:a="http://schemas.openxmlformats.org/drawingml/2006/main" xmlns:r="http://schemas.openxmlformats.org/officeDocument/2006/relationships" xmlns:p="http://schemas.openxmlformats.org/presentationml/2006/main">
+<p:sld xmlns:a="http://schemas.openxmlformats.org/drawingml/2006/main" xmlns:r="http://schemas.openxmlformats.org/officeDocument/2006/relationships" xmlns:p="http://schemas.openxmlformats.org/presentationml/2006/main" show="0">
   <p:cSld>
     <p:spTree>
       <p:nvGrpSpPr>
@@ -49709,7 +50376,7 @@
 </file>
 
 <file path=ppt/slides/slide29.xml><?xml version="1.0" encoding="utf-8"?>
-<p:sld xmlns:a="http://schemas.openxmlformats.org/drawingml/2006/main" xmlns:r="http://schemas.openxmlformats.org/officeDocument/2006/relationships" xmlns:p="http://schemas.openxmlformats.org/presentationml/2006/main">
+<p:sld xmlns:a="http://schemas.openxmlformats.org/drawingml/2006/main" xmlns:r="http://schemas.openxmlformats.org/officeDocument/2006/relationships" xmlns:p="http://schemas.openxmlformats.org/presentationml/2006/main" show="0">
   <p:cSld>
     <p:spTree>
       <p:nvGrpSpPr>
@@ -49944,7 +50611,7 @@
 </file>
 
 <file path=ppt/slides/slide30.xml><?xml version="1.0" encoding="utf-8"?>
-<p:sld xmlns:a="http://schemas.openxmlformats.org/drawingml/2006/main" xmlns:r="http://schemas.openxmlformats.org/officeDocument/2006/relationships" xmlns:p="http://schemas.openxmlformats.org/presentationml/2006/main">
+<p:sld xmlns:a="http://schemas.openxmlformats.org/drawingml/2006/main" xmlns:r="http://schemas.openxmlformats.org/officeDocument/2006/relationships" xmlns:p="http://schemas.openxmlformats.org/presentationml/2006/main" show="0">
   <p:cSld>
     <p:spTree>
       <p:nvGrpSpPr>
@@ -50059,6 +50726,248 @@
 <file path=ppt/slides/slide4.xml><?xml version="1.0" encoding="utf-8"?>
 <p:sld xmlns:a="http://schemas.openxmlformats.org/drawingml/2006/main" xmlns:r="http://schemas.openxmlformats.org/officeDocument/2006/relationships" xmlns:p="http://schemas.openxmlformats.org/presentationml/2006/main">
   <p:cSld>
+    <p:bg>
+      <p:bgPr>
+        <a:solidFill>
+          <a:schemeClr val="bg1"/>
+        </a:solidFill>
+        <a:effectLst/>
+      </p:bgPr>
+    </p:bg>
+    <p:spTree>
+      <p:nvGrpSpPr>
+        <p:cNvPr id="1" name=""/>
+        <p:cNvGrpSpPr/>
+        <p:nvPr/>
+      </p:nvGrpSpPr>
+      <p:grpSpPr>
+        <a:xfrm>
+          <a:off x="0" y="0"/>
+          <a:ext cx="0" cy="0"/>
+          <a:chOff x="0" y="0"/>
+          <a:chExt cx="0" cy="0"/>
+        </a:xfrm>
+      </p:grpSpPr>
+      <p:sp>
+        <p:nvSpPr>
+          <p:cNvPr id="24" name="Rectangle 23">
+            <a:extLst>
+              <a:ext uri="{FF2B5EF4-FFF2-40B4-BE49-F238E27FC236}">
+                <a16:creationId xmlns:a16="http://schemas.microsoft.com/office/drawing/2014/main" id="{A4AC5506-6312-4701-8D3C-40187889A947}"/>
+              </a:ext>
+              <a:ext uri="{C183D7F6-B498-43B3-948B-1728B52AA6E4}">
+                <adec:decorative xmlns:adec="http://schemas.microsoft.com/office/drawing/2017/decorative" val="1"/>
+              </a:ext>
+            </a:extLst>
+          </p:cNvPr>
+          <p:cNvSpPr>
+            <a:spLocks noGrp="1" noRot="1" noChangeAspect="1" noMove="1" noResize="1" noEditPoints="1" noAdjustHandles="1" noChangeArrowheads="1" noChangeShapeType="1" noTextEdit="1"/>
+          </p:cNvSpPr>
+          <p:nvPr>
+            <p:extLst>
+              <p:ext uri="{386F3935-93C4-4BCD-93E2-E3B085C9AB24}">
+                <p16:designElem xmlns:p16="http://schemas.microsoft.com/office/powerpoint/2015/main" val="1"/>
+              </p:ext>
+            </p:extLst>
+          </p:nvPr>
+        </p:nvSpPr>
+        <p:spPr>
+          <a:xfrm>
+            <a:off x="0" y="651752"/>
+            <a:ext cx="9144000" cy="736551"/>
+          </a:xfrm>
+          <a:prstGeom prst="rect">
+            <a:avLst/>
+          </a:prstGeom>
+          <a:solidFill>
+            <a:schemeClr val="tx1"/>
+          </a:solidFill>
+          <a:ln>
+            <a:noFill/>
+          </a:ln>
+        </p:spPr>
+        <p:style>
+          <a:lnRef idx="2">
+            <a:schemeClr val="accent1">
+              <a:shade val="50000"/>
+            </a:schemeClr>
+          </a:lnRef>
+          <a:fillRef idx="1">
+            <a:schemeClr val="accent1"/>
+          </a:fillRef>
+          <a:effectRef idx="0">
+            <a:schemeClr val="accent1"/>
+          </a:effectRef>
+          <a:fontRef idx="minor">
+            <a:schemeClr val="lt1"/>
+          </a:fontRef>
+        </p:style>
+        <p:txBody>
+          <a:bodyPr rtlCol="0" anchor="ctr"/>
+          <a:lstStyle/>
+          <a:p>
+            <a:pPr algn="ctr"/>
+            <a:endParaRPr lang="en-US"/>
+          </a:p>
+        </p:txBody>
+      </p:sp>
+      <p:sp>
+        <p:nvSpPr>
+          <p:cNvPr id="2" name="Title 1">
+            <a:extLst>
+              <a:ext uri="{FF2B5EF4-FFF2-40B4-BE49-F238E27FC236}">
+                <a16:creationId xmlns:a16="http://schemas.microsoft.com/office/drawing/2014/main" id="{A440F130-5562-6CCC-F8E1-B49DFBE1D396}"/>
+              </a:ext>
+            </a:extLst>
+          </p:cNvPr>
+          <p:cNvSpPr>
+            <a:spLocks noGrp="1"/>
+          </p:cNvSpPr>
+          <p:nvPr>
+            <p:ph type="title"/>
+          </p:nvPr>
+        </p:nvSpPr>
+        <p:spPr>
+          <a:xfrm>
+            <a:off x="417399" y="643467"/>
+            <a:ext cx="8408193" cy="744836"/>
+          </a:xfrm>
+        </p:spPr>
+        <p:txBody>
+          <a:bodyPr>
+            <a:normAutofit/>
+          </a:bodyPr>
+          <a:lstStyle/>
+          <a:p>
+            <a:r>
+              <a:rPr lang="en-US" sz="2800">
+                <a:solidFill>
+                  <a:schemeClr val="bg1"/>
+                </a:solidFill>
+              </a:rPr>
+              <a:t>Readings for Next Week -&gt; Module 01</a:t>
+            </a:r>
+          </a:p>
+        </p:txBody>
+      </p:sp>
+      <p:pic>
+        <p:nvPicPr>
+          <p:cNvPr id="3" name="Picture 2">
+            <a:extLst>
+              <a:ext uri="{FF2B5EF4-FFF2-40B4-BE49-F238E27FC236}">
+                <a16:creationId xmlns:a16="http://schemas.microsoft.com/office/drawing/2014/main" id="{04A86EF9-1603-0640-0F57-07323A88970C}"/>
+              </a:ext>
+            </a:extLst>
+          </p:cNvPr>
+          <p:cNvPicPr>
+            <a:picLocks noChangeAspect="1"/>
+          </p:cNvPicPr>
+          <p:nvPr/>
+        </p:nvPicPr>
+        <p:blipFill>
+          <a:blip r:embed="rId2"/>
+          <a:stretch>
+            <a:fillRect/>
+          </a:stretch>
+        </p:blipFill>
+        <p:spPr>
+          <a:xfrm>
+            <a:off x="482600" y="3126011"/>
+            <a:ext cx="8178799" cy="1492630"/>
+          </a:xfrm>
+          <a:prstGeom prst="rect">
+            <a:avLst/>
+          </a:prstGeom>
+        </p:spPr>
+      </p:pic>
+    </p:spTree>
+    <p:extLst>
+      <p:ext uri="{BB962C8B-B14F-4D97-AF65-F5344CB8AC3E}">
+        <p14:creationId xmlns:p14="http://schemas.microsoft.com/office/powerpoint/2010/main" val="1700682506"/>
+      </p:ext>
+    </p:extLst>
+  </p:cSld>
+  <p:clrMapOvr>
+    <a:masterClrMapping/>
+  </p:clrMapOvr>
+</p:sld>
+</file>
+
+<file path=ppt/slides/slide5.xml><?xml version="1.0" encoding="utf-8"?>
+<p:sld xmlns:a="http://schemas.openxmlformats.org/drawingml/2006/main" xmlns:r="http://schemas.openxmlformats.org/officeDocument/2006/relationships" xmlns:p="http://schemas.openxmlformats.org/presentationml/2006/main">
+  <p:cSld>
+    <p:spTree>
+      <p:nvGrpSpPr>
+        <p:cNvPr id="1" name=""/>
+        <p:cNvGrpSpPr/>
+        <p:nvPr/>
+      </p:nvGrpSpPr>
+      <p:grpSpPr>
+        <a:xfrm>
+          <a:off x="0" y="0"/>
+          <a:ext cx="0" cy="0"/>
+          <a:chOff x="0" y="0"/>
+          <a:chExt cx="0" cy="0"/>
+        </a:xfrm>
+      </p:grpSpPr>
+      <p:sp>
+        <p:nvSpPr>
+          <p:cNvPr id="2" name="Title 1">
+            <a:extLst>
+              <a:ext uri="{FF2B5EF4-FFF2-40B4-BE49-F238E27FC236}">
+                <a16:creationId xmlns:a16="http://schemas.microsoft.com/office/drawing/2014/main" id="{22759BD2-FC7A-5D36-5936-C15122F704EC}"/>
+              </a:ext>
+            </a:extLst>
+          </p:cNvPr>
+          <p:cNvSpPr>
+            <a:spLocks noGrp="1"/>
+          </p:cNvSpPr>
+          <p:nvPr>
+            <p:ph type="title"/>
+          </p:nvPr>
+        </p:nvSpPr>
+        <p:spPr>
+          <a:xfrm>
+            <a:off x="457200" y="792162"/>
+            <a:ext cx="8229600" cy="2103438"/>
+          </a:xfrm>
+        </p:spPr>
+        <p:txBody>
+          <a:bodyPr>
+            <a:normAutofit/>
+          </a:bodyPr>
+          <a:lstStyle/>
+          <a:p>
+            <a:r>
+              <a:rPr lang="en-US" dirty="0"/>
+              <a:t>IDE:</a:t>
+            </a:r>
+            <a:br>
+              <a:rPr lang="en-US" dirty="0"/>
+            </a:br>
+            <a:r>
+              <a:rPr lang="en-US" dirty="0"/>
+              <a:t>IntelliJ is preferred; course staff can better help you troubleshoot with IntelliJ.</a:t>
+            </a:r>
+          </a:p>
+        </p:txBody>
+      </p:sp>
+    </p:spTree>
+    <p:extLst>
+      <p:ext uri="{BB962C8B-B14F-4D97-AF65-F5344CB8AC3E}">
+        <p14:creationId xmlns:p14="http://schemas.microsoft.com/office/powerpoint/2010/main" val="2952539415"/>
+      </p:ext>
+    </p:extLst>
+  </p:cSld>
+  <p:clrMapOvr>
+    <a:masterClrMapping/>
+  </p:clrMapOvr>
+</p:sld>
+</file>
+
+<file path=ppt/slides/slide6.xml><?xml version="1.0" encoding="utf-8"?>
+<p:sld xmlns:a="http://schemas.openxmlformats.org/drawingml/2006/main" xmlns:r="http://schemas.openxmlformats.org/officeDocument/2006/relationships" xmlns:p="http://schemas.openxmlformats.org/presentationml/2006/main">
+  <p:cSld>
     <p:spTree>
       <p:nvGrpSpPr>
         <p:cNvPr id="1" name=""/>
@@ -50136,7 +51045,7 @@
 </p:sld>
 </file>
 
-<file path=ppt/slides/slide5.xml><?xml version="1.0" encoding="utf-8"?>
+<file path=ppt/slides/slide7.xml><?xml version="1.0" encoding="utf-8"?>
 <p:sld xmlns:a="http://schemas.openxmlformats.org/drawingml/2006/main" xmlns:r="http://schemas.openxmlformats.org/officeDocument/2006/relationships" xmlns:p="http://schemas.openxmlformats.org/presentationml/2006/main">
   <p:cSld>
     <p:spTree>
@@ -50337,7 +51246,7 @@
 </p:sld>
 </file>
 
-<file path=ppt/slides/slide6.xml><?xml version="1.0" encoding="utf-8"?>
+<file path=ppt/slides/slide8.xml><?xml version="1.0" encoding="utf-8"?>
 <p:sld xmlns:a="http://schemas.openxmlformats.org/drawingml/2006/main" xmlns:r="http://schemas.openxmlformats.org/officeDocument/2006/relationships" xmlns:p="http://schemas.openxmlformats.org/presentationml/2006/main" show="0">
   <p:cSld>
     <p:spTree>
@@ -50472,7 +51381,7 @@
                 <a:latin typeface="Helvetica Light" panose="020B0403020202020204" pitchFamily="34" charset="0"/>
               </a:rPr>
               <a:pPr/>
-              <a:t>6</a:t>
+              <a:t>8</a:t>
             </a:fld>
             <a:endParaRPr lang="en-US">
               <a:solidFill>
@@ -50574,7 +51483,7 @@
 </p:sld>
 </file>
 
-<file path=ppt/slides/slide7.xml><?xml version="1.0" encoding="utf-8"?>
+<file path=ppt/slides/slide9.xml><?xml version="1.0" encoding="utf-8"?>
 <p:sld xmlns:a="http://schemas.openxmlformats.org/drawingml/2006/main" xmlns:r="http://schemas.openxmlformats.org/officeDocument/2006/relationships" xmlns:p="http://schemas.openxmlformats.org/presentationml/2006/main">
   <p:cSld>
     <p:spTree>
@@ -50693,823 +51602,6 @@
     <p:extLst>
       <p:ext uri="{BB962C8B-B14F-4D97-AF65-F5344CB8AC3E}">
         <p14:creationId xmlns:p14="http://schemas.microsoft.com/office/powerpoint/2010/main" val="182717293"/>
-      </p:ext>
-    </p:extLst>
-  </p:cSld>
-  <p:clrMapOvr>
-    <a:masterClrMapping/>
-  </p:clrMapOvr>
-</p:sld>
-</file>
-
-<file path=ppt/slides/slide8.xml><?xml version="1.0" encoding="utf-8"?>
-<p:sld xmlns:a="http://schemas.openxmlformats.org/drawingml/2006/main" xmlns:r="http://schemas.openxmlformats.org/officeDocument/2006/relationships" xmlns:p="http://schemas.openxmlformats.org/presentationml/2006/main">
-  <p:cSld>
-    <p:spTree>
-      <p:nvGrpSpPr>
-        <p:cNvPr id="1" name=""/>
-        <p:cNvGrpSpPr/>
-        <p:nvPr/>
-      </p:nvGrpSpPr>
-      <p:grpSpPr>
-        <a:xfrm>
-          <a:off x="0" y="0"/>
-          <a:ext cx="0" cy="0"/>
-          <a:chOff x="0" y="0"/>
-          <a:chExt cx="0" cy="0"/>
-        </a:xfrm>
-      </p:grpSpPr>
-      <p:sp>
-        <p:nvSpPr>
-          <p:cNvPr id="2" name="Title 1"/>
-          <p:cNvSpPr>
-            <a:spLocks noGrp="1"/>
-          </p:cNvSpPr>
-          <p:nvPr>
-            <p:ph type="title"/>
-          </p:nvPr>
-        </p:nvSpPr>
-        <p:spPr>
-          <a:xfrm>
-            <a:off x="381000" y="152400"/>
-            <a:ext cx="8415338" cy="914400"/>
-          </a:xfrm>
-        </p:spPr>
-        <p:txBody>
-          <a:bodyPr/>
-          <a:lstStyle/>
-          <a:p>
-            <a:r>
-              <a:rPr lang="en-US" dirty="0">
-                <a:solidFill>
-                  <a:srgbClr val="C00000"/>
-                </a:solidFill>
-                <a:latin typeface="Helvetica Light" panose="020B0403020202020204" pitchFamily="34" charset="0"/>
-              </a:rPr>
-              <a:t>Your Files in Your git Repository</a:t>
-            </a:r>
-          </a:p>
-        </p:txBody>
-      </p:sp>
-      <p:graphicFrame>
-        <p:nvGraphicFramePr>
-          <p:cNvPr id="4" name="Diagram 3"/>
-          <p:cNvGraphicFramePr/>
-          <p:nvPr>
-            <p:extLst>
-              <p:ext uri="{D42A27DB-BD31-4B8C-83A1-F6EECF244321}">
-                <p14:modId xmlns:p14="http://schemas.microsoft.com/office/powerpoint/2010/main" val="3805266167"/>
-              </p:ext>
-            </p:extLst>
-          </p:nvPr>
-        </p:nvGraphicFramePr>
-        <p:xfrm>
-          <a:off x="1371600" y="1143000"/>
-          <a:ext cx="2209800" cy="4038600"/>
-        </p:xfrm>
-        <a:graphic>
-          <a:graphicData uri="http://schemas.openxmlformats.org/drawingml/2006/diagram">
-            <dgm:relIds xmlns:dgm="http://schemas.openxmlformats.org/drawingml/2006/diagram" xmlns:r="http://schemas.openxmlformats.org/officeDocument/2006/relationships" r:dm="rId2" r:lo="rId3" r:qs="rId4" r:cs="rId5"/>
-          </a:graphicData>
-        </a:graphic>
-      </p:graphicFrame>
-      <p:sp>
-        <p:nvSpPr>
-          <p:cNvPr id="9" name="Rounded Rectangle 8"/>
-          <p:cNvSpPr/>
-          <p:nvPr/>
-        </p:nvSpPr>
-        <p:spPr>
-          <a:xfrm>
-            <a:off x="2514600" y="1524000"/>
-            <a:ext cx="1052373" cy="602386"/>
-          </a:xfrm>
-          <a:prstGeom prst="roundRect">
-            <a:avLst>
-              <a:gd name="adj" fmla="val 10000"/>
-            </a:avLst>
-          </a:prstGeom>
-        </p:spPr>
-        <p:style>
-          <a:lnRef idx="2">
-            <a:schemeClr val="lt1">
-              <a:hueOff val="0"/>
-              <a:satOff val="0"/>
-              <a:lumOff val="0"/>
-              <a:alphaOff val="0"/>
-            </a:schemeClr>
-          </a:lnRef>
-          <a:fillRef idx="1">
-            <a:schemeClr val="accent1">
-              <a:hueOff val="0"/>
-              <a:satOff val="0"/>
-              <a:lumOff val="0"/>
-              <a:alphaOff val="0"/>
-            </a:schemeClr>
-          </a:fillRef>
-          <a:effectRef idx="0">
-            <a:schemeClr val="accent1">
-              <a:hueOff val="0"/>
-              <a:satOff val="0"/>
-              <a:lumOff val="0"/>
-              <a:alphaOff val="0"/>
-            </a:schemeClr>
-          </a:effectRef>
-          <a:fontRef idx="minor">
-            <a:schemeClr val="lt1"/>
-          </a:fontRef>
-        </p:style>
-        <p:txBody>
-          <a:bodyPr anchor="ctr"/>
-          <a:lstStyle/>
-          <a:p>
-            <a:pPr algn="ctr"/>
-            <a:r>
-              <a:rPr lang="en-US" dirty="0">
-                <a:latin typeface="Helvetica Light" panose="020B0403020202020204" pitchFamily="34" charset="0"/>
-              </a:rPr>
-              <a:t>.</a:t>
-            </a:r>
-            <a:r>
-              <a:rPr lang="en-US" dirty="0" err="1">
-                <a:latin typeface="Helvetica Light" panose="020B0403020202020204" pitchFamily="34" charset="0"/>
-              </a:rPr>
-              <a:t>git</a:t>
-            </a:r>
-            <a:endParaRPr lang="en-US" dirty="0">
-              <a:latin typeface="Helvetica Light" panose="020B0403020202020204" pitchFamily="34" charset="0"/>
-            </a:endParaRPr>
-          </a:p>
-        </p:txBody>
-      </p:sp>
-      <p:sp>
-        <p:nvSpPr>
-          <p:cNvPr id="12" name="Flowchart: Magnetic Disk 11"/>
-          <p:cNvSpPr/>
-          <p:nvPr/>
-        </p:nvSpPr>
-        <p:spPr>
-          <a:xfrm>
-            <a:off x="4114800" y="1250086"/>
-            <a:ext cx="914400" cy="1150214"/>
-          </a:xfrm>
-          <a:prstGeom prst="flowChartMagneticDisk">
-            <a:avLst/>
-          </a:prstGeom>
-          <a:solidFill>
-            <a:schemeClr val="tx2">
-              <a:lumMod val="20000"/>
-              <a:lumOff val="80000"/>
-            </a:schemeClr>
-          </a:solidFill>
-        </p:spPr>
-        <p:style>
-          <a:lnRef idx="2">
-            <a:schemeClr val="accent1">
-              <a:shade val="50000"/>
-            </a:schemeClr>
-          </a:lnRef>
-          <a:fillRef idx="1">
-            <a:schemeClr val="accent1"/>
-          </a:fillRef>
-          <a:effectRef idx="0">
-            <a:schemeClr val="accent1"/>
-          </a:effectRef>
-          <a:fontRef idx="minor">
-            <a:schemeClr val="lt1"/>
-          </a:fontRef>
-        </p:style>
-        <p:txBody>
-          <a:bodyPr rtlCol="0" anchor="ctr"/>
-          <a:lstStyle/>
-          <a:p>
-            <a:pPr algn="ctr"/>
-            <a:endParaRPr lang="en-US">
-              <a:latin typeface="Helvetica Light" panose="020B0403020202020204" pitchFamily="34" charset="0"/>
-            </a:endParaRPr>
-          </a:p>
-        </p:txBody>
-      </p:sp>
-      <p:cxnSp>
-        <p:nvCxnSpPr>
-          <p:cNvPr id="14" name="Straight Arrow Connector 13"/>
-          <p:cNvCxnSpPr>
-            <a:stCxn id="9" idx="3"/>
-            <a:endCxn id="12" idx="2"/>
-          </p:cNvCxnSpPr>
-          <p:nvPr/>
-        </p:nvCxnSpPr>
-        <p:spPr>
-          <a:xfrm>
-            <a:off x="3566973" y="1825193"/>
-            <a:ext cx="547827" cy="0"/>
-          </a:xfrm>
-          <a:prstGeom prst="straightConnector1">
-            <a:avLst/>
-          </a:prstGeom>
-          <a:ln>
-            <a:tailEnd type="arrow"/>
-          </a:ln>
-        </p:spPr>
-        <p:style>
-          <a:lnRef idx="1">
-            <a:schemeClr val="accent1"/>
-          </a:lnRef>
-          <a:fillRef idx="0">
-            <a:schemeClr val="accent1"/>
-          </a:fillRef>
-          <a:effectRef idx="0">
-            <a:schemeClr val="accent1"/>
-          </a:effectRef>
-          <a:fontRef idx="minor">
-            <a:schemeClr val="tx1"/>
-          </a:fontRef>
-        </p:style>
-      </p:cxnSp>
-      <p:cxnSp>
-        <p:nvCxnSpPr>
-          <p:cNvPr id="16" name="Straight Arrow Connector 15"/>
-          <p:cNvCxnSpPr>
-            <a:endCxn id="9" idx="1"/>
-          </p:cNvCxnSpPr>
-          <p:nvPr/>
-        </p:nvCxnSpPr>
-        <p:spPr>
-          <a:xfrm flipV="1">
-            <a:off x="1905000" y="1825193"/>
-            <a:ext cx="609600" cy="689407"/>
-          </a:xfrm>
-          <a:prstGeom prst="straightConnector1">
-            <a:avLst/>
-          </a:prstGeom>
-          <a:ln>
-            <a:tailEnd type="arrow"/>
-          </a:ln>
-        </p:spPr>
-        <p:style>
-          <a:lnRef idx="1">
-            <a:schemeClr val="accent1"/>
-          </a:lnRef>
-          <a:fillRef idx="0">
-            <a:schemeClr val="accent1"/>
-          </a:fillRef>
-          <a:effectRef idx="0">
-            <a:schemeClr val="accent1"/>
-          </a:effectRef>
-          <a:fontRef idx="minor">
-            <a:schemeClr val="tx1"/>
-          </a:fontRef>
-        </p:style>
-      </p:cxnSp>
-      <p:sp>
-        <p:nvSpPr>
-          <p:cNvPr id="17" name="TextBox 16"/>
-          <p:cNvSpPr txBox="1"/>
-          <p:nvPr/>
-        </p:nvSpPr>
-        <p:spPr>
-          <a:xfrm>
-            <a:off x="3840886" y="2743200"/>
-            <a:ext cx="4288561" cy="2585323"/>
-          </a:xfrm>
-          <a:prstGeom prst="rect">
-            <a:avLst/>
-          </a:prstGeom>
-          <a:noFill/>
-        </p:spPr>
-        <p:txBody>
-          <a:bodyPr wrap="square" rtlCol="0">
-            <a:spAutoFit/>
-          </a:bodyPr>
-          <a:lstStyle/>
-          <a:p>
-            <a:r>
-              <a:rPr lang="en-US" dirty="0">
-                <a:solidFill>
-                  <a:srgbClr val="4A452A"/>
-                </a:solidFill>
-                <a:latin typeface="Helvetica Light" panose="020B0403020202020204" pitchFamily="34" charset="0"/>
-              </a:rPr>
-              <a:t>When you have a </a:t>
-            </a:r>
-            <a:r>
-              <a:rPr lang="en-US" dirty="0" err="1">
-                <a:solidFill>
-                  <a:srgbClr val="4A452A"/>
-                </a:solidFill>
-                <a:latin typeface="Helvetica Light" panose="020B0403020202020204" pitchFamily="34" charset="0"/>
-              </a:rPr>
-              <a:t>git</a:t>
-            </a:r>
-            <a:r>
-              <a:rPr lang="en-US" dirty="0">
-                <a:solidFill>
-                  <a:srgbClr val="4A452A"/>
-                </a:solidFill>
-                <a:latin typeface="Helvetica Light" panose="020B0403020202020204" pitchFamily="34" charset="0"/>
-              </a:rPr>
-              <a:t> repository, you have an additional directory called .</a:t>
-            </a:r>
-            <a:r>
-              <a:rPr lang="en-US" dirty="0" err="1">
-                <a:solidFill>
-                  <a:srgbClr val="4A452A"/>
-                </a:solidFill>
-                <a:latin typeface="Helvetica Light" panose="020B0403020202020204" pitchFamily="34" charset="0"/>
-              </a:rPr>
-              <a:t>git</a:t>
-            </a:r>
-            <a:r>
-              <a:rPr lang="en-US" dirty="0">
-                <a:solidFill>
-                  <a:srgbClr val="4A452A"/>
-                </a:solidFill>
-                <a:latin typeface="Helvetica Light" panose="020B0403020202020204" pitchFamily="34" charset="0"/>
-              </a:rPr>
-              <a:t>, which points at a mini-</a:t>
-            </a:r>
-            <a:r>
-              <a:rPr lang="en-US" dirty="0" err="1">
-                <a:solidFill>
-                  <a:srgbClr val="4A452A"/>
-                </a:solidFill>
-                <a:latin typeface="Helvetica Light" panose="020B0403020202020204" pitchFamily="34" charset="0"/>
-              </a:rPr>
-              <a:t>filesystem</a:t>
-            </a:r>
-            <a:r>
-              <a:rPr lang="en-US" dirty="0">
-                <a:solidFill>
-                  <a:srgbClr val="4A452A"/>
-                </a:solidFill>
-                <a:latin typeface="Helvetica Light" panose="020B0403020202020204" pitchFamily="34" charset="0"/>
-              </a:rPr>
-              <a:t>.   </a:t>
-            </a:r>
-          </a:p>
-          <a:p>
-            <a:endParaRPr lang="en-US" dirty="0">
-              <a:solidFill>
-                <a:srgbClr val="4A452A"/>
-              </a:solidFill>
-              <a:latin typeface="Helvetica Light" panose="020B0403020202020204" pitchFamily="34" charset="0"/>
-            </a:endParaRPr>
-          </a:p>
-          <a:p>
-            <a:r>
-              <a:rPr lang="en-US" dirty="0">
-                <a:solidFill>
-                  <a:srgbClr val="4A452A"/>
-                </a:solidFill>
-                <a:latin typeface="Helvetica Light" panose="020B0403020202020204" pitchFamily="34" charset="0"/>
-              </a:rPr>
-              <a:t>This file system keeps all your data, plus the bells and whistles that </a:t>
-            </a:r>
-            <a:r>
-              <a:rPr lang="en-US" dirty="0" err="1">
-                <a:solidFill>
-                  <a:srgbClr val="4A452A"/>
-                </a:solidFill>
-                <a:latin typeface="Helvetica Light" panose="020B0403020202020204" pitchFamily="34" charset="0"/>
-              </a:rPr>
-              <a:t>git</a:t>
-            </a:r>
-            <a:r>
-              <a:rPr lang="en-US" dirty="0">
-                <a:solidFill>
-                  <a:srgbClr val="4A452A"/>
-                </a:solidFill>
-                <a:latin typeface="Helvetica Light" panose="020B0403020202020204" pitchFamily="34" charset="0"/>
-              </a:rPr>
-              <a:t> needs to do its job.  </a:t>
-            </a:r>
-          </a:p>
-          <a:p>
-            <a:endParaRPr lang="en-US" dirty="0">
-              <a:solidFill>
-                <a:srgbClr val="4A452A"/>
-              </a:solidFill>
-              <a:latin typeface="Helvetica Light" panose="020B0403020202020204" pitchFamily="34" charset="0"/>
-            </a:endParaRPr>
-          </a:p>
-          <a:p>
-            <a:r>
-              <a:rPr lang="en-US" dirty="0">
-                <a:solidFill>
-                  <a:srgbClr val="4A452A"/>
-                </a:solidFill>
-                <a:latin typeface="Helvetica Light" panose="020B0403020202020204" pitchFamily="34" charset="0"/>
-              </a:rPr>
-              <a:t>All this sits on your local machine.</a:t>
-            </a:r>
-          </a:p>
-        </p:txBody>
-      </p:sp>
-    </p:spTree>
-    <p:extLst>
-      <p:ext uri="{BB962C8B-B14F-4D97-AF65-F5344CB8AC3E}">
-        <p14:creationId xmlns:p14="http://schemas.microsoft.com/office/powerpoint/2010/main" val="1100472739"/>
-      </p:ext>
-    </p:extLst>
-  </p:cSld>
-  <p:clrMapOvr>
-    <a:masterClrMapping/>
-  </p:clrMapOvr>
-</p:sld>
-</file>
-
-<file path=ppt/slides/slide9.xml><?xml version="1.0" encoding="utf-8"?>
-<p:sld xmlns:a="http://schemas.openxmlformats.org/drawingml/2006/main" xmlns:r="http://schemas.openxmlformats.org/officeDocument/2006/relationships" xmlns:p="http://schemas.openxmlformats.org/presentationml/2006/main">
-  <p:cSld>
-    <p:spTree>
-      <p:nvGrpSpPr>
-        <p:cNvPr id="1" name=""/>
-        <p:cNvGrpSpPr/>
-        <p:nvPr/>
-      </p:nvGrpSpPr>
-      <p:grpSpPr>
-        <a:xfrm>
-          <a:off x="0" y="0"/>
-          <a:ext cx="0" cy="0"/>
-          <a:chOff x="0" y="0"/>
-          <a:chExt cx="0" cy="0"/>
-        </a:xfrm>
-      </p:grpSpPr>
-      <p:sp>
-        <p:nvSpPr>
-          <p:cNvPr id="2" name="Title 1"/>
-          <p:cNvSpPr>
-            <a:spLocks noGrp="1"/>
-          </p:cNvSpPr>
-          <p:nvPr>
-            <p:ph type="title"/>
-          </p:nvPr>
-        </p:nvSpPr>
-        <p:spPr/>
-        <p:txBody>
-          <a:bodyPr/>
-          <a:lstStyle/>
-          <a:p>
-            <a:r>
-              <a:rPr lang="en-US" dirty="0">
-                <a:solidFill>
-                  <a:srgbClr val="C00000"/>
-                </a:solidFill>
-                <a:latin typeface="Helvetica Light" panose="020B0403020202020204" pitchFamily="34" charset="0"/>
-              </a:rPr>
-              <a:t>The git Client</a:t>
-            </a:r>
-          </a:p>
-        </p:txBody>
-      </p:sp>
-      <p:grpSp>
-        <p:nvGrpSpPr>
-          <p:cNvPr id="5" name="Group 4"/>
-          <p:cNvGrpSpPr/>
-          <p:nvPr/>
-        </p:nvGrpSpPr>
-        <p:grpSpPr>
-          <a:xfrm>
-            <a:off x="1371600" y="2286000"/>
-            <a:ext cx="3657600" cy="4038600"/>
-            <a:chOff x="1371600" y="1143000"/>
-            <a:chExt cx="3657600" cy="4038600"/>
-          </a:xfrm>
-        </p:grpSpPr>
-        <p:graphicFrame>
-          <p:nvGraphicFramePr>
-            <p:cNvPr id="4" name="Diagram 3"/>
-            <p:cNvGraphicFramePr/>
-            <p:nvPr/>
-          </p:nvGraphicFramePr>
-          <p:xfrm>
-            <a:off x="1371600" y="1143000"/>
-            <a:ext cx="2209800" cy="4038600"/>
-          </p:xfrm>
-          <a:graphic>
-            <a:graphicData uri="http://schemas.openxmlformats.org/drawingml/2006/diagram">
-              <dgm:relIds xmlns:dgm="http://schemas.openxmlformats.org/drawingml/2006/diagram" xmlns:r="http://schemas.openxmlformats.org/officeDocument/2006/relationships" r:dm="rId2" r:lo="rId3" r:qs="rId4" r:cs="rId5"/>
-            </a:graphicData>
-          </a:graphic>
-        </p:graphicFrame>
-        <p:sp>
-          <p:nvSpPr>
-            <p:cNvPr id="9" name="Rounded Rectangle 8"/>
-            <p:cNvSpPr/>
-            <p:nvPr/>
-          </p:nvSpPr>
-          <p:spPr>
-            <a:xfrm>
-              <a:off x="2514600" y="1524000"/>
-              <a:ext cx="1052373" cy="602386"/>
-            </a:xfrm>
-            <a:prstGeom prst="roundRect">
-              <a:avLst>
-                <a:gd name="adj" fmla="val 10000"/>
-              </a:avLst>
-            </a:prstGeom>
-          </p:spPr>
-          <p:style>
-            <a:lnRef idx="2">
-              <a:schemeClr val="lt1">
-                <a:hueOff val="0"/>
-                <a:satOff val="0"/>
-                <a:lumOff val="0"/>
-                <a:alphaOff val="0"/>
-              </a:schemeClr>
-            </a:lnRef>
-            <a:fillRef idx="1">
-              <a:schemeClr val="accent1">
-                <a:hueOff val="0"/>
-                <a:satOff val="0"/>
-                <a:lumOff val="0"/>
-                <a:alphaOff val="0"/>
-              </a:schemeClr>
-            </a:fillRef>
-            <a:effectRef idx="0">
-              <a:schemeClr val="accent1">
-                <a:hueOff val="0"/>
-                <a:satOff val="0"/>
-                <a:lumOff val="0"/>
-                <a:alphaOff val="0"/>
-              </a:schemeClr>
-            </a:effectRef>
-            <a:fontRef idx="minor">
-              <a:schemeClr val="lt1"/>
-            </a:fontRef>
-          </p:style>
-          <p:txBody>
-            <a:bodyPr anchor="ctr"/>
-            <a:lstStyle/>
-            <a:p>
-              <a:pPr algn="ctr"/>
-              <a:r>
-                <a:rPr lang="en-US" dirty="0">
-                  <a:latin typeface="Helvetica Light" panose="020B0403020202020204" pitchFamily="34" charset="0"/>
-                </a:rPr>
-                <a:t>.</a:t>
-              </a:r>
-              <a:r>
-                <a:rPr lang="en-US" dirty="0" err="1">
-                  <a:latin typeface="Helvetica Light" panose="020B0403020202020204" pitchFamily="34" charset="0"/>
-                </a:rPr>
-                <a:t>git</a:t>
-              </a:r>
-              <a:endParaRPr lang="en-US" dirty="0">
-                <a:latin typeface="Helvetica Light" panose="020B0403020202020204" pitchFamily="34" charset="0"/>
-              </a:endParaRPr>
-            </a:p>
-          </p:txBody>
-        </p:sp>
-        <p:sp>
-          <p:nvSpPr>
-            <p:cNvPr id="12" name="Flowchart: Magnetic Disk 11"/>
-            <p:cNvSpPr/>
-            <p:nvPr/>
-          </p:nvSpPr>
-          <p:spPr>
-            <a:xfrm>
-              <a:off x="4114800" y="1250086"/>
-              <a:ext cx="914400" cy="1150214"/>
-            </a:xfrm>
-            <a:prstGeom prst="flowChartMagneticDisk">
-              <a:avLst/>
-            </a:prstGeom>
-            <a:solidFill>
-              <a:schemeClr val="tx2">
-                <a:lumMod val="20000"/>
-                <a:lumOff val="80000"/>
-              </a:schemeClr>
-            </a:solidFill>
-          </p:spPr>
-          <p:style>
-            <a:lnRef idx="2">
-              <a:schemeClr val="accent1">
-                <a:shade val="50000"/>
-              </a:schemeClr>
-            </a:lnRef>
-            <a:fillRef idx="1">
-              <a:schemeClr val="accent1"/>
-            </a:fillRef>
-            <a:effectRef idx="0">
-              <a:schemeClr val="accent1"/>
-            </a:effectRef>
-            <a:fontRef idx="minor">
-              <a:schemeClr val="lt1"/>
-            </a:fontRef>
-          </p:style>
-          <p:txBody>
-            <a:bodyPr rtlCol="0" anchor="ctr"/>
-            <a:lstStyle/>
-            <a:p>
-              <a:pPr algn="ctr"/>
-              <a:endParaRPr lang="en-US">
-                <a:latin typeface="Helvetica Light" panose="020B0403020202020204" pitchFamily="34" charset="0"/>
-              </a:endParaRPr>
-            </a:p>
-          </p:txBody>
-        </p:sp>
-        <p:cxnSp>
-          <p:nvCxnSpPr>
-            <p:cNvPr id="14" name="Straight Arrow Connector 13"/>
-            <p:cNvCxnSpPr>
-              <a:stCxn id="9" idx="3"/>
-              <a:endCxn id="12" idx="2"/>
-            </p:cNvCxnSpPr>
-            <p:nvPr/>
-          </p:nvCxnSpPr>
-          <p:spPr>
-            <a:xfrm>
-              <a:off x="3566973" y="1825193"/>
-              <a:ext cx="547827" cy="0"/>
-            </a:xfrm>
-            <a:prstGeom prst="straightConnector1">
-              <a:avLst/>
-            </a:prstGeom>
-            <a:ln>
-              <a:tailEnd type="arrow"/>
-            </a:ln>
-          </p:spPr>
-          <p:style>
-            <a:lnRef idx="1">
-              <a:schemeClr val="accent1"/>
-            </a:lnRef>
-            <a:fillRef idx="0">
-              <a:schemeClr val="accent1"/>
-            </a:fillRef>
-            <a:effectRef idx="0">
-              <a:schemeClr val="accent1"/>
-            </a:effectRef>
-            <a:fontRef idx="minor">
-              <a:schemeClr val="tx1"/>
-            </a:fontRef>
-          </p:style>
-        </p:cxnSp>
-        <p:cxnSp>
-          <p:nvCxnSpPr>
-            <p:cNvPr id="16" name="Straight Arrow Connector 15"/>
-            <p:cNvCxnSpPr>
-              <a:endCxn id="9" idx="1"/>
-            </p:cNvCxnSpPr>
-            <p:nvPr/>
-          </p:nvCxnSpPr>
-          <p:spPr>
-            <a:xfrm flipV="1">
-              <a:off x="1905000" y="1825193"/>
-              <a:ext cx="609600" cy="689407"/>
-            </a:xfrm>
-            <a:prstGeom prst="straightConnector1">
-              <a:avLst/>
-            </a:prstGeom>
-            <a:ln>
-              <a:tailEnd type="arrow"/>
-            </a:ln>
-          </p:spPr>
-          <p:style>
-            <a:lnRef idx="1">
-              <a:schemeClr val="accent1"/>
-            </a:lnRef>
-            <a:fillRef idx="0">
-              <a:schemeClr val="accent1"/>
-            </a:fillRef>
-            <a:effectRef idx="0">
-              <a:schemeClr val="accent1"/>
-            </a:effectRef>
-            <a:fontRef idx="minor">
-              <a:schemeClr val="tx1"/>
-            </a:fontRef>
-          </p:style>
-        </p:cxnSp>
-      </p:grpSp>
-      <p:sp>
-        <p:nvSpPr>
-          <p:cNvPr id="17" name="TextBox 16"/>
-          <p:cNvSpPr txBox="1"/>
-          <p:nvPr/>
-        </p:nvSpPr>
-        <p:spPr>
-          <a:xfrm>
-            <a:off x="4572000" y="3825089"/>
-            <a:ext cx="4288561" cy="2308324"/>
-          </a:xfrm>
-          <a:prstGeom prst="rect">
-            <a:avLst/>
-          </a:prstGeom>
-          <a:noFill/>
-        </p:spPr>
-        <p:txBody>
-          <a:bodyPr wrap="square" rtlCol="0">
-            <a:spAutoFit/>
-          </a:bodyPr>
-          <a:lstStyle/>
-          <a:p>
-            <a:r>
-              <a:rPr lang="en-US" dirty="0">
-                <a:solidFill>
-                  <a:srgbClr val="4A452A"/>
-                </a:solidFill>
-                <a:latin typeface="Helvetica Light" panose="020B0403020202020204" pitchFamily="34" charset="0"/>
-              </a:rPr>
-              <a:t>This mini-</a:t>
-            </a:r>
-            <a:r>
-              <a:rPr lang="en-US" dirty="0" err="1">
-                <a:solidFill>
-                  <a:srgbClr val="4A452A"/>
-                </a:solidFill>
-                <a:latin typeface="Helvetica Light" panose="020B0403020202020204" pitchFamily="34" charset="0"/>
-              </a:rPr>
-              <a:t>filesystem</a:t>
-            </a:r>
-            <a:r>
-              <a:rPr lang="en-US" dirty="0">
-                <a:solidFill>
-                  <a:srgbClr val="4A452A"/>
-                </a:solidFill>
-                <a:latin typeface="Helvetica Light" panose="020B0403020202020204" pitchFamily="34" charset="0"/>
-              </a:rPr>
-              <a:t> is highly optimized and very complicated.  Don’t try to read it directly.</a:t>
-            </a:r>
-          </a:p>
-          <a:p>
-            <a:endParaRPr lang="en-US" dirty="0">
-              <a:solidFill>
-                <a:srgbClr val="4A452A"/>
-              </a:solidFill>
-              <a:latin typeface="Helvetica Light" panose="020B0403020202020204" pitchFamily="34" charset="0"/>
-            </a:endParaRPr>
-          </a:p>
-          <a:p>
-            <a:r>
-              <a:rPr lang="en-US" dirty="0">
-                <a:solidFill>
-                  <a:srgbClr val="4A452A"/>
-                </a:solidFill>
-                <a:latin typeface="Helvetica Light" panose="020B0403020202020204" pitchFamily="34" charset="0"/>
-              </a:rPr>
-              <a:t>The job of the </a:t>
-            </a:r>
-            <a:r>
-              <a:rPr lang="en-US" dirty="0" err="1">
-                <a:solidFill>
-                  <a:srgbClr val="4A452A"/>
-                </a:solidFill>
-                <a:latin typeface="Helvetica Light" panose="020B0403020202020204" pitchFamily="34" charset="0"/>
-              </a:rPr>
-              <a:t>git</a:t>
-            </a:r>
-            <a:r>
-              <a:rPr lang="en-US" dirty="0">
-                <a:solidFill>
-                  <a:srgbClr val="4A452A"/>
-                </a:solidFill>
-                <a:latin typeface="Helvetica Light" panose="020B0403020202020204" pitchFamily="34" charset="0"/>
-              </a:rPr>
-              <a:t> client (either </a:t>
-            </a:r>
-            <a:r>
-              <a:rPr lang="en-US" dirty="0" err="1">
-                <a:solidFill>
-                  <a:srgbClr val="4A452A"/>
-                </a:solidFill>
-                <a:latin typeface="Helvetica Light" panose="020B0403020202020204" pitchFamily="34" charset="0"/>
-              </a:rPr>
-              <a:t>Github</a:t>
-            </a:r>
-            <a:r>
-              <a:rPr lang="en-US" dirty="0">
-                <a:solidFill>
-                  <a:srgbClr val="4A452A"/>
-                </a:solidFill>
-                <a:latin typeface="Helvetica Light" panose="020B0403020202020204" pitchFamily="34" charset="0"/>
-              </a:rPr>
-              <a:t> for Windows, </a:t>
-            </a:r>
-            <a:r>
-              <a:rPr lang="en-US" dirty="0" err="1">
-                <a:solidFill>
-                  <a:srgbClr val="4A452A"/>
-                </a:solidFill>
-                <a:latin typeface="Helvetica Light" panose="020B0403020202020204" pitchFamily="34" charset="0"/>
-              </a:rPr>
-              <a:t>Github</a:t>
-            </a:r>
-            <a:r>
-              <a:rPr lang="en-US" dirty="0">
-                <a:solidFill>
-                  <a:srgbClr val="4A452A"/>
-                </a:solidFill>
-                <a:latin typeface="Helvetica Light" panose="020B0403020202020204" pitchFamily="34" charset="0"/>
-              </a:rPr>
-              <a:t> for Mac, or a suite of command-line utilities) is to manage this for you.</a:t>
-            </a:r>
-          </a:p>
-        </p:txBody>
-      </p:sp>
-    </p:spTree>
-    <p:extLst>
-      <p:ext uri="{BB962C8B-B14F-4D97-AF65-F5344CB8AC3E}">
-        <p14:creationId xmlns:p14="http://schemas.microsoft.com/office/powerpoint/2010/main" val="1011232846"/>
       </p:ext>
     </p:extLst>
   </p:cSld>
